--- a/presentation cyptoproject.pptx
+++ b/presentation cyptoproject.pptx
@@ -6,12 +6,14 @@
   </p:sldMasterIdLst>
   <p:sldIdLst>
     <p:sldId id="256" r:id="rId2"/>
-    <p:sldId id="261" r:id="rId3"/>
-    <p:sldId id="257" r:id="rId4"/>
-    <p:sldId id="258" r:id="rId5"/>
-    <p:sldId id="259" r:id="rId6"/>
-    <p:sldId id="260" r:id="rId7"/>
-    <p:sldId id="262" r:id="rId8"/>
+    <p:sldId id="263" r:id="rId3"/>
+    <p:sldId id="261" r:id="rId4"/>
+    <p:sldId id="257" r:id="rId5"/>
+    <p:sldId id="264" r:id="rId6"/>
+    <p:sldId id="259" r:id="rId7"/>
+    <p:sldId id="260" r:id="rId8"/>
+    <p:sldId id="258" r:id="rId9"/>
+    <p:sldId id="262" r:id="rId10"/>
   </p:sldIdLst>
   <p:sldSz cx="12192000" cy="6858000"/>
   <p:notesSz cx="6858000" cy="9144000"/>
@@ -265,7 +267,7 @@
           <a:p>
             <a:fld id="{1394F491-6774-4F06-8CF4-47FA4DE40F71}" type="datetimeFigureOut">
               <a:rPr lang="en-US" smtClean="0"/>
-              <a:t>4/3/2018</a:t>
+              <a:t>4/5/2018</a:t>
             </a:fld>
             <a:endParaRPr lang="en-US"/>
           </a:p>
@@ -463,7 +465,7 @@
           <a:p>
             <a:fld id="{1394F491-6774-4F06-8CF4-47FA4DE40F71}" type="datetimeFigureOut">
               <a:rPr lang="en-US" smtClean="0"/>
-              <a:t>4/3/2018</a:t>
+              <a:t>4/5/2018</a:t>
             </a:fld>
             <a:endParaRPr lang="en-US"/>
           </a:p>
@@ -671,7 +673,7 @@
           <a:p>
             <a:fld id="{1394F491-6774-4F06-8CF4-47FA4DE40F71}" type="datetimeFigureOut">
               <a:rPr lang="en-US" smtClean="0"/>
-              <a:t>4/3/2018</a:t>
+              <a:t>4/5/2018</a:t>
             </a:fld>
             <a:endParaRPr lang="en-US"/>
           </a:p>
@@ -869,7 +871,7 @@
           <a:p>
             <a:fld id="{1394F491-6774-4F06-8CF4-47FA4DE40F71}" type="datetimeFigureOut">
               <a:rPr lang="en-US" smtClean="0"/>
-              <a:t>4/3/2018</a:t>
+              <a:t>4/5/2018</a:t>
             </a:fld>
             <a:endParaRPr lang="en-US"/>
           </a:p>
@@ -1144,7 +1146,7 @@
           <a:p>
             <a:fld id="{1394F491-6774-4F06-8CF4-47FA4DE40F71}" type="datetimeFigureOut">
               <a:rPr lang="en-US" smtClean="0"/>
-              <a:t>4/3/2018</a:t>
+              <a:t>4/5/2018</a:t>
             </a:fld>
             <a:endParaRPr lang="en-US"/>
           </a:p>
@@ -1409,7 +1411,7 @@
           <a:p>
             <a:fld id="{1394F491-6774-4F06-8CF4-47FA4DE40F71}" type="datetimeFigureOut">
               <a:rPr lang="en-US" smtClean="0"/>
-              <a:t>4/3/2018</a:t>
+              <a:t>4/5/2018</a:t>
             </a:fld>
             <a:endParaRPr lang="en-US"/>
           </a:p>
@@ -1821,7 +1823,7 @@
           <a:p>
             <a:fld id="{1394F491-6774-4F06-8CF4-47FA4DE40F71}" type="datetimeFigureOut">
               <a:rPr lang="en-US" smtClean="0"/>
-              <a:t>4/3/2018</a:t>
+              <a:t>4/5/2018</a:t>
             </a:fld>
             <a:endParaRPr lang="en-US"/>
           </a:p>
@@ -1962,7 +1964,7 @@
           <a:p>
             <a:fld id="{1394F491-6774-4F06-8CF4-47FA4DE40F71}" type="datetimeFigureOut">
               <a:rPr lang="en-US" smtClean="0"/>
-              <a:t>4/3/2018</a:t>
+              <a:t>4/5/2018</a:t>
             </a:fld>
             <a:endParaRPr lang="en-US"/>
           </a:p>
@@ -2075,7 +2077,7 @@
           <a:p>
             <a:fld id="{1394F491-6774-4F06-8CF4-47FA4DE40F71}" type="datetimeFigureOut">
               <a:rPr lang="en-US" smtClean="0"/>
-              <a:t>4/3/2018</a:t>
+              <a:t>4/5/2018</a:t>
             </a:fld>
             <a:endParaRPr lang="en-US"/>
           </a:p>
@@ -2386,7 +2388,7 @@
           <a:p>
             <a:fld id="{1394F491-6774-4F06-8CF4-47FA4DE40F71}" type="datetimeFigureOut">
               <a:rPr lang="en-US" smtClean="0"/>
-              <a:t>4/3/2018</a:t>
+              <a:t>4/5/2018</a:t>
             </a:fld>
             <a:endParaRPr lang="en-US"/>
           </a:p>
@@ -2674,7 +2676,7 @@
           <a:p>
             <a:fld id="{1394F491-6774-4F06-8CF4-47FA4DE40F71}" type="datetimeFigureOut">
               <a:rPr lang="en-US" smtClean="0"/>
-              <a:t>4/3/2018</a:t>
+              <a:t>4/5/2018</a:t>
             </a:fld>
             <a:endParaRPr lang="en-US"/>
           </a:p>
@@ -2915,7 +2917,7 @@
           <a:p>
             <a:fld id="{1394F491-6774-4F06-8CF4-47FA4DE40F71}" type="datetimeFigureOut">
               <a:rPr lang="en-US" smtClean="0"/>
-              <a:t>4/3/2018</a:t>
+              <a:t>4/5/2018</a:t>
             </a:fld>
             <a:endParaRPr lang="en-US"/>
           </a:p>
@@ -3425,7 +3427,7 @@
           <p:cNvPr id="2" name="Title 1">
             <a:extLst>
               <a:ext uri="{FF2B5EF4-FFF2-40B4-BE49-F238E27FC236}">
-                <a16:creationId xmlns:a16="http://schemas.microsoft.com/office/drawing/2014/main" id="{FE9058BA-6B96-4B7A-81A8-FB25D4C48A8C}"/>
+                <a16:creationId xmlns:a16="http://schemas.microsoft.com/office/drawing/2014/main" id="{EB3699E7-15CE-454C-9EE7-157A61F063A7}"/>
               </a:ext>
             </a:extLst>
           </p:cNvPr>
@@ -3453,6 +3455,89 @@
           <p:cNvPr id="3" name="Content Placeholder 2">
             <a:extLst>
               <a:ext uri="{FF2B5EF4-FFF2-40B4-BE49-F238E27FC236}">
+                <a16:creationId xmlns:a16="http://schemas.microsoft.com/office/drawing/2014/main" id="{002BADF4-EABA-47C2-A690-D267C44D4363}"/>
+              </a:ext>
+            </a:extLst>
+          </p:cNvPr>
+          <p:cNvSpPr>
+            <a:spLocks noGrp="1"/>
+          </p:cNvSpPr>
+          <p:nvPr>
+            <p:ph idx="1"/>
+          </p:nvPr>
+        </p:nvSpPr>
+        <p:spPr/>
+        <p:txBody>
+          <a:bodyPr/>
+          <a:lstStyle/>
+          <a:p>
+            <a:endParaRPr lang="en-US"/>
+          </a:p>
+        </p:txBody>
+      </p:sp>
+    </p:spTree>
+    <p:extLst>
+      <p:ext uri="{BB962C8B-B14F-4D97-AF65-F5344CB8AC3E}">
+        <p14:creationId xmlns:p14="http://schemas.microsoft.com/office/powerpoint/2010/main" val="3973728149"/>
+      </p:ext>
+    </p:extLst>
+  </p:cSld>
+  <p:clrMapOvr>
+    <a:masterClrMapping/>
+  </p:clrMapOvr>
+</p:sld>
+</file>
+
+<file path=ppt/slides/slide3.xml><?xml version="1.0" encoding="utf-8"?>
+<p:sld xmlns:a="http://schemas.openxmlformats.org/drawingml/2006/main" xmlns:r="http://schemas.openxmlformats.org/officeDocument/2006/relationships" xmlns:p="http://schemas.openxmlformats.org/presentationml/2006/main">
+  <p:cSld>
+    <p:spTree>
+      <p:nvGrpSpPr>
+        <p:cNvPr id="1" name=""/>
+        <p:cNvGrpSpPr/>
+        <p:nvPr/>
+      </p:nvGrpSpPr>
+      <p:grpSpPr>
+        <a:xfrm>
+          <a:off x="0" y="0"/>
+          <a:ext cx="0" cy="0"/>
+          <a:chOff x="0" y="0"/>
+          <a:chExt cx="0" cy="0"/>
+        </a:xfrm>
+      </p:grpSpPr>
+      <p:sp>
+        <p:nvSpPr>
+          <p:cNvPr id="2" name="Title 1">
+            <a:extLst>
+              <a:ext uri="{FF2B5EF4-FFF2-40B4-BE49-F238E27FC236}">
+                <a16:creationId xmlns:a16="http://schemas.microsoft.com/office/drawing/2014/main" id="{FE9058BA-6B96-4B7A-81A8-FB25D4C48A8C}"/>
+              </a:ext>
+            </a:extLst>
+          </p:cNvPr>
+          <p:cNvSpPr>
+            <a:spLocks noGrp="1"/>
+          </p:cNvSpPr>
+          <p:nvPr>
+            <p:ph type="title"/>
+          </p:nvPr>
+        </p:nvSpPr>
+        <p:spPr/>
+        <p:txBody>
+          <a:bodyPr/>
+          <a:lstStyle/>
+          <a:p>
+            <a:r>
+              <a:rPr lang="en-US" dirty="0"/>
+              <a:t>Process	</a:t>
+            </a:r>
+          </a:p>
+        </p:txBody>
+      </p:sp>
+      <p:sp>
+        <p:nvSpPr>
+          <p:cNvPr id="3" name="Content Placeholder 2">
+            <a:extLst>
+              <a:ext uri="{FF2B5EF4-FFF2-40B4-BE49-F238E27FC236}">
                 <a16:creationId xmlns:a16="http://schemas.microsoft.com/office/drawing/2014/main" id="{BB9C8E90-3019-4F3E-BE27-CD5099C598F9}"/>
               </a:ext>
             </a:extLst>
@@ -3466,56 +3551,137 @@
         </p:nvSpPr>
         <p:spPr/>
         <p:txBody>
-          <a:bodyPr/>
+          <a:bodyPr>
+            <a:normAutofit fontScale="62500" lnSpcReduction="20000"/>
+          </a:bodyPr>
           <a:lstStyle/>
           <a:p>
             <a:r>
               <a:rPr lang="en-US" dirty="0"/>
-              <a:t>No specific reason</a:t>
-            </a:r>
-          </a:p>
-          <a:p>
+              <a:t>Twitter sentiment analysis:</a:t>
+            </a:r>
+          </a:p>
+          <a:p>
+            <a:pPr lvl="1"/>
             <a:r>
               <a:rPr lang="en-US" dirty="0"/>
-              <a:t>Interested in sentiment analysis</a:t>
-            </a:r>
-          </a:p>
-          <a:p>
+              <a:t>Easy and naive model:</a:t>
+            </a:r>
+          </a:p>
+          <a:p>
+            <a:pPr lvl="2"/>
+            <a:r>
+              <a:rPr lang="en-US" dirty="0"/>
+              <a:t>Comparing fluctuation with sentiment score (the day before)</a:t>
+            </a:r>
+          </a:p>
+          <a:p>
+            <a:pPr lvl="2"/>
+            <a:r>
+              <a:rPr lang="en-US" dirty="0"/>
+              <a:t>A lot of problems with this (more to come)</a:t>
+            </a:r>
+          </a:p>
+          <a:p>
+            <a:pPr lvl="1"/>
+            <a:r>
+              <a:rPr lang="en-US" dirty="0"/>
+              <a:t>the analysis would have to run all tweets for far longer than a month to surely state any basis</a:t>
+            </a:r>
+          </a:p>
+          <a:p>
+            <a:pPr lvl="2"/>
+            <a:r>
+              <a:rPr lang="en-US" dirty="0"/>
+              <a:t>With all tweets (big data)</a:t>
+            </a:r>
+          </a:p>
+          <a:p>
+            <a:pPr lvl="2"/>
+            <a:r>
+              <a:rPr lang="en-US" dirty="0"/>
+              <a:t>Volume of twitter messages ….</a:t>
+            </a:r>
+          </a:p>
+          <a:p>
+            <a:pPr marL="457200" lvl="1" indent="0">
+              <a:buNone/>
+            </a:pPr>
+            <a:endParaRPr lang="en-US" dirty="0"/>
+          </a:p>
+          <a:p>
+            <a:r>
+              <a:rPr lang="en-US" dirty="0"/>
+              <a:t>Gather </a:t>
+            </a:r>
+            <a:r>
+              <a:rPr lang="en-US" dirty="0" err="1"/>
+              <a:t>BitCoin</a:t>
+            </a:r>
+            <a:r>
+              <a:rPr lang="en-US" dirty="0"/>
+              <a:t> data:</a:t>
+            </a:r>
+          </a:p>
+          <a:p>
+            <a:pPr lvl="1"/>
             <a:r>
               <a:rPr lang="en-US" dirty="0"/>
               <a:t>CC very volatile </a:t>
             </a:r>
           </a:p>
           <a:p>
+            <a:pPr lvl="1"/>
             <a:r>
               <a:rPr lang="en-US" dirty="0"/>
-              <a:t>Easy and naive model:</a:t>
+              <a:t>Through API cryptocompare.com </a:t>
+            </a:r>
+            <a:r>
+              <a:rPr lang="en-US" dirty="0">
+                <a:sym typeface="Wingdings" panose="05000000000000000000" pitchFamily="2" charset="2"/>
+              </a:rPr>
+              <a:t> csv etc.</a:t>
             </a:r>
           </a:p>
           <a:p>
             <a:pPr lvl="1"/>
+            <a:endParaRPr lang="en-US" dirty="0">
+              <a:sym typeface="Wingdings" panose="05000000000000000000" pitchFamily="2" charset="2"/>
+            </a:endParaRPr>
+          </a:p>
+          <a:p>
             <a:r>
               <a:rPr lang="en-US" dirty="0"/>
-              <a:t>Comparing fluctuation with sentiment score (the day before)</a:t>
-            </a:r>
+              <a:t>Merge </a:t>
+            </a:r>
+            <a:r>
+              <a:rPr lang="en-US" dirty="0" err="1"/>
+              <a:t>dataframes</a:t>
+            </a:r>
+            <a:endParaRPr lang="en-US" dirty="0"/>
           </a:p>
           <a:p>
             <a:pPr lvl="1"/>
             <a:r>
               <a:rPr lang="en-US" dirty="0"/>
-              <a:t>A lot of problems with this (more to come)</a:t>
-            </a:r>
-          </a:p>
-          <a:p>
+              <a:t>Make analysis</a:t>
+            </a:r>
+          </a:p>
+          <a:p>
+            <a:pPr lvl="1"/>
             <a:r>
               <a:rPr lang="en-US" dirty="0"/>
-              <a:t>Volume of twitter messages ….</a:t>
-            </a:r>
+              <a:t>Correlation coefficient?</a:t>
+            </a:r>
+          </a:p>
+          <a:p>
+            <a:pPr lvl="1"/>
+            <a:endParaRPr lang="en-US" dirty="0"/>
           </a:p>
           <a:p>
             <a:r>
               <a:rPr lang="en-US" dirty="0"/>
-              <a:t>Warning! No result is also a result</a:t>
+              <a:t>Warning! No result is also a result!!!!</a:t>
             </a:r>
           </a:p>
           <a:p>
@@ -3536,7 +3702,7 @@
 </p:sld>
 </file>
 
-<file path=ppt/slides/slide3.xml><?xml version="1.0" encoding="utf-8"?>
+<file path=ppt/slides/slide4.xml><?xml version="1.0" encoding="utf-8"?>
 <p:sld xmlns:a="http://schemas.openxmlformats.org/drawingml/2006/main" xmlns:r="http://schemas.openxmlformats.org/officeDocument/2006/relationships" xmlns:p="http://schemas.openxmlformats.org/presentationml/2006/main">
   <p:cSld>
     <p:bg>
@@ -4095,148 +4261,6 @@
 </p:sld>
 </file>
 
-<file path=ppt/slides/slide4.xml><?xml version="1.0" encoding="utf-8"?>
-<p:sld xmlns:a="http://schemas.openxmlformats.org/drawingml/2006/main" xmlns:r="http://schemas.openxmlformats.org/officeDocument/2006/relationships" xmlns:p="http://schemas.openxmlformats.org/presentationml/2006/main">
-  <p:cSld>
-    <p:spTree>
-      <p:nvGrpSpPr>
-        <p:cNvPr id="1" name=""/>
-        <p:cNvGrpSpPr/>
-        <p:nvPr/>
-      </p:nvGrpSpPr>
-      <p:grpSpPr>
-        <a:xfrm>
-          <a:off x="0" y="0"/>
-          <a:ext cx="0" cy="0"/>
-          <a:chOff x="0" y="0"/>
-          <a:chExt cx="0" cy="0"/>
-        </a:xfrm>
-      </p:grpSpPr>
-      <p:sp>
-        <p:nvSpPr>
-          <p:cNvPr id="2" name="Title 1">
-            <a:extLst>
-              <a:ext uri="{FF2B5EF4-FFF2-40B4-BE49-F238E27FC236}">
-                <a16:creationId xmlns:a16="http://schemas.microsoft.com/office/drawing/2014/main" id="{3D87517F-EB5A-42A4-BEFB-8A9B984B373F}"/>
-              </a:ext>
-            </a:extLst>
-          </p:cNvPr>
-          <p:cNvSpPr>
-            <a:spLocks noGrp="1"/>
-          </p:cNvSpPr>
-          <p:nvPr>
-            <p:ph type="title"/>
-          </p:nvPr>
-        </p:nvSpPr>
-        <p:spPr/>
-        <p:txBody>
-          <a:bodyPr/>
-          <a:lstStyle/>
-          <a:p>
-            <a:r>
-              <a:rPr lang="en-US" dirty="0"/>
-              <a:t>Twitter Sentiment Analysis</a:t>
-            </a:r>
-          </a:p>
-        </p:txBody>
-      </p:sp>
-      <p:sp>
-        <p:nvSpPr>
-          <p:cNvPr id="3" name="Content Placeholder 2">
-            <a:extLst>
-              <a:ext uri="{FF2B5EF4-FFF2-40B4-BE49-F238E27FC236}">
-                <a16:creationId xmlns:a16="http://schemas.microsoft.com/office/drawing/2014/main" id="{998FB43C-28E3-4942-A21D-DF4B7E67F738}"/>
-              </a:ext>
-            </a:extLst>
-          </p:cNvPr>
-          <p:cNvSpPr>
-            <a:spLocks noGrp="1"/>
-          </p:cNvSpPr>
-          <p:nvPr>
-            <p:ph idx="1"/>
-          </p:nvPr>
-        </p:nvSpPr>
-        <p:spPr/>
-        <p:txBody>
-          <a:bodyPr/>
-          <a:lstStyle/>
-          <a:p>
-            <a:r>
-              <a:rPr lang="en-US" dirty="0"/>
-              <a:t>Plan for your project presentations to be 10 minutes in </a:t>
-            </a:r>
-            <a:r>
-              <a:rPr lang="en-US" dirty="0" err="1"/>
-              <a:t>length.Don’t</a:t>
-            </a:r>
-            <a:r>
-              <a:rPr lang="en-US" dirty="0"/>
-              <a:t> forget to describe your research questions and </a:t>
-            </a:r>
-            <a:r>
-              <a:rPr lang="en-US" dirty="0" err="1"/>
-              <a:t>hypotheses.Describe</a:t>
-            </a:r>
-            <a:r>
-              <a:rPr lang="en-US" dirty="0"/>
-              <a:t> what motivated you to conduct the research that you delved into. Why are you doing </a:t>
-            </a:r>
-            <a:r>
-              <a:rPr lang="en-US" dirty="0" err="1"/>
-              <a:t>this?Describe</a:t>
-            </a:r>
-            <a:r>
-              <a:rPr lang="en-US" dirty="0"/>
-              <a:t> the EDA and cleanup process. Describe any major challenges you </a:t>
-            </a:r>
-            <a:r>
-              <a:rPr lang="en-US" dirty="0" err="1"/>
-              <a:t>had.Describe</a:t>
-            </a:r>
-            <a:r>
-              <a:rPr lang="en-US" dirty="0"/>
-              <a:t> your findings. How did you arrive at your conclusions. What irrefutable evidence do you have that will crush all of your critics and </a:t>
-            </a:r>
-            <a:r>
-              <a:rPr lang="en-US" dirty="0" err="1"/>
-              <a:t>enemies?Discuss</a:t>
-            </a:r>
-            <a:r>
-              <a:rPr lang="en-US" dirty="0"/>
-              <a:t> the big picture implications of your findings. What does it all mean, </a:t>
-            </a:r>
-            <a:r>
-              <a:rPr lang="en-US" dirty="0" err="1"/>
-              <a:t>man?What</a:t>
-            </a:r>
-            <a:r>
-              <a:rPr lang="en-US" dirty="0"/>
-              <a:t> did you learn during this process, in general? (edited)Tell a good story. Humor is welcome, but no more than 7 </a:t>
-            </a:r>
-            <a:r>
-              <a:rPr lang="en-US" dirty="0" err="1"/>
-              <a:t>giphies</a:t>
-            </a:r>
-            <a:r>
-              <a:rPr lang="en-US" dirty="0"/>
-              <a:t> are allowed.</a:t>
-            </a:r>
-          </a:p>
-        </p:txBody>
-      </p:sp>
-    </p:spTree>
-    <p:extLst>
-      <p:ext uri="{BB962C8B-B14F-4D97-AF65-F5344CB8AC3E}">
-        <p14:creationId xmlns:p14="http://schemas.microsoft.com/office/powerpoint/2010/main" val="2804968142"/>
-      </p:ext>
-    </p:extLst>
-  </p:cSld>
-  <p:clrMapOvr>
-    <a:masterClrMapping/>
-  </p:clrMapOvr>
-</p:sld>
-</file>
-
 <file path=ppt/slides/slide5.xml><?xml version="1.0" encoding="utf-8"?>
 <p:sld xmlns:a="http://schemas.openxmlformats.org/drawingml/2006/main" xmlns:r="http://schemas.openxmlformats.org/officeDocument/2006/relationships" xmlns:p="http://schemas.openxmlformats.org/presentationml/2006/main">
   <p:cSld>
@@ -4259,7 +4283,7 @@
           <p:cNvPr id="2" name="Title 1">
             <a:extLst>
               <a:ext uri="{FF2B5EF4-FFF2-40B4-BE49-F238E27FC236}">
-                <a16:creationId xmlns:a16="http://schemas.microsoft.com/office/drawing/2014/main" id="{E86E4FC7-F59E-429B-B8B8-0507F7441D21}"/>
+                <a16:creationId xmlns:a16="http://schemas.microsoft.com/office/drawing/2014/main" id="{50BF11CB-33BD-4E5E-8804-B4C42CBDFFE6}"/>
               </a:ext>
             </a:extLst>
           </p:cNvPr>
@@ -4275,10 +4299,7 @@
           <a:bodyPr/>
           <a:lstStyle/>
           <a:p>
-            <a:r>
-              <a:rPr lang="en-US" dirty="0"/>
-              <a:t>Influencers?</a:t>
-            </a:r>
+            <a:endParaRPr lang="en-US"/>
           </a:p>
         </p:txBody>
       </p:sp>
@@ -4287,7 +4308,7 @@
           <p:cNvPr id="3" name="Content Placeholder 2">
             <a:extLst>
               <a:ext uri="{FF2B5EF4-FFF2-40B4-BE49-F238E27FC236}">
-                <a16:creationId xmlns:a16="http://schemas.microsoft.com/office/drawing/2014/main" id="{6E6ECF11-6351-453A-B071-FA326E51C77B}"/>
+                <a16:creationId xmlns:a16="http://schemas.microsoft.com/office/drawing/2014/main" id="{AD2BBB36-936E-4F59-AC0D-AF06306EC7D2}"/>
               </a:ext>
             </a:extLst>
           </p:cNvPr>
@@ -4300,99 +4321,17 @@
         </p:nvSpPr>
         <p:spPr/>
         <p:txBody>
-          <a:bodyPr>
-            <a:normAutofit fontScale="92500" lnSpcReduction="20000"/>
-          </a:bodyPr>
-          <a:lstStyle/>
-          <a:p>
-            <a:r>
-              <a:rPr lang="en-US" dirty="0"/>
-              <a:t>the analysis would have to run for far longer than a month to surely state any basis</a:t>
-            </a:r>
-          </a:p>
-          <a:p>
-            <a:endParaRPr lang="en-US" dirty="0"/>
-          </a:p>
-          <a:p>
-            <a:r>
-              <a:rPr lang="en-US" dirty="0"/>
-              <a:t>The primary conclusion is that even though the presented </a:t>
-            </a:r>
-            <a:r>
-              <a:rPr lang="en-US" dirty="0" err="1"/>
-              <a:t>predic</a:t>
-            </a:r>
-            <a:r>
-              <a:rPr lang="en-US" dirty="0"/>
-              <a:t>-</a:t>
-            </a:r>
-          </a:p>
-          <a:p>
-            <a:r>
-              <a:rPr lang="en-US" dirty="0" err="1"/>
-              <a:t>tion</a:t>
-            </a:r>
-            <a:r>
-              <a:rPr lang="en-US" dirty="0"/>
-              <a:t> model yielded a 83% accuracy, the number of predictions were</a:t>
-            </a:r>
-          </a:p>
-          <a:p>
-            <a:r>
-              <a:rPr lang="en-US" dirty="0"/>
-              <a:t>so few that venturing into prediction model conclusions would be un-</a:t>
-            </a:r>
-          </a:p>
-          <a:p>
-            <a:r>
-              <a:rPr lang="en-US" dirty="0"/>
-              <a:t>founded.</a:t>
-            </a:r>
-          </a:p>
-          <a:p>
-            <a:r>
-              <a:rPr lang="en-US" dirty="0"/>
-              <a:t>Further improvements of the analysis would begin with the </a:t>
-            </a:r>
-            <a:r>
-              <a:rPr lang="en-US" dirty="0" err="1"/>
-              <a:t>lexi</a:t>
-            </a:r>
-            <a:r>
-              <a:rPr lang="en-US" dirty="0"/>
-              <a:t>-</a:t>
-            </a:r>
-          </a:p>
-          <a:p>
-            <a:r>
-              <a:rPr lang="en-US" dirty="0"/>
-              <a:t>con, as improving the classifier by adding a domain-specific lexicon</a:t>
-            </a:r>
-          </a:p>
-          <a:p>
-            <a:r>
-              <a:rPr lang="en-US" dirty="0"/>
-              <a:t>would identify financial and cryptocurrency terms and yield a more</a:t>
-            </a:r>
-          </a:p>
-          <a:p>
-            <a:r>
-              <a:rPr lang="en-US" dirty="0"/>
-              <a:t>representative sentiment, hopefully improving the prediction accuracy</a:t>
-            </a:r>
-          </a:p>
-          <a:p>
-            <a:endParaRPr lang="en-US" dirty="0"/>
-          </a:p>
-          <a:p>
-            <a:endParaRPr lang="en-US" dirty="0"/>
+          <a:bodyPr/>
+          <a:lstStyle/>
+          <a:p>
+            <a:endParaRPr lang="en-US"/>
           </a:p>
         </p:txBody>
       </p:sp>
     </p:spTree>
     <p:extLst>
       <p:ext uri="{BB962C8B-B14F-4D97-AF65-F5344CB8AC3E}">
-        <p14:creationId xmlns:p14="http://schemas.microsoft.com/office/powerpoint/2010/main" val="1603156389"/>
+        <p14:creationId xmlns:p14="http://schemas.microsoft.com/office/powerpoint/2010/main" val="3104396649"/>
       </p:ext>
     </p:extLst>
   </p:cSld>
@@ -4424,6 +4363,171 @@
           <p:cNvPr id="2" name="Title 1">
             <a:extLst>
               <a:ext uri="{FF2B5EF4-FFF2-40B4-BE49-F238E27FC236}">
+                <a16:creationId xmlns:a16="http://schemas.microsoft.com/office/drawing/2014/main" id="{E86E4FC7-F59E-429B-B8B8-0507F7441D21}"/>
+              </a:ext>
+            </a:extLst>
+          </p:cNvPr>
+          <p:cNvSpPr>
+            <a:spLocks noGrp="1"/>
+          </p:cNvSpPr>
+          <p:nvPr>
+            <p:ph type="title"/>
+          </p:nvPr>
+        </p:nvSpPr>
+        <p:spPr/>
+        <p:txBody>
+          <a:bodyPr/>
+          <a:lstStyle/>
+          <a:p>
+            <a:r>
+              <a:rPr lang="en-US" dirty="0"/>
+              <a:t>Influencers?</a:t>
+            </a:r>
+          </a:p>
+        </p:txBody>
+      </p:sp>
+      <p:sp>
+        <p:nvSpPr>
+          <p:cNvPr id="3" name="Content Placeholder 2">
+            <a:extLst>
+              <a:ext uri="{FF2B5EF4-FFF2-40B4-BE49-F238E27FC236}">
+                <a16:creationId xmlns:a16="http://schemas.microsoft.com/office/drawing/2014/main" id="{6E6ECF11-6351-453A-B071-FA326E51C77B}"/>
+              </a:ext>
+            </a:extLst>
+          </p:cNvPr>
+          <p:cNvSpPr>
+            <a:spLocks noGrp="1"/>
+          </p:cNvSpPr>
+          <p:nvPr>
+            <p:ph idx="1"/>
+          </p:nvPr>
+        </p:nvSpPr>
+        <p:spPr/>
+        <p:txBody>
+          <a:bodyPr>
+            <a:normAutofit fontScale="92500" lnSpcReduction="20000"/>
+          </a:bodyPr>
+          <a:lstStyle/>
+          <a:p>
+            <a:r>
+              <a:rPr lang="en-US" dirty="0"/>
+              <a:t>the analysis would have to run for far longer than a month to surely state any basis</a:t>
+            </a:r>
+          </a:p>
+          <a:p>
+            <a:endParaRPr lang="en-US" dirty="0"/>
+          </a:p>
+          <a:p>
+            <a:r>
+              <a:rPr lang="en-US" dirty="0"/>
+              <a:t>The primary conclusion is that even though the presented </a:t>
+            </a:r>
+            <a:r>
+              <a:rPr lang="en-US" dirty="0" err="1"/>
+              <a:t>predic</a:t>
+            </a:r>
+            <a:r>
+              <a:rPr lang="en-US" dirty="0"/>
+              <a:t>-</a:t>
+            </a:r>
+          </a:p>
+          <a:p>
+            <a:r>
+              <a:rPr lang="en-US" dirty="0" err="1"/>
+              <a:t>tion</a:t>
+            </a:r>
+            <a:r>
+              <a:rPr lang="en-US" dirty="0"/>
+              <a:t> model yielded a 83% accuracy, the number of predictions were</a:t>
+            </a:r>
+          </a:p>
+          <a:p>
+            <a:r>
+              <a:rPr lang="en-US" dirty="0"/>
+              <a:t>so few that venturing into prediction model conclusions would be un-</a:t>
+            </a:r>
+          </a:p>
+          <a:p>
+            <a:r>
+              <a:rPr lang="en-US" dirty="0"/>
+              <a:t>founded.</a:t>
+            </a:r>
+          </a:p>
+          <a:p>
+            <a:r>
+              <a:rPr lang="en-US" dirty="0"/>
+              <a:t>Further improvements of the analysis would begin with the </a:t>
+            </a:r>
+            <a:r>
+              <a:rPr lang="en-US" dirty="0" err="1"/>
+              <a:t>lexi</a:t>
+            </a:r>
+            <a:r>
+              <a:rPr lang="en-US" dirty="0"/>
+              <a:t>-</a:t>
+            </a:r>
+          </a:p>
+          <a:p>
+            <a:r>
+              <a:rPr lang="en-US" dirty="0"/>
+              <a:t>con, as improving the classifier by adding a domain-specific lexicon</a:t>
+            </a:r>
+          </a:p>
+          <a:p>
+            <a:r>
+              <a:rPr lang="en-US" dirty="0"/>
+              <a:t>would identify financial and cryptocurrency terms and yield a more</a:t>
+            </a:r>
+          </a:p>
+          <a:p>
+            <a:r>
+              <a:rPr lang="en-US" dirty="0"/>
+              <a:t>representative sentiment, hopefully improving the prediction accuracy</a:t>
+            </a:r>
+          </a:p>
+          <a:p>
+            <a:endParaRPr lang="en-US" dirty="0"/>
+          </a:p>
+          <a:p>
+            <a:endParaRPr lang="en-US" dirty="0"/>
+          </a:p>
+        </p:txBody>
+      </p:sp>
+    </p:spTree>
+    <p:extLst>
+      <p:ext uri="{BB962C8B-B14F-4D97-AF65-F5344CB8AC3E}">
+        <p14:creationId xmlns:p14="http://schemas.microsoft.com/office/powerpoint/2010/main" val="1603156389"/>
+      </p:ext>
+    </p:extLst>
+  </p:cSld>
+  <p:clrMapOvr>
+    <a:masterClrMapping/>
+  </p:clrMapOvr>
+</p:sld>
+</file>
+
+<file path=ppt/slides/slide7.xml><?xml version="1.0" encoding="utf-8"?>
+<p:sld xmlns:a="http://schemas.openxmlformats.org/drawingml/2006/main" xmlns:r="http://schemas.openxmlformats.org/officeDocument/2006/relationships" xmlns:p="http://schemas.openxmlformats.org/presentationml/2006/main">
+  <p:cSld>
+    <p:spTree>
+      <p:nvGrpSpPr>
+        <p:cNvPr id="1" name=""/>
+        <p:cNvGrpSpPr/>
+        <p:nvPr/>
+      </p:nvGrpSpPr>
+      <p:grpSpPr>
+        <a:xfrm>
+          <a:off x="0" y="0"/>
+          <a:ext cx="0" cy="0"/>
+          <a:chOff x="0" y="0"/>
+          <a:chExt cx="0" cy="0"/>
+        </a:xfrm>
+      </p:grpSpPr>
+      <p:sp>
+        <p:nvSpPr>
+          <p:cNvPr id="2" name="Title 1">
+            <a:extLst>
+              <a:ext uri="{FF2B5EF4-FFF2-40B4-BE49-F238E27FC236}">
                 <a16:creationId xmlns:a16="http://schemas.microsoft.com/office/drawing/2014/main" id="{06AE08C6-27A1-4AE3-9190-2BA7F72A155E}"/>
               </a:ext>
             </a:extLst>
@@ -4510,7 +4614,149 @@
 </p:sld>
 </file>
 
-<file path=ppt/slides/slide7.xml><?xml version="1.0" encoding="utf-8"?>
+<file path=ppt/slides/slide8.xml><?xml version="1.0" encoding="utf-8"?>
+<p:sld xmlns:a="http://schemas.openxmlformats.org/drawingml/2006/main" xmlns:r="http://schemas.openxmlformats.org/officeDocument/2006/relationships" xmlns:p="http://schemas.openxmlformats.org/presentationml/2006/main">
+  <p:cSld>
+    <p:spTree>
+      <p:nvGrpSpPr>
+        <p:cNvPr id="1" name=""/>
+        <p:cNvGrpSpPr/>
+        <p:nvPr/>
+      </p:nvGrpSpPr>
+      <p:grpSpPr>
+        <a:xfrm>
+          <a:off x="0" y="0"/>
+          <a:ext cx="0" cy="0"/>
+          <a:chOff x="0" y="0"/>
+          <a:chExt cx="0" cy="0"/>
+        </a:xfrm>
+      </p:grpSpPr>
+      <p:sp>
+        <p:nvSpPr>
+          <p:cNvPr id="2" name="Title 1">
+            <a:extLst>
+              <a:ext uri="{FF2B5EF4-FFF2-40B4-BE49-F238E27FC236}">
+                <a16:creationId xmlns:a16="http://schemas.microsoft.com/office/drawing/2014/main" id="{3D87517F-EB5A-42A4-BEFB-8A9B984B373F}"/>
+              </a:ext>
+            </a:extLst>
+          </p:cNvPr>
+          <p:cNvSpPr>
+            <a:spLocks noGrp="1"/>
+          </p:cNvSpPr>
+          <p:nvPr>
+            <p:ph type="title"/>
+          </p:nvPr>
+        </p:nvSpPr>
+        <p:spPr/>
+        <p:txBody>
+          <a:bodyPr/>
+          <a:lstStyle/>
+          <a:p>
+            <a:r>
+              <a:rPr lang="en-US" dirty="0"/>
+              <a:t>Twitter Sentiment Analysis</a:t>
+            </a:r>
+          </a:p>
+        </p:txBody>
+      </p:sp>
+      <p:sp>
+        <p:nvSpPr>
+          <p:cNvPr id="3" name="Content Placeholder 2">
+            <a:extLst>
+              <a:ext uri="{FF2B5EF4-FFF2-40B4-BE49-F238E27FC236}">
+                <a16:creationId xmlns:a16="http://schemas.microsoft.com/office/drawing/2014/main" id="{998FB43C-28E3-4942-A21D-DF4B7E67F738}"/>
+              </a:ext>
+            </a:extLst>
+          </p:cNvPr>
+          <p:cNvSpPr>
+            <a:spLocks noGrp="1"/>
+          </p:cNvSpPr>
+          <p:nvPr>
+            <p:ph idx="1"/>
+          </p:nvPr>
+        </p:nvSpPr>
+        <p:spPr/>
+        <p:txBody>
+          <a:bodyPr>
+            <a:normAutofit fontScale="92500" lnSpcReduction="20000"/>
+          </a:bodyPr>
+          <a:lstStyle/>
+          <a:p>
+            <a:r>
+              <a:rPr lang="en-US" dirty="0"/>
+              <a:t>Plan for your project presentations to be 10 minutes in </a:t>
+            </a:r>
+            <a:r>
+              <a:rPr lang="en-US" dirty="0" err="1"/>
+              <a:t>length.Don’t</a:t>
+            </a:r>
+            <a:r>
+              <a:rPr lang="en-US" dirty="0"/>
+              <a:t> forget to describe your research questions and hypotheses.</a:t>
+            </a:r>
+          </a:p>
+          <a:p>
+            <a:r>
+              <a:rPr lang="en-US" dirty="0"/>
+              <a:t>Describe what motivated you to conduct the research that you delved into. Why are you doing this?</a:t>
+            </a:r>
+          </a:p>
+          <a:p>
+            <a:r>
+              <a:rPr lang="en-US" dirty="0"/>
+              <a:t>Describe the EDA and cleanup process. </a:t>
+            </a:r>
+          </a:p>
+          <a:p>
+            <a:r>
+              <a:rPr lang="en-US" dirty="0"/>
+              <a:t>Describe any major challenges you had.</a:t>
+            </a:r>
+          </a:p>
+          <a:p>
+            <a:r>
+              <a:rPr lang="en-US" dirty="0"/>
+              <a:t>Describe your findings. How did you arrive at your conclusions. What irrefutable evidence do you have that will crush all of your critics and </a:t>
+            </a:r>
+            <a:r>
+              <a:rPr lang="en-US" dirty="0" err="1"/>
+              <a:t>enemies?Discuss</a:t>
+            </a:r>
+            <a:r>
+              <a:rPr lang="en-US" dirty="0"/>
+              <a:t> the big picture implications of your findings. What does it all mean, man?</a:t>
+            </a:r>
+          </a:p>
+          <a:p>
+            <a:r>
+              <a:rPr lang="en-US" dirty="0"/>
+              <a:t>What did you learn during this process, in general? (edited)Tell a good story. Humor is welcome, but no more than 7 </a:t>
+            </a:r>
+            <a:r>
+              <a:rPr lang="en-US" dirty="0" err="1"/>
+              <a:t>giphies</a:t>
+            </a:r>
+            <a:r>
+              <a:rPr lang="en-US" dirty="0"/>
+              <a:t> are allowed.</a:t>
+            </a:r>
+          </a:p>
+        </p:txBody>
+      </p:sp>
+    </p:spTree>
+    <p:extLst>
+      <p:ext uri="{BB962C8B-B14F-4D97-AF65-F5344CB8AC3E}">
+        <p14:creationId xmlns:p14="http://schemas.microsoft.com/office/powerpoint/2010/main" val="2804968142"/>
+      </p:ext>
+    </p:extLst>
+  </p:cSld>
+  <p:clrMapOvr>
+    <a:masterClrMapping/>
+  </p:clrMapOvr>
+</p:sld>
+</file>
+
+<file path=ppt/slides/slide9.xml><?xml version="1.0" encoding="utf-8"?>
 <p:sld xmlns:a="http://schemas.openxmlformats.org/drawingml/2006/main" xmlns:r="http://schemas.openxmlformats.org/officeDocument/2006/relationships" xmlns:p="http://schemas.openxmlformats.org/presentationml/2006/main">
   <p:cSld>
     <p:spTree>

--- a/presentation cyptoproject.pptx
+++ b/presentation cyptoproject.pptx
@@ -4,16 +4,16 @@
   <p:sldMasterIdLst>
     <p:sldMasterId id="2147483648" r:id="rId1"/>
   </p:sldMasterIdLst>
+  <p:notesMasterIdLst>
+    <p:notesMasterId r:id="rId8"/>
+  </p:notesMasterIdLst>
   <p:sldIdLst>
     <p:sldId id="256" r:id="rId2"/>
     <p:sldId id="263" r:id="rId3"/>
-    <p:sldId id="261" r:id="rId4"/>
-    <p:sldId id="257" r:id="rId5"/>
-    <p:sldId id="264" r:id="rId6"/>
-    <p:sldId id="259" r:id="rId7"/>
-    <p:sldId id="260" r:id="rId8"/>
-    <p:sldId id="258" r:id="rId9"/>
-    <p:sldId id="262" r:id="rId10"/>
+    <p:sldId id="257" r:id="rId4"/>
+    <p:sldId id="264" r:id="rId5"/>
+    <p:sldId id="265" r:id="rId6"/>
+    <p:sldId id="258" r:id="rId7"/>
   </p:sldIdLst>
   <p:sldSz cx="12192000" cy="6858000"/>
   <p:notesSz cx="6858000" cy="9144000"/>
@@ -118,6 +118,815 @@
     </p:ext>
   </p:extLst>
 </p:presentation>
+</file>
+
+<file path=ppt/notesMasters/notesMaster1.xml><?xml version="1.0" encoding="utf-8"?>
+<p:notesMaster xmlns:a="http://schemas.openxmlformats.org/drawingml/2006/main" xmlns:r="http://schemas.openxmlformats.org/officeDocument/2006/relationships" xmlns:p="http://schemas.openxmlformats.org/presentationml/2006/main">
+  <p:cSld>
+    <p:bg>
+      <p:bgRef idx="1001">
+        <a:schemeClr val="bg1"/>
+      </p:bgRef>
+    </p:bg>
+    <p:spTree>
+      <p:nvGrpSpPr>
+        <p:cNvPr id="1" name=""/>
+        <p:cNvGrpSpPr/>
+        <p:nvPr/>
+      </p:nvGrpSpPr>
+      <p:grpSpPr>
+        <a:xfrm>
+          <a:off x="0" y="0"/>
+          <a:ext cx="0" cy="0"/>
+          <a:chOff x="0" y="0"/>
+          <a:chExt cx="0" cy="0"/>
+        </a:xfrm>
+      </p:grpSpPr>
+      <p:sp>
+        <p:nvSpPr>
+          <p:cNvPr id="2" name="Header Placeholder 1"/>
+          <p:cNvSpPr>
+            <a:spLocks noGrp="1"/>
+          </p:cNvSpPr>
+          <p:nvPr>
+            <p:ph type="hdr" sz="quarter"/>
+          </p:nvPr>
+        </p:nvSpPr>
+        <p:spPr>
+          <a:xfrm>
+            <a:off x="0" y="0"/>
+            <a:ext cx="2971800" cy="458788"/>
+          </a:xfrm>
+          <a:prstGeom prst="rect">
+            <a:avLst/>
+          </a:prstGeom>
+        </p:spPr>
+        <p:txBody>
+          <a:bodyPr vert="horz" lIns="91440" tIns="45720" rIns="91440" bIns="45720" rtlCol="0"/>
+          <a:lstStyle>
+            <a:lvl1pPr algn="l">
+              <a:defRPr sz="1200"/>
+            </a:lvl1pPr>
+          </a:lstStyle>
+          <a:p>
+            <a:endParaRPr lang="en-US"/>
+          </a:p>
+        </p:txBody>
+      </p:sp>
+      <p:sp>
+        <p:nvSpPr>
+          <p:cNvPr id="3" name="Date Placeholder 2"/>
+          <p:cNvSpPr>
+            <a:spLocks noGrp="1"/>
+          </p:cNvSpPr>
+          <p:nvPr>
+            <p:ph type="dt" idx="1"/>
+          </p:nvPr>
+        </p:nvSpPr>
+        <p:spPr>
+          <a:xfrm>
+            <a:off x="3884613" y="0"/>
+            <a:ext cx="2971800" cy="458788"/>
+          </a:xfrm>
+          <a:prstGeom prst="rect">
+            <a:avLst/>
+          </a:prstGeom>
+        </p:spPr>
+        <p:txBody>
+          <a:bodyPr vert="horz" lIns="91440" tIns="45720" rIns="91440" bIns="45720" rtlCol="0"/>
+          <a:lstStyle>
+            <a:lvl1pPr algn="r">
+              <a:defRPr sz="1200"/>
+            </a:lvl1pPr>
+          </a:lstStyle>
+          <a:p>
+            <a:fld id="{133F9705-2986-4268-9B4C-44122C494377}" type="datetimeFigureOut">
+              <a:rPr lang="en-US" smtClean="0"/>
+              <a:t>4/5/2018</a:t>
+            </a:fld>
+            <a:endParaRPr lang="en-US"/>
+          </a:p>
+        </p:txBody>
+      </p:sp>
+      <p:sp>
+        <p:nvSpPr>
+          <p:cNvPr id="4" name="Slide Image Placeholder 3"/>
+          <p:cNvSpPr>
+            <a:spLocks noGrp="1" noRot="1" noChangeAspect="1"/>
+          </p:cNvSpPr>
+          <p:nvPr>
+            <p:ph type="sldImg" idx="2"/>
+          </p:nvPr>
+        </p:nvSpPr>
+        <p:spPr>
+          <a:xfrm>
+            <a:off x="685800" y="1143000"/>
+            <a:ext cx="5486400" cy="3086100"/>
+          </a:xfrm>
+          <a:prstGeom prst="rect">
+            <a:avLst/>
+          </a:prstGeom>
+          <a:noFill/>
+          <a:ln w="12700">
+            <a:solidFill>
+              <a:prstClr val="black"/>
+            </a:solidFill>
+          </a:ln>
+        </p:spPr>
+        <p:txBody>
+          <a:bodyPr vert="horz" lIns="91440" tIns="45720" rIns="91440" bIns="45720" rtlCol="0" anchor="ctr"/>
+          <a:lstStyle/>
+          <a:p>
+            <a:endParaRPr lang="en-US"/>
+          </a:p>
+        </p:txBody>
+      </p:sp>
+      <p:sp>
+        <p:nvSpPr>
+          <p:cNvPr id="5" name="Notes Placeholder 4"/>
+          <p:cNvSpPr>
+            <a:spLocks noGrp="1"/>
+          </p:cNvSpPr>
+          <p:nvPr>
+            <p:ph type="body" sz="quarter" idx="3"/>
+          </p:nvPr>
+        </p:nvSpPr>
+        <p:spPr>
+          <a:xfrm>
+            <a:off x="685800" y="4400550"/>
+            <a:ext cx="5486400" cy="3600450"/>
+          </a:xfrm>
+          <a:prstGeom prst="rect">
+            <a:avLst/>
+          </a:prstGeom>
+        </p:spPr>
+        <p:txBody>
+          <a:bodyPr vert="horz" lIns="91440" tIns="45720" rIns="91440" bIns="45720" rtlCol="0"/>
+          <a:lstStyle/>
+          <a:p>
+            <a:pPr lvl="0"/>
+            <a:r>
+              <a:rPr lang="en-US"/>
+              <a:t>Edit Master text styles</a:t>
+            </a:r>
+          </a:p>
+          <a:p>
+            <a:pPr lvl="1"/>
+            <a:r>
+              <a:rPr lang="en-US"/>
+              <a:t>Second level</a:t>
+            </a:r>
+          </a:p>
+          <a:p>
+            <a:pPr lvl="2"/>
+            <a:r>
+              <a:rPr lang="en-US"/>
+              <a:t>Third level</a:t>
+            </a:r>
+          </a:p>
+          <a:p>
+            <a:pPr lvl="3"/>
+            <a:r>
+              <a:rPr lang="en-US"/>
+              <a:t>Fourth level</a:t>
+            </a:r>
+          </a:p>
+          <a:p>
+            <a:pPr lvl="4"/>
+            <a:r>
+              <a:rPr lang="en-US"/>
+              <a:t>Fifth level</a:t>
+            </a:r>
+          </a:p>
+        </p:txBody>
+      </p:sp>
+      <p:sp>
+        <p:nvSpPr>
+          <p:cNvPr id="6" name="Footer Placeholder 5"/>
+          <p:cNvSpPr>
+            <a:spLocks noGrp="1"/>
+          </p:cNvSpPr>
+          <p:nvPr>
+            <p:ph type="ftr" sz="quarter" idx="4"/>
+          </p:nvPr>
+        </p:nvSpPr>
+        <p:spPr>
+          <a:xfrm>
+            <a:off x="0" y="8685213"/>
+            <a:ext cx="2971800" cy="458787"/>
+          </a:xfrm>
+          <a:prstGeom prst="rect">
+            <a:avLst/>
+          </a:prstGeom>
+        </p:spPr>
+        <p:txBody>
+          <a:bodyPr vert="horz" lIns="91440" tIns="45720" rIns="91440" bIns="45720" rtlCol="0" anchor="b"/>
+          <a:lstStyle>
+            <a:lvl1pPr algn="l">
+              <a:defRPr sz="1200"/>
+            </a:lvl1pPr>
+          </a:lstStyle>
+          <a:p>
+            <a:endParaRPr lang="en-US"/>
+          </a:p>
+        </p:txBody>
+      </p:sp>
+      <p:sp>
+        <p:nvSpPr>
+          <p:cNvPr id="7" name="Slide Number Placeholder 6"/>
+          <p:cNvSpPr>
+            <a:spLocks noGrp="1"/>
+          </p:cNvSpPr>
+          <p:nvPr>
+            <p:ph type="sldNum" sz="quarter" idx="5"/>
+          </p:nvPr>
+        </p:nvSpPr>
+        <p:spPr>
+          <a:xfrm>
+            <a:off x="3884613" y="8685213"/>
+            <a:ext cx="2971800" cy="458787"/>
+          </a:xfrm>
+          <a:prstGeom prst="rect">
+            <a:avLst/>
+          </a:prstGeom>
+        </p:spPr>
+        <p:txBody>
+          <a:bodyPr vert="horz" lIns="91440" tIns="45720" rIns="91440" bIns="45720" rtlCol="0" anchor="b"/>
+          <a:lstStyle>
+            <a:lvl1pPr algn="r">
+              <a:defRPr sz="1200"/>
+            </a:lvl1pPr>
+          </a:lstStyle>
+          <a:p>
+            <a:fld id="{F3BDACF8-D11A-4D1C-A514-11DD89EE5A19}" type="slidenum">
+              <a:rPr lang="en-US" smtClean="0"/>
+              <a:t>‹#›</a:t>
+            </a:fld>
+            <a:endParaRPr lang="en-US"/>
+          </a:p>
+        </p:txBody>
+      </p:sp>
+    </p:spTree>
+    <p:extLst>
+      <p:ext uri="{BB962C8B-B14F-4D97-AF65-F5344CB8AC3E}">
+        <p14:creationId xmlns:p14="http://schemas.microsoft.com/office/powerpoint/2010/main" val="752340673"/>
+      </p:ext>
+    </p:extLst>
+  </p:cSld>
+  <p:clrMap bg1="lt1" tx1="dk1" bg2="lt2" tx2="dk2" accent1="accent1" accent2="accent2" accent3="accent3" accent4="accent4" accent5="accent5" accent6="accent6" hlink="hlink" folHlink="folHlink"/>
+  <p:notesStyle>
+    <a:lvl1pPr marL="0" algn="l" defTabSz="914400" rtl="0" eaLnBrk="1" latinLnBrk="0" hangingPunct="1">
+      <a:defRPr sz="1200" kern="1200">
+        <a:solidFill>
+          <a:schemeClr val="tx1"/>
+        </a:solidFill>
+        <a:latin typeface="+mn-lt"/>
+        <a:ea typeface="+mn-ea"/>
+        <a:cs typeface="+mn-cs"/>
+      </a:defRPr>
+    </a:lvl1pPr>
+    <a:lvl2pPr marL="457200" algn="l" defTabSz="914400" rtl="0" eaLnBrk="1" latinLnBrk="0" hangingPunct="1">
+      <a:defRPr sz="1200" kern="1200">
+        <a:solidFill>
+          <a:schemeClr val="tx1"/>
+        </a:solidFill>
+        <a:latin typeface="+mn-lt"/>
+        <a:ea typeface="+mn-ea"/>
+        <a:cs typeface="+mn-cs"/>
+      </a:defRPr>
+    </a:lvl2pPr>
+    <a:lvl3pPr marL="914400" algn="l" defTabSz="914400" rtl="0" eaLnBrk="1" latinLnBrk="0" hangingPunct="1">
+      <a:defRPr sz="1200" kern="1200">
+        <a:solidFill>
+          <a:schemeClr val="tx1"/>
+        </a:solidFill>
+        <a:latin typeface="+mn-lt"/>
+        <a:ea typeface="+mn-ea"/>
+        <a:cs typeface="+mn-cs"/>
+      </a:defRPr>
+    </a:lvl3pPr>
+    <a:lvl4pPr marL="1371600" algn="l" defTabSz="914400" rtl="0" eaLnBrk="1" latinLnBrk="0" hangingPunct="1">
+      <a:defRPr sz="1200" kern="1200">
+        <a:solidFill>
+          <a:schemeClr val="tx1"/>
+        </a:solidFill>
+        <a:latin typeface="+mn-lt"/>
+        <a:ea typeface="+mn-ea"/>
+        <a:cs typeface="+mn-cs"/>
+      </a:defRPr>
+    </a:lvl4pPr>
+    <a:lvl5pPr marL="1828800" algn="l" defTabSz="914400" rtl="0" eaLnBrk="1" latinLnBrk="0" hangingPunct="1">
+      <a:defRPr sz="1200" kern="1200">
+        <a:solidFill>
+          <a:schemeClr val="tx1"/>
+        </a:solidFill>
+        <a:latin typeface="+mn-lt"/>
+        <a:ea typeface="+mn-ea"/>
+        <a:cs typeface="+mn-cs"/>
+      </a:defRPr>
+    </a:lvl5pPr>
+    <a:lvl6pPr marL="2286000" algn="l" defTabSz="914400" rtl="0" eaLnBrk="1" latinLnBrk="0" hangingPunct="1">
+      <a:defRPr sz="1200" kern="1200">
+        <a:solidFill>
+          <a:schemeClr val="tx1"/>
+        </a:solidFill>
+        <a:latin typeface="+mn-lt"/>
+        <a:ea typeface="+mn-ea"/>
+        <a:cs typeface="+mn-cs"/>
+      </a:defRPr>
+    </a:lvl6pPr>
+    <a:lvl7pPr marL="2743200" algn="l" defTabSz="914400" rtl="0" eaLnBrk="1" latinLnBrk="0" hangingPunct="1">
+      <a:defRPr sz="1200" kern="1200">
+        <a:solidFill>
+          <a:schemeClr val="tx1"/>
+        </a:solidFill>
+        <a:latin typeface="+mn-lt"/>
+        <a:ea typeface="+mn-ea"/>
+        <a:cs typeface="+mn-cs"/>
+      </a:defRPr>
+    </a:lvl7pPr>
+    <a:lvl8pPr marL="3200400" algn="l" defTabSz="914400" rtl="0" eaLnBrk="1" latinLnBrk="0" hangingPunct="1">
+      <a:defRPr sz="1200" kern="1200">
+        <a:solidFill>
+          <a:schemeClr val="tx1"/>
+        </a:solidFill>
+        <a:latin typeface="+mn-lt"/>
+        <a:ea typeface="+mn-ea"/>
+        <a:cs typeface="+mn-cs"/>
+      </a:defRPr>
+    </a:lvl8pPr>
+    <a:lvl9pPr marL="3657600" algn="l" defTabSz="914400" rtl="0" eaLnBrk="1" latinLnBrk="0" hangingPunct="1">
+      <a:defRPr sz="1200" kern="1200">
+        <a:solidFill>
+          <a:schemeClr val="tx1"/>
+        </a:solidFill>
+        <a:latin typeface="+mn-lt"/>
+        <a:ea typeface="+mn-ea"/>
+        <a:cs typeface="+mn-cs"/>
+      </a:defRPr>
+    </a:lvl9pPr>
+  </p:notesStyle>
+</p:notesMaster>
+</file>
+
+<file path=ppt/notesSlides/notesSlide1.xml><?xml version="1.0" encoding="utf-8"?>
+<p:notes xmlns:a="http://schemas.openxmlformats.org/drawingml/2006/main" xmlns:r="http://schemas.openxmlformats.org/officeDocument/2006/relationships" xmlns:p="http://schemas.openxmlformats.org/presentationml/2006/main">
+  <p:cSld>
+    <p:spTree>
+      <p:nvGrpSpPr>
+        <p:cNvPr id="1" name=""/>
+        <p:cNvGrpSpPr/>
+        <p:nvPr/>
+      </p:nvGrpSpPr>
+      <p:grpSpPr>
+        <a:xfrm>
+          <a:off x="0" y="0"/>
+          <a:ext cx="0" cy="0"/>
+          <a:chOff x="0" y="0"/>
+          <a:chExt cx="0" cy="0"/>
+        </a:xfrm>
+      </p:grpSpPr>
+      <p:sp>
+        <p:nvSpPr>
+          <p:cNvPr id="2" name="Slide Image Placeholder 1"/>
+          <p:cNvSpPr>
+            <a:spLocks noGrp="1" noRot="1" noChangeAspect="1"/>
+          </p:cNvSpPr>
+          <p:nvPr>
+            <p:ph type="sldImg"/>
+          </p:nvPr>
+        </p:nvSpPr>
+        <p:spPr/>
+      </p:sp>
+      <p:sp>
+        <p:nvSpPr>
+          <p:cNvPr id="3" name="Notes Placeholder 2"/>
+          <p:cNvSpPr>
+            <a:spLocks noGrp="1"/>
+          </p:cNvSpPr>
+          <p:nvPr>
+            <p:ph type="body" idx="1"/>
+          </p:nvPr>
+        </p:nvSpPr>
+        <p:spPr/>
+        <p:txBody>
+          <a:bodyPr/>
+          <a:lstStyle/>
+          <a:p>
+            <a:endParaRPr lang="en-US" dirty="0"/>
+          </a:p>
+          <a:p>
+            <a:r>
+              <a:rPr lang="en-US" dirty="0"/>
+              <a:t>Why this q?</a:t>
+            </a:r>
+          </a:p>
+          <a:p>
+            <a:r>
+              <a:rPr lang="en-US" dirty="0"/>
+              <a:t>Seemed like a good way to test our new earned skills</a:t>
+            </a:r>
+          </a:p>
+        </p:txBody>
+      </p:sp>
+      <p:sp>
+        <p:nvSpPr>
+          <p:cNvPr id="4" name="Slide Number Placeholder 3"/>
+          <p:cNvSpPr>
+            <a:spLocks noGrp="1"/>
+          </p:cNvSpPr>
+          <p:nvPr>
+            <p:ph type="sldNum" sz="quarter" idx="10"/>
+          </p:nvPr>
+        </p:nvSpPr>
+        <p:spPr/>
+        <p:txBody>
+          <a:bodyPr/>
+          <a:lstStyle/>
+          <a:p>
+            <a:fld id="{F3BDACF8-D11A-4D1C-A514-11DD89EE5A19}" type="slidenum">
+              <a:rPr lang="en-US" smtClean="0"/>
+              <a:t>1</a:t>
+            </a:fld>
+            <a:endParaRPr lang="en-US"/>
+          </a:p>
+        </p:txBody>
+      </p:sp>
+    </p:spTree>
+    <p:extLst>
+      <p:ext uri="{BB962C8B-B14F-4D97-AF65-F5344CB8AC3E}">
+        <p14:creationId xmlns:p14="http://schemas.microsoft.com/office/powerpoint/2010/main" val="2463636918"/>
+      </p:ext>
+    </p:extLst>
+  </p:cSld>
+  <p:clrMapOvr>
+    <a:masterClrMapping/>
+  </p:clrMapOvr>
+</p:notes>
+</file>
+
+<file path=ppt/notesSlides/notesSlide2.xml><?xml version="1.0" encoding="utf-8"?>
+<p:notes xmlns:a="http://schemas.openxmlformats.org/drawingml/2006/main" xmlns:r="http://schemas.openxmlformats.org/officeDocument/2006/relationships" xmlns:p="http://schemas.openxmlformats.org/presentationml/2006/main">
+  <p:cSld>
+    <p:spTree>
+      <p:nvGrpSpPr>
+        <p:cNvPr id="1" name=""/>
+        <p:cNvGrpSpPr/>
+        <p:nvPr/>
+      </p:nvGrpSpPr>
+      <p:grpSpPr>
+        <a:xfrm>
+          <a:off x="0" y="0"/>
+          <a:ext cx="0" cy="0"/>
+          <a:chOff x="0" y="0"/>
+          <a:chExt cx="0" cy="0"/>
+        </a:xfrm>
+      </p:grpSpPr>
+      <p:sp>
+        <p:nvSpPr>
+          <p:cNvPr id="2" name="Slide Image Placeholder 1"/>
+          <p:cNvSpPr>
+            <a:spLocks noGrp="1" noRot="1" noChangeAspect="1"/>
+          </p:cNvSpPr>
+          <p:nvPr>
+            <p:ph type="sldImg"/>
+          </p:nvPr>
+        </p:nvSpPr>
+        <p:spPr/>
+      </p:sp>
+      <p:sp>
+        <p:nvSpPr>
+          <p:cNvPr id="3" name="Notes Placeholder 2"/>
+          <p:cNvSpPr>
+            <a:spLocks noGrp="1"/>
+          </p:cNvSpPr>
+          <p:nvPr>
+            <p:ph type="body" idx="1"/>
+          </p:nvPr>
+        </p:nvSpPr>
+        <p:spPr/>
+        <p:txBody>
+          <a:bodyPr/>
+          <a:lstStyle/>
+          <a:p>
+            <a:r>
+              <a:rPr lang="en-US" dirty="0"/>
+              <a:t>Twitter sentiment analysis:</a:t>
+            </a:r>
+          </a:p>
+          <a:p>
+            <a:pPr lvl="1"/>
+            <a:r>
+              <a:rPr lang="en-US" dirty="0"/>
+              <a:t>Easy and naive model:</a:t>
+            </a:r>
+          </a:p>
+          <a:p>
+            <a:pPr lvl="2"/>
+            <a:r>
+              <a:rPr lang="en-US" dirty="0"/>
+              <a:t>Comparing fluctuation with sentiment score (the day before)</a:t>
+            </a:r>
+          </a:p>
+          <a:p>
+            <a:pPr lvl="2"/>
+            <a:r>
+              <a:rPr lang="en-US" dirty="0"/>
+              <a:t>A lot of problems with this (more to come)</a:t>
+            </a:r>
+          </a:p>
+          <a:p>
+            <a:pPr lvl="1"/>
+            <a:r>
+              <a:rPr lang="en-US" dirty="0"/>
+              <a:t>The analysis would have to run all tweets for far longer than a month to surely state any basis</a:t>
+            </a:r>
+          </a:p>
+          <a:p>
+            <a:pPr lvl="2"/>
+            <a:r>
+              <a:rPr lang="en-US" dirty="0"/>
+              <a:t>With all tweets (big data)</a:t>
+            </a:r>
+          </a:p>
+          <a:p>
+            <a:pPr lvl="2"/>
+            <a:r>
+              <a:rPr lang="en-US" dirty="0"/>
+              <a:t>Volume of twitter messages ….</a:t>
+            </a:r>
+          </a:p>
+          <a:p>
+            <a:pPr marL="457200" lvl="1" indent="0">
+              <a:buNone/>
+            </a:pPr>
+            <a:endParaRPr lang="en-US" dirty="0"/>
+          </a:p>
+          <a:p>
+            <a:r>
+              <a:rPr lang="en-US" dirty="0"/>
+              <a:t>Gather </a:t>
+            </a:r>
+            <a:r>
+              <a:rPr lang="en-US" dirty="0" err="1"/>
+              <a:t>BitCoin</a:t>
+            </a:r>
+            <a:r>
+              <a:rPr lang="en-US" dirty="0"/>
+              <a:t> data:</a:t>
+            </a:r>
+          </a:p>
+          <a:p>
+            <a:pPr lvl="1"/>
+            <a:r>
+              <a:rPr lang="en-US" dirty="0"/>
+              <a:t>CC very volatile </a:t>
+            </a:r>
+          </a:p>
+          <a:p>
+            <a:pPr lvl="1"/>
+            <a:r>
+              <a:rPr lang="en-US" dirty="0"/>
+              <a:t>Through API cryptocompare.com </a:t>
+            </a:r>
+            <a:r>
+              <a:rPr lang="en-US" dirty="0">
+                <a:sym typeface="Wingdings" panose="05000000000000000000" pitchFamily="2" charset="2"/>
+              </a:rPr>
+              <a:t> csv etc.</a:t>
+            </a:r>
+          </a:p>
+          <a:p>
+            <a:pPr lvl="1"/>
+            <a:endParaRPr lang="en-US" dirty="0">
+              <a:sym typeface="Wingdings" panose="05000000000000000000" pitchFamily="2" charset="2"/>
+            </a:endParaRPr>
+          </a:p>
+          <a:p>
+            <a:r>
+              <a:rPr lang="en-US" dirty="0"/>
+              <a:t>Merge </a:t>
+            </a:r>
+            <a:r>
+              <a:rPr lang="en-US" dirty="0" err="1"/>
+              <a:t>dataframes</a:t>
+            </a:r>
+            <a:endParaRPr lang="en-US" dirty="0"/>
+          </a:p>
+          <a:p>
+            <a:pPr lvl="1"/>
+            <a:r>
+              <a:rPr lang="en-US" dirty="0"/>
+              <a:t>Make analysis</a:t>
+            </a:r>
+          </a:p>
+          <a:p>
+            <a:pPr lvl="1"/>
+            <a:r>
+              <a:rPr lang="en-US" dirty="0"/>
+              <a:t>Correlation coefficient?</a:t>
+            </a:r>
+          </a:p>
+          <a:p>
+            <a:pPr lvl="1"/>
+            <a:endParaRPr lang="en-US" dirty="0"/>
+          </a:p>
+          <a:p>
+            <a:r>
+              <a:rPr lang="en-US" dirty="0"/>
+              <a:t>Warning! No result is also a result!!!!</a:t>
+            </a:r>
+          </a:p>
+          <a:p>
+            <a:endParaRPr lang="en-US" dirty="0"/>
+          </a:p>
+        </p:txBody>
+      </p:sp>
+      <p:sp>
+        <p:nvSpPr>
+          <p:cNvPr id="4" name="Slide Number Placeholder 3"/>
+          <p:cNvSpPr>
+            <a:spLocks noGrp="1"/>
+          </p:cNvSpPr>
+          <p:nvPr>
+            <p:ph type="sldNum" sz="quarter" idx="10"/>
+          </p:nvPr>
+        </p:nvSpPr>
+        <p:spPr/>
+        <p:txBody>
+          <a:bodyPr/>
+          <a:lstStyle/>
+          <a:p>
+            <a:fld id="{F3BDACF8-D11A-4D1C-A514-11DD89EE5A19}" type="slidenum">
+              <a:rPr lang="en-US" smtClean="0"/>
+              <a:t>2</a:t>
+            </a:fld>
+            <a:endParaRPr lang="en-US"/>
+          </a:p>
+        </p:txBody>
+      </p:sp>
+    </p:spTree>
+    <p:extLst>
+      <p:ext uri="{BB962C8B-B14F-4D97-AF65-F5344CB8AC3E}">
+        <p14:creationId xmlns:p14="http://schemas.microsoft.com/office/powerpoint/2010/main" val="4080759819"/>
+      </p:ext>
+    </p:extLst>
+  </p:cSld>
+  <p:clrMapOvr>
+    <a:masterClrMapping/>
+  </p:clrMapOvr>
+</p:notes>
+</file>
+
+<file path=ppt/notesSlides/notesSlide3.xml><?xml version="1.0" encoding="utf-8"?>
+<p:notes xmlns:a="http://schemas.openxmlformats.org/drawingml/2006/main" xmlns:r="http://schemas.openxmlformats.org/officeDocument/2006/relationships" xmlns:p="http://schemas.openxmlformats.org/presentationml/2006/main">
+  <p:cSld>
+    <p:spTree>
+      <p:nvGrpSpPr>
+        <p:cNvPr id="1" name=""/>
+        <p:cNvGrpSpPr/>
+        <p:nvPr/>
+      </p:nvGrpSpPr>
+      <p:grpSpPr>
+        <a:xfrm>
+          <a:off x="0" y="0"/>
+          <a:ext cx="0" cy="0"/>
+          <a:chOff x="0" y="0"/>
+          <a:chExt cx="0" cy="0"/>
+        </a:xfrm>
+      </p:grpSpPr>
+      <p:sp>
+        <p:nvSpPr>
+          <p:cNvPr id="2" name="Slide Image Placeholder 1"/>
+          <p:cNvSpPr>
+            <a:spLocks noGrp="1" noRot="1" noChangeAspect="1"/>
+          </p:cNvSpPr>
+          <p:nvPr>
+            <p:ph type="sldImg"/>
+          </p:nvPr>
+        </p:nvSpPr>
+        <p:spPr/>
+      </p:sp>
+      <p:sp>
+        <p:nvSpPr>
+          <p:cNvPr id="3" name="Notes Placeholder 2"/>
+          <p:cNvSpPr>
+            <a:spLocks noGrp="1"/>
+          </p:cNvSpPr>
+          <p:nvPr>
+            <p:ph type="body" idx="1"/>
+          </p:nvPr>
+        </p:nvSpPr>
+        <p:spPr/>
+        <p:txBody>
+          <a:bodyPr/>
+          <a:lstStyle/>
+          <a:p>
+            <a:r>
+              <a:rPr lang="en-US" dirty="0"/>
+              <a:t>Other currencies</a:t>
+            </a:r>
+          </a:p>
+          <a:p>
+            <a:r>
+              <a:rPr lang="en-US" dirty="0"/>
+              <a:t>Influencers/experts</a:t>
+            </a:r>
+          </a:p>
+          <a:p>
+            <a:r>
+              <a:rPr lang="en-US" dirty="0"/>
+              <a:t>Detailed analysis days </a:t>
+            </a:r>
+            <a:r>
+              <a:rPr lang="en-US" dirty="0">
+                <a:sym typeface="Wingdings" panose="05000000000000000000" pitchFamily="2" charset="2"/>
+              </a:rPr>
+              <a:t> hours</a:t>
+            </a:r>
+            <a:endParaRPr lang="en-US" dirty="0"/>
+          </a:p>
+          <a:p>
+            <a:r>
+              <a:rPr lang="en-US" dirty="0"/>
+              <a:t>the analysis would have to run for far longer than a month to surely state any basis</a:t>
+            </a:r>
+          </a:p>
+          <a:p>
+            <a:endParaRPr lang="en-US" dirty="0"/>
+          </a:p>
+          <a:p>
+            <a:r>
+              <a:rPr lang="en-US" dirty="0"/>
+              <a:t>The primary conclusion is that the number of predictions were</a:t>
+            </a:r>
+          </a:p>
+          <a:p>
+            <a:r>
+              <a:rPr lang="en-US" dirty="0"/>
+              <a:t>so few that venturing into prediction model conclusions would be un-</a:t>
+            </a:r>
+          </a:p>
+          <a:p>
+            <a:r>
+              <a:rPr lang="en-US" dirty="0"/>
+              <a:t>founded.</a:t>
+            </a:r>
+          </a:p>
+          <a:p>
+            <a:endParaRPr lang="en-US" dirty="0"/>
+          </a:p>
+          <a:p>
+            <a:r>
+              <a:rPr lang="en-US" dirty="0"/>
+              <a:t>Further improvements of the analysis would identify financial and cryptocurrency terms and yield a more</a:t>
+            </a:r>
+          </a:p>
+          <a:p>
+            <a:r>
+              <a:rPr lang="en-US" dirty="0"/>
+              <a:t>representative sentiment, hopefully improving the prediction accuracy</a:t>
+            </a:r>
+          </a:p>
+          <a:p>
+            <a:endParaRPr lang="en-US" dirty="0"/>
+          </a:p>
+        </p:txBody>
+      </p:sp>
+      <p:sp>
+        <p:nvSpPr>
+          <p:cNvPr id="4" name="Slide Number Placeholder 3"/>
+          <p:cNvSpPr>
+            <a:spLocks noGrp="1"/>
+          </p:cNvSpPr>
+          <p:nvPr>
+            <p:ph type="sldNum" sz="quarter" idx="10"/>
+          </p:nvPr>
+        </p:nvSpPr>
+        <p:spPr/>
+        <p:txBody>
+          <a:bodyPr/>
+          <a:lstStyle/>
+          <a:p>
+            <a:fld id="{F3BDACF8-D11A-4D1C-A514-11DD89EE5A19}" type="slidenum">
+              <a:rPr lang="en-US" smtClean="0"/>
+              <a:t>5</a:t>
+            </a:fld>
+            <a:endParaRPr lang="en-US"/>
+          </a:p>
+        </p:txBody>
+      </p:sp>
+    </p:spTree>
+    <p:extLst>
+      <p:ext uri="{BB962C8B-B14F-4D97-AF65-F5344CB8AC3E}">
+        <p14:creationId xmlns:p14="http://schemas.microsoft.com/office/powerpoint/2010/main" val="2962802579"/>
+      </p:ext>
+    </p:extLst>
+  </p:cSld>
+  <p:clrMapOvr>
+    <a:masterClrMapping/>
+  </p:clrMapOvr>
+</p:notes>
 </file>
 
 <file path=ppt/slideLayouts/slideLayout1.xml><?xml version="1.0" encoding="utf-8"?>
@@ -3468,10 +4277,17 @@
         </p:nvSpPr>
         <p:spPr/>
         <p:txBody>
-          <a:bodyPr/>
-          <a:lstStyle/>
-          <a:p>
-            <a:endParaRPr lang="en-US"/>
+          <a:bodyPr anchor="ctr"/>
+          <a:lstStyle/>
+          <a:p>
+            <a:pPr lvl="7"/>
+            <a:r>
+              <a:rPr lang="en-US" dirty="0"/>
+              <a:t>Do not really have an answer to that!</a:t>
+            </a:r>
+          </a:p>
+          <a:p>
+            <a:endParaRPr lang="en-US" dirty="0"/>
           </a:p>
         </p:txBody>
       </p:sp>
@@ -3489,220 +4305,6 @@
 </file>
 
 <file path=ppt/slides/slide3.xml><?xml version="1.0" encoding="utf-8"?>
-<p:sld xmlns:a="http://schemas.openxmlformats.org/drawingml/2006/main" xmlns:r="http://schemas.openxmlformats.org/officeDocument/2006/relationships" xmlns:p="http://schemas.openxmlformats.org/presentationml/2006/main">
-  <p:cSld>
-    <p:spTree>
-      <p:nvGrpSpPr>
-        <p:cNvPr id="1" name=""/>
-        <p:cNvGrpSpPr/>
-        <p:nvPr/>
-      </p:nvGrpSpPr>
-      <p:grpSpPr>
-        <a:xfrm>
-          <a:off x="0" y="0"/>
-          <a:ext cx="0" cy="0"/>
-          <a:chOff x="0" y="0"/>
-          <a:chExt cx="0" cy="0"/>
-        </a:xfrm>
-      </p:grpSpPr>
-      <p:sp>
-        <p:nvSpPr>
-          <p:cNvPr id="2" name="Title 1">
-            <a:extLst>
-              <a:ext uri="{FF2B5EF4-FFF2-40B4-BE49-F238E27FC236}">
-                <a16:creationId xmlns:a16="http://schemas.microsoft.com/office/drawing/2014/main" id="{FE9058BA-6B96-4B7A-81A8-FB25D4C48A8C}"/>
-              </a:ext>
-            </a:extLst>
-          </p:cNvPr>
-          <p:cNvSpPr>
-            <a:spLocks noGrp="1"/>
-          </p:cNvSpPr>
-          <p:nvPr>
-            <p:ph type="title"/>
-          </p:nvPr>
-        </p:nvSpPr>
-        <p:spPr/>
-        <p:txBody>
-          <a:bodyPr/>
-          <a:lstStyle/>
-          <a:p>
-            <a:r>
-              <a:rPr lang="en-US" dirty="0"/>
-              <a:t>Process	</a:t>
-            </a:r>
-          </a:p>
-        </p:txBody>
-      </p:sp>
-      <p:sp>
-        <p:nvSpPr>
-          <p:cNvPr id="3" name="Content Placeholder 2">
-            <a:extLst>
-              <a:ext uri="{FF2B5EF4-FFF2-40B4-BE49-F238E27FC236}">
-                <a16:creationId xmlns:a16="http://schemas.microsoft.com/office/drawing/2014/main" id="{BB9C8E90-3019-4F3E-BE27-CD5099C598F9}"/>
-              </a:ext>
-            </a:extLst>
-          </p:cNvPr>
-          <p:cNvSpPr>
-            <a:spLocks noGrp="1"/>
-          </p:cNvSpPr>
-          <p:nvPr>
-            <p:ph idx="1"/>
-          </p:nvPr>
-        </p:nvSpPr>
-        <p:spPr/>
-        <p:txBody>
-          <a:bodyPr>
-            <a:normAutofit fontScale="62500" lnSpcReduction="20000"/>
-          </a:bodyPr>
-          <a:lstStyle/>
-          <a:p>
-            <a:r>
-              <a:rPr lang="en-US" dirty="0"/>
-              <a:t>Twitter sentiment analysis:</a:t>
-            </a:r>
-          </a:p>
-          <a:p>
-            <a:pPr lvl="1"/>
-            <a:r>
-              <a:rPr lang="en-US" dirty="0"/>
-              <a:t>Easy and naive model:</a:t>
-            </a:r>
-          </a:p>
-          <a:p>
-            <a:pPr lvl="2"/>
-            <a:r>
-              <a:rPr lang="en-US" dirty="0"/>
-              <a:t>Comparing fluctuation with sentiment score (the day before)</a:t>
-            </a:r>
-          </a:p>
-          <a:p>
-            <a:pPr lvl="2"/>
-            <a:r>
-              <a:rPr lang="en-US" dirty="0"/>
-              <a:t>A lot of problems with this (more to come)</a:t>
-            </a:r>
-          </a:p>
-          <a:p>
-            <a:pPr lvl="1"/>
-            <a:r>
-              <a:rPr lang="en-US" dirty="0"/>
-              <a:t>the analysis would have to run all tweets for far longer than a month to surely state any basis</a:t>
-            </a:r>
-          </a:p>
-          <a:p>
-            <a:pPr lvl="2"/>
-            <a:r>
-              <a:rPr lang="en-US" dirty="0"/>
-              <a:t>With all tweets (big data)</a:t>
-            </a:r>
-          </a:p>
-          <a:p>
-            <a:pPr lvl="2"/>
-            <a:r>
-              <a:rPr lang="en-US" dirty="0"/>
-              <a:t>Volume of twitter messages ….</a:t>
-            </a:r>
-          </a:p>
-          <a:p>
-            <a:pPr marL="457200" lvl="1" indent="0">
-              <a:buNone/>
-            </a:pPr>
-            <a:endParaRPr lang="en-US" dirty="0"/>
-          </a:p>
-          <a:p>
-            <a:r>
-              <a:rPr lang="en-US" dirty="0"/>
-              <a:t>Gather </a:t>
-            </a:r>
-            <a:r>
-              <a:rPr lang="en-US" dirty="0" err="1"/>
-              <a:t>BitCoin</a:t>
-            </a:r>
-            <a:r>
-              <a:rPr lang="en-US" dirty="0"/>
-              <a:t> data:</a:t>
-            </a:r>
-          </a:p>
-          <a:p>
-            <a:pPr lvl="1"/>
-            <a:r>
-              <a:rPr lang="en-US" dirty="0"/>
-              <a:t>CC very volatile </a:t>
-            </a:r>
-          </a:p>
-          <a:p>
-            <a:pPr lvl="1"/>
-            <a:r>
-              <a:rPr lang="en-US" dirty="0"/>
-              <a:t>Through API cryptocompare.com </a:t>
-            </a:r>
-            <a:r>
-              <a:rPr lang="en-US" dirty="0">
-                <a:sym typeface="Wingdings" panose="05000000000000000000" pitchFamily="2" charset="2"/>
-              </a:rPr>
-              <a:t> csv etc.</a:t>
-            </a:r>
-          </a:p>
-          <a:p>
-            <a:pPr lvl="1"/>
-            <a:endParaRPr lang="en-US" dirty="0">
-              <a:sym typeface="Wingdings" panose="05000000000000000000" pitchFamily="2" charset="2"/>
-            </a:endParaRPr>
-          </a:p>
-          <a:p>
-            <a:r>
-              <a:rPr lang="en-US" dirty="0"/>
-              <a:t>Merge </a:t>
-            </a:r>
-            <a:r>
-              <a:rPr lang="en-US" dirty="0" err="1"/>
-              <a:t>dataframes</a:t>
-            </a:r>
-            <a:endParaRPr lang="en-US" dirty="0"/>
-          </a:p>
-          <a:p>
-            <a:pPr lvl="1"/>
-            <a:r>
-              <a:rPr lang="en-US" dirty="0"/>
-              <a:t>Make analysis</a:t>
-            </a:r>
-          </a:p>
-          <a:p>
-            <a:pPr lvl="1"/>
-            <a:r>
-              <a:rPr lang="en-US" dirty="0"/>
-              <a:t>Correlation coefficient?</a:t>
-            </a:r>
-          </a:p>
-          <a:p>
-            <a:pPr lvl="1"/>
-            <a:endParaRPr lang="en-US" dirty="0"/>
-          </a:p>
-          <a:p>
-            <a:r>
-              <a:rPr lang="en-US" dirty="0"/>
-              <a:t>Warning! No result is also a result!!!!</a:t>
-            </a:r>
-          </a:p>
-          <a:p>
-            <a:endParaRPr lang="en-US" dirty="0"/>
-          </a:p>
-        </p:txBody>
-      </p:sp>
-    </p:spTree>
-    <p:extLst>
-      <p:ext uri="{BB962C8B-B14F-4D97-AF65-F5344CB8AC3E}">
-        <p14:creationId xmlns:p14="http://schemas.microsoft.com/office/powerpoint/2010/main" val="1660129098"/>
-      </p:ext>
-    </p:extLst>
-  </p:cSld>
-  <p:clrMapOvr>
-    <a:masterClrMapping/>
-  </p:clrMapOvr>
-</p:sld>
-</file>
-
-<file path=ppt/slides/slide4.xml><?xml version="1.0" encoding="utf-8"?>
 <p:sld xmlns:a="http://schemas.openxmlformats.org/drawingml/2006/main" xmlns:r="http://schemas.openxmlformats.org/officeDocument/2006/relationships" xmlns:p="http://schemas.openxmlformats.org/presentationml/2006/main">
   <p:cSld>
     <p:bg>
@@ -3981,10 +4583,10 @@
       </p:sp>
       <p:pic>
         <p:nvPicPr>
-          <p:cNvPr id="5" name="Picture 4" descr="A screenshot of a cell phone&#10;&#10;Description generated with very high confidence">
-            <a:extLst>
-              <a:ext uri="{FF2B5EF4-FFF2-40B4-BE49-F238E27FC236}">
-                <a16:creationId xmlns:a16="http://schemas.microsoft.com/office/drawing/2014/main" id="{C1995AC9-5DC1-46FC-B04F-902B9E11E52A}"/>
+          <p:cNvPr id="9" name="Picture 8" descr="A close up of a logo&#10;&#10;Description generated with very high confidence">
+            <a:extLst>
+              <a:ext uri="{FF2B5EF4-FFF2-40B4-BE49-F238E27FC236}">
+                <a16:creationId xmlns:a16="http://schemas.microsoft.com/office/drawing/2014/main" id="{32142600-32BB-4BC2-A575-5923E97604B5}"/>
               </a:ext>
             </a:extLst>
           </p:cNvPr>
@@ -4007,86 +4609,7 @@
         </p:blipFill>
         <p:spPr>
           <a:xfrm>
-            <a:off x="8359707" y="1828800"/>
-            <a:ext cx="3164693" cy="2112433"/>
-          </a:xfrm>
-          <a:custGeom>
-            <a:avLst/>
-            <a:gdLst>
-              <a:gd name="connsiteX0" fmla="*/ 0 w 4636009"/>
-              <a:gd name="connsiteY0" fmla="*/ 0 h 5032375"/>
-              <a:gd name="connsiteX1" fmla="*/ 4636009 w 4636009"/>
-              <a:gd name="connsiteY1" fmla="*/ 0 h 5032375"/>
-              <a:gd name="connsiteX2" fmla="*/ 4636009 w 4636009"/>
-              <a:gd name="connsiteY2" fmla="*/ 5032375 h 5032375"/>
-              <a:gd name="connsiteX3" fmla="*/ 0 w 4636009"/>
-              <a:gd name="connsiteY3" fmla="*/ 5032375 h 5032375"/>
-            </a:gdLst>
-            <a:ahLst/>
-            <a:cxnLst>
-              <a:cxn ang="0">
-                <a:pos x="connsiteX0" y="connsiteY0"/>
-              </a:cxn>
-              <a:cxn ang="0">
-                <a:pos x="connsiteX1" y="connsiteY1"/>
-              </a:cxn>
-              <a:cxn ang="0">
-                <a:pos x="connsiteX2" y="connsiteY2"/>
-              </a:cxn>
-              <a:cxn ang="0">
-                <a:pos x="connsiteX3" y="connsiteY3"/>
-              </a:cxn>
-            </a:cxnLst>
-            <a:rect l="l" t="t" r="r" b="b"/>
-            <a:pathLst>
-              <a:path w="4636009" h="5032375">
-                <a:moveTo>
-                  <a:pt x="0" y="0"/>
-                </a:moveTo>
-                <a:lnTo>
-                  <a:pt x="4636009" y="0"/>
-                </a:lnTo>
-                <a:lnTo>
-                  <a:pt x="4636009" y="5032375"/>
-                </a:lnTo>
-                <a:lnTo>
-                  <a:pt x="0" y="5032375"/>
-                </a:lnTo>
-                <a:close/>
-              </a:path>
-            </a:pathLst>
-          </a:custGeom>
-        </p:spPr>
-      </p:pic>
-      <p:pic>
-        <p:nvPicPr>
-          <p:cNvPr id="9" name="Picture 8" descr="A close up of a logo&#10;&#10;Description generated with very high confidence">
-            <a:extLst>
-              <a:ext uri="{FF2B5EF4-FFF2-40B4-BE49-F238E27FC236}">
-                <a16:creationId xmlns:a16="http://schemas.microsoft.com/office/drawing/2014/main" id="{32142600-32BB-4BC2-A575-5923E97604B5}"/>
-              </a:ext>
-            </a:extLst>
-          </p:cNvPr>
-          <p:cNvPicPr>
-            <a:picLocks noChangeAspect="1"/>
-          </p:cNvPicPr>
-          <p:nvPr/>
-        </p:nvPicPr>
-        <p:blipFill>
-          <a:blip r:embed="rId3">
-            <a:extLst>
-              <a:ext uri="{28A0092B-C50C-407E-A947-70E740481C1C}">
-                <a14:useLocalDpi xmlns:a14="http://schemas.microsoft.com/office/drawing/2010/main" val="0"/>
-              </a:ext>
-            </a:extLst>
-          </a:blip>
-          <a:stretch>
-            <a:fillRect/>
-          </a:stretch>
-        </p:blipFill>
-        <p:spPr>
-          <a:xfrm>
-            <a:off x="7371761" y="3861143"/>
+            <a:off x="6427058" y="4577651"/>
             <a:ext cx="3330372" cy="2220249"/>
           </a:xfrm>
           <a:custGeom>
@@ -4216,18 +4739,7 @@
                 <a:ea typeface="+mn-ea"/>
                 <a:cs typeface="+mn-cs"/>
               </a:rPr>
-              <a:t>BitCoin</a:t>
-            </a:r>
-            <a:r>
-              <a:rPr lang="en-US" sz="2000" kern="1200" dirty="0">
-                <a:solidFill>
-                  <a:srgbClr val="FFFFFF"/>
-                </a:solidFill>
-                <a:latin typeface="+mn-lt"/>
-                <a:ea typeface="+mn-ea"/>
-                <a:cs typeface="+mn-cs"/>
-              </a:rPr>
-              <a:t> total market cap approx. 45%</a:t>
+              <a:t>BitCoin total market cap approx. 45%</a:t>
             </a:r>
           </a:p>
           <a:p>
@@ -4235,7 +4747,7 @@
               <a:buNone/>
             </a:pPr>
             <a:r>
-              <a:rPr lang="en-US" sz="2000" kern="1200" dirty="0">
+              <a:rPr lang="en-US" sz="2000" kern="1200">
                 <a:solidFill>
                   <a:srgbClr val="FFFFFF"/>
                 </a:solidFill>
@@ -4245,13 +4757,369 @@
               </a:rPr>
               <a:t>Highly volatile</a:t>
             </a:r>
-          </a:p>
-        </p:txBody>
-      </p:sp>
+            <a:endParaRPr lang="en-US" sz="2000" kern="1200" dirty="0">
+              <a:solidFill>
+                <a:srgbClr val="FFFFFF"/>
+              </a:solidFill>
+              <a:latin typeface="+mn-lt"/>
+              <a:ea typeface="+mn-ea"/>
+              <a:cs typeface="+mn-cs"/>
+            </a:endParaRPr>
+          </a:p>
+        </p:txBody>
+      </p:sp>
+      <p:pic>
+        <p:nvPicPr>
+          <p:cNvPr id="8" name="Picture 7" descr="A close up of a piece of paper&#10;&#10;Description generated with high confidence">
+            <a:extLst>
+              <a:ext uri="{FF2B5EF4-FFF2-40B4-BE49-F238E27FC236}">
+                <a16:creationId xmlns:a16="http://schemas.microsoft.com/office/drawing/2014/main" id="{F6C7607D-E1A4-44E3-9AD0-D577B745B9C3}"/>
+              </a:ext>
+            </a:extLst>
+          </p:cNvPr>
+          <p:cNvPicPr>
+            <a:picLocks noChangeAspect="1"/>
+          </p:cNvPicPr>
+          <p:nvPr/>
+        </p:nvPicPr>
+        <p:blipFill>
+          <a:blip r:embed="rId3">
+            <a:extLst>
+              <a:ext uri="{28A0092B-C50C-407E-A947-70E740481C1C}">
+                <a14:useLocalDpi xmlns:a14="http://schemas.microsoft.com/office/drawing/2010/main" val="0"/>
+              </a:ext>
+            </a:extLst>
+          </a:blip>
+          <a:stretch>
+            <a:fillRect/>
+          </a:stretch>
+        </p:blipFill>
+        <p:spPr>
+          <a:xfrm>
+            <a:off x="8191894" y="1789999"/>
+            <a:ext cx="3685880" cy="2727552"/>
+          </a:xfrm>
+          <a:prstGeom prst="rect">
+            <a:avLst/>
+          </a:prstGeom>
+        </p:spPr>
+      </p:pic>
     </p:spTree>
     <p:extLst>
       <p:ext uri="{BB962C8B-B14F-4D97-AF65-F5344CB8AC3E}">
         <p14:creationId xmlns:p14="http://schemas.microsoft.com/office/powerpoint/2010/main" val="2257533020"/>
+      </p:ext>
+    </p:extLst>
+  </p:cSld>
+  <p:clrMapOvr>
+    <a:masterClrMapping/>
+  </p:clrMapOvr>
+</p:sld>
+</file>
+
+<file path=ppt/slides/slide4.xml><?xml version="1.0" encoding="utf-8"?>
+<p:sld xmlns:a="http://schemas.openxmlformats.org/drawingml/2006/main" xmlns:r="http://schemas.openxmlformats.org/officeDocument/2006/relationships" xmlns:p="http://schemas.openxmlformats.org/presentationml/2006/main">
+  <p:cSld>
+    <p:bg>
+      <p:bgPr>
+        <a:solidFill>
+          <a:schemeClr val="bg1"/>
+        </a:solidFill>
+        <a:effectLst/>
+      </p:bgPr>
+    </p:bg>
+    <p:spTree>
+      <p:nvGrpSpPr>
+        <p:cNvPr id="1" name=""/>
+        <p:cNvGrpSpPr/>
+        <p:nvPr/>
+      </p:nvGrpSpPr>
+      <p:grpSpPr>
+        <a:xfrm>
+          <a:off x="0" y="0"/>
+          <a:ext cx="0" cy="0"/>
+          <a:chOff x="0" y="0"/>
+          <a:chExt cx="0" cy="0"/>
+        </a:xfrm>
+      </p:grpSpPr>
+      <p:sp>
+        <p:nvSpPr>
+          <p:cNvPr id="17" name="Rectangle 13">
+            <a:extLst>
+              <a:ext uri="{FF2B5EF4-FFF2-40B4-BE49-F238E27FC236}">
+                <a16:creationId xmlns:a16="http://schemas.microsoft.com/office/drawing/2014/main" id="{823AC064-BC96-4F32-8AE1-B2FD38754823}"/>
+              </a:ext>
+            </a:extLst>
+          </p:cNvPr>
+          <p:cNvSpPr>
+            <a:spLocks noGrp="1" noRot="1" noChangeAspect="1" noMove="1" noResize="1" noEditPoints="1" noAdjustHandles="1" noChangeArrowheads="1" noChangeShapeType="1" noTextEdit="1"/>
+          </p:cNvSpPr>
+          <p:nvPr>
+            <p:extLst>
+              <p:ext uri="{386F3935-93C4-4BCD-93E2-E3B085C9AB24}">
+                <p16:designElem xmlns:p16="http://schemas.microsoft.com/office/powerpoint/2015/main" val="1"/>
+              </p:ext>
+            </p:extLst>
+          </p:nvPr>
+        </p:nvSpPr>
+        <p:spPr bwMode="ltGray">
+          <a:xfrm>
+            <a:off x="378068" y="4633546"/>
+            <a:ext cx="11438793" cy="1844256"/>
+          </a:xfrm>
+          <a:prstGeom prst="rect">
+            <a:avLst/>
+          </a:prstGeom>
+          <a:solidFill>
+            <a:srgbClr val="404040"/>
+          </a:solidFill>
+          <a:ln w="127000" cap="sq" cmpd="thinThick">
+            <a:solidFill>
+              <a:srgbClr val="404040"/>
+            </a:solidFill>
+          </a:ln>
+        </p:spPr>
+        <p:style>
+          <a:lnRef idx="2">
+            <a:schemeClr val="accent1">
+              <a:shade val="50000"/>
+            </a:schemeClr>
+          </a:lnRef>
+          <a:fillRef idx="1">
+            <a:schemeClr val="accent1"/>
+          </a:fillRef>
+          <a:effectRef idx="0">
+            <a:schemeClr val="accent1"/>
+          </a:effectRef>
+          <a:fontRef idx="minor">
+            <a:schemeClr val="lt1"/>
+          </a:fontRef>
+        </p:style>
+        <p:txBody>
+          <a:bodyPr rtlCol="0" anchor="ctr"/>
+          <a:lstStyle/>
+          <a:p>
+            <a:pPr algn="ctr"/>
+            <a:endParaRPr lang="en-US"/>
+          </a:p>
+        </p:txBody>
+      </p:sp>
+      <p:cxnSp>
+        <p:nvCxnSpPr>
+          <p:cNvPr id="16" name="Straight Connector 15">
+            <a:extLst>
+              <a:ext uri="{FF2B5EF4-FFF2-40B4-BE49-F238E27FC236}">
+                <a16:creationId xmlns:a16="http://schemas.microsoft.com/office/drawing/2014/main" id="{7E7C77BC-7138-40B1-A15B-20F57A494629}"/>
+              </a:ext>
+            </a:extLst>
+          </p:cNvPr>
+          <p:cNvCxnSpPr>
+            <a:cxnSpLocks noGrp="1" noRot="1" noChangeAspect="1" noMove="1" noResize="1" noEditPoints="1" noAdjustHandles="1" noChangeArrowheads="1" noChangeShapeType="1"/>
+          </p:cNvCxnSpPr>
+          <p:nvPr>
+            <p:extLst>
+              <p:ext uri="{386F3935-93C4-4BCD-93E2-E3B085C9AB24}">
+                <p16:designElem xmlns:p16="http://schemas.microsoft.com/office/powerpoint/2015/main" val="1"/>
+              </p:ext>
+            </p:extLst>
+          </p:nvPr>
+        </p:nvCxnSpPr>
+        <p:spPr>
+          <a:xfrm>
+            <a:off x="2209800" y="5738691"/>
+            <a:ext cx="7772400" cy="0"/>
+          </a:xfrm>
+          <a:prstGeom prst="line">
+            <a:avLst/>
+          </a:prstGeom>
+          <a:ln w="22225">
+            <a:solidFill>
+              <a:srgbClr val="D9D9D9"/>
+            </a:solidFill>
+          </a:ln>
+        </p:spPr>
+        <p:style>
+          <a:lnRef idx="1">
+            <a:schemeClr val="accent1"/>
+          </a:lnRef>
+          <a:fillRef idx="0">
+            <a:schemeClr val="accent1"/>
+          </a:fillRef>
+          <a:effectRef idx="0">
+            <a:schemeClr val="accent1"/>
+          </a:effectRef>
+          <a:fontRef idx="minor">
+            <a:schemeClr val="tx1"/>
+          </a:fontRef>
+        </p:style>
+      </p:cxnSp>
+      <p:cxnSp>
+        <p:nvCxnSpPr>
+          <p:cNvPr id="18" name="Straight Connector 17">
+            <a:extLst>
+              <a:ext uri="{FF2B5EF4-FFF2-40B4-BE49-F238E27FC236}">
+                <a16:creationId xmlns:a16="http://schemas.microsoft.com/office/drawing/2014/main" id="{DB146403-F3D6-484B-B2ED-97F9565D0370}"/>
+              </a:ext>
+            </a:extLst>
+          </p:cNvPr>
+          <p:cNvCxnSpPr>
+            <a:cxnSpLocks noGrp="1" noRot="1" noChangeAspect="1" noMove="1" noResize="1" noEditPoints="1" noAdjustHandles="1" noChangeArrowheads="1" noChangeShapeType="1"/>
+          </p:cNvCxnSpPr>
+          <p:nvPr>
+            <p:extLst>
+              <p:ext uri="{386F3935-93C4-4BCD-93E2-E3B085C9AB24}">
+                <p16:designElem xmlns:p16="http://schemas.microsoft.com/office/powerpoint/2015/main" val="1"/>
+              </p:ext>
+            </p:extLst>
+          </p:nvPr>
+        </p:nvCxnSpPr>
+        <p:spPr>
+          <a:xfrm>
+            <a:off x="6096000" y="477749"/>
+            <a:ext cx="0" cy="3657600"/>
+          </a:xfrm>
+          <a:prstGeom prst="line">
+            <a:avLst/>
+          </a:prstGeom>
+          <a:ln w="101600" cmpd="dbl">
+            <a:solidFill>
+              <a:srgbClr val="595959"/>
+            </a:solidFill>
+          </a:ln>
+        </p:spPr>
+        <p:style>
+          <a:lnRef idx="1">
+            <a:schemeClr val="accent1"/>
+          </a:lnRef>
+          <a:fillRef idx="0">
+            <a:schemeClr val="accent1"/>
+          </a:fillRef>
+          <a:effectRef idx="0">
+            <a:schemeClr val="accent1"/>
+          </a:effectRef>
+          <a:fontRef idx="minor">
+            <a:schemeClr val="tx1"/>
+          </a:fontRef>
+        </p:style>
+      </p:cxnSp>
+      <p:pic>
+        <p:nvPicPr>
+          <p:cNvPr id="5" name="Content Placeholder 4" descr="A screenshot of a cell phone&#10;&#10;Description generated with very high confidence">
+            <a:extLst>
+              <a:ext uri="{FF2B5EF4-FFF2-40B4-BE49-F238E27FC236}">
+                <a16:creationId xmlns:a16="http://schemas.microsoft.com/office/drawing/2014/main" id="{9176AE42-AC34-48F2-8927-84C1F9A8D024}"/>
+              </a:ext>
+            </a:extLst>
+          </p:cNvPr>
+          <p:cNvPicPr>
+            <a:picLocks noGrp="1" noChangeAspect="1"/>
+          </p:cNvPicPr>
+          <p:nvPr>
+            <p:ph idx="1"/>
+          </p:nvPr>
+        </p:nvPicPr>
+        <p:blipFill>
+          <a:blip r:embed="rId2">
+            <a:extLst>
+              <a:ext uri="{28A0092B-C50C-407E-A947-70E740481C1C}">
+                <a14:useLocalDpi xmlns:a14="http://schemas.microsoft.com/office/drawing/2010/main" val="0"/>
+              </a:ext>
+            </a:extLst>
+          </a:blip>
+          <a:stretch>
+            <a:fillRect/>
+          </a:stretch>
+        </p:blipFill>
+        <p:spPr>
+          <a:xfrm>
+            <a:off x="320040" y="485636"/>
+            <a:ext cx="5455917" cy="3641827"/>
+          </a:xfrm>
+          <a:prstGeom prst="rect">
+            <a:avLst/>
+          </a:prstGeom>
+        </p:spPr>
+      </p:pic>
+      <p:pic>
+        <p:nvPicPr>
+          <p:cNvPr id="9" name="Picture 8" descr="A screenshot of a cell phone&#10;&#10;Description generated with high confidence">
+            <a:extLst>
+              <a:ext uri="{FF2B5EF4-FFF2-40B4-BE49-F238E27FC236}">
+                <a16:creationId xmlns:a16="http://schemas.microsoft.com/office/drawing/2014/main" id="{9A4F4FB4-8529-46F1-A1F2-6F617B82E912}"/>
+              </a:ext>
+            </a:extLst>
+          </p:cNvPr>
+          <p:cNvPicPr>
+            <a:picLocks noChangeAspect="1"/>
+          </p:cNvPicPr>
+          <p:nvPr/>
+        </p:nvPicPr>
+        <p:blipFill>
+          <a:blip r:embed="rId3">
+            <a:extLst>
+              <a:ext uri="{28A0092B-C50C-407E-A947-70E740481C1C}">
+                <a14:useLocalDpi xmlns:a14="http://schemas.microsoft.com/office/drawing/2010/main" val="0"/>
+              </a:ext>
+            </a:extLst>
+          </a:blip>
+          <a:stretch>
+            <a:fillRect/>
+          </a:stretch>
+        </p:blipFill>
+        <p:spPr>
+          <a:xfrm>
+            <a:off x="6416043" y="717514"/>
+            <a:ext cx="5455917" cy="3178071"/>
+          </a:xfrm>
+          <a:prstGeom prst="rect">
+            <a:avLst/>
+          </a:prstGeom>
+        </p:spPr>
+      </p:pic>
+      <p:sp>
+        <p:nvSpPr>
+          <p:cNvPr id="2" name="Title 1">
+            <a:extLst>
+              <a:ext uri="{FF2B5EF4-FFF2-40B4-BE49-F238E27FC236}">
+                <a16:creationId xmlns:a16="http://schemas.microsoft.com/office/drawing/2014/main" id="{CA8C5465-C049-4BBB-9472-F12745964CDC}"/>
+              </a:ext>
+            </a:extLst>
+          </p:cNvPr>
+          <p:cNvSpPr>
+            <a:spLocks noGrp="1"/>
+          </p:cNvSpPr>
+          <p:nvPr>
+            <p:ph type="title"/>
+          </p:nvPr>
+        </p:nvSpPr>
+        <p:spPr>
+          <a:xfrm>
+            <a:off x="527538" y="4756638"/>
+            <a:ext cx="11139854" cy="930447"/>
+          </a:xfrm>
+        </p:spPr>
+        <p:txBody>
+          <a:bodyPr vert="horz" lIns="91440" tIns="45720" rIns="91440" bIns="45720" rtlCol="0" anchor="b">
+            <a:normAutofit/>
+          </a:bodyPr>
+          <a:lstStyle/>
+          <a:p>
+            <a:pPr algn="ctr"/>
+            <a:r>
+              <a:rPr lang="en-US" sz="5400">
+                <a:solidFill>
+                  <a:srgbClr val="FFFFFF"/>
+                </a:solidFill>
+              </a:rPr>
+              <a:t>Sentiment Analysis</a:t>
+            </a:r>
+          </a:p>
+        </p:txBody>
+      </p:sp>
+    </p:spTree>
+    <p:extLst>
+      <p:ext uri="{BB962C8B-B14F-4D97-AF65-F5344CB8AC3E}">
+        <p14:creationId xmlns:p14="http://schemas.microsoft.com/office/powerpoint/2010/main" val="604840308"/>
       </p:ext>
     </p:extLst>
   </p:cSld>
@@ -4283,7 +5151,7 @@
           <p:cNvPr id="2" name="Title 1">
             <a:extLst>
               <a:ext uri="{FF2B5EF4-FFF2-40B4-BE49-F238E27FC236}">
-                <a16:creationId xmlns:a16="http://schemas.microsoft.com/office/drawing/2014/main" id="{50BF11CB-33BD-4E5E-8804-B4C42CBDFFE6}"/>
+                <a16:creationId xmlns:a16="http://schemas.microsoft.com/office/drawing/2014/main" id="{99D2620C-4227-4F26-8696-471863753450}"/>
               </a:ext>
             </a:extLst>
           </p:cNvPr>
@@ -4299,7 +5167,10 @@
           <a:bodyPr/>
           <a:lstStyle/>
           <a:p>
-            <a:endParaRPr lang="en-US"/>
+            <a:r>
+              <a:rPr lang="en-US" dirty="0"/>
+              <a:t>Correlation Coefficient	</a:t>
+            </a:r>
           </a:p>
         </p:txBody>
       </p:sp>
@@ -4308,7 +5179,7 @@
           <p:cNvPr id="3" name="Content Placeholder 2">
             <a:extLst>
               <a:ext uri="{FF2B5EF4-FFF2-40B4-BE49-F238E27FC236}">
-                <a16:creationId xmlns:a16="http://schemas.microsoft.com/office/drawing/2014/main" id="{AD2BBB36-936E-4F59-AC0D-AF06306EC7D2}"/>
+                <a16:creationId xmlns:a16="http://schemas.microsoft.com/office/drawing/2014/main" id="{3EA2A49B-086A-4250-894D-8202E7260948}"/>
               </a:ext>
             </a:extLst>
           </p:cNvPr>
@@ -4324,14 +5195,23 @@
           <a:bodyPr/>
           <a:lstStyle/>
           <a:p>
-            <a:endParaRPr lang="en-US"/>
+            <a:r>
+              <a:rPr lang="en-US" dirty="0"/>
+              <a:t>0,016</a:t>
+            </a:r>
+          </a:p>
+          <a:p>
+            <a:endParaRPr lang="en-US" dirty="0"/>
+          </a:p>
+          <a:p>
+            <a:endParaRPr lang="en-US" dirty="0"/>
           </a:p>
         </p:txBody>
       </p:sp>
     </p:spTree>
     <p:extLst>
       <p:ext uri="{BB962C8B-B14F-4D97-AF65-F5344CB8AC3E}">
-        <p14:creationId xmlns:p14="http://schemas.microsoft.com/office/powerpoint/2010/main" val="3104396649"/>
+        <p14:creationId xmlns:p14="http://schemas.microsoft.com/office/powerpoint/2010/main" val="309739399"/>
       </p:ext>
     </p:extLst>
   </p:cSld>
@@ -4363,279 +5243,6 @@
           <p:cNvPr id="2" name="Title 1">
             <a:extLst>
               <a:ext uri="{FF2B5EF4-FFF2-40B4-BE49-F238E27FC236}">
-                <a16:creationId xmlns:a16="http://schemas.microsoft.com/office/drawing/2014/main" id="{E86E4FC7-F59E-429B-B8B8-0507F7441D21}"/>
-              </a:ext>
-            </a:extLst>
-          </p:cNvPr>
-          <p:cNvSpPr>
-            <a:spLocks noGrp="1"/>
-          </p:cNvSpPr>
-          <p:nvPr>
-            <p:ph type="title"/>
-          </p:nvPr>
-        </p:nvSpPr>
-        <p:spPr/>
-        <p:txBody>
-          <a:bodyPr/>
-          <a:lstStyle/>
-          <a:p>
-            <a:r>
-              <a:rPr lang="en-US" dirty="0"/>
-              <a:t>Influencers?</a:t>
-            </a:r>
-          </a:p>
-        </p:txBody>
-      </p:sp>
-      <p:sp>
-        <p:nvSpPr>
-          <p:cNvPr id="3" name="Content Placeholder 2">
-            <a:extLst>
-              <a:ext uri="{FF2B5EF4-FFF2-40B4-BE49-F238E27FC236}">
-                <a16:creationId xmlns:a16="http://schemas.microsoft.com/office/drawing/2014/main" id="{6E6ECF11-6351-453A-B071-FA326E51C77B}"/>
-              </a:ext>
-            </a:extLst>
-          </p:cNvPr>
-          <p:cNvSpPr>
-            <a:spLocks noGrp="1"/>
-          </p:cNvSpPr>
-          <p:nvPr>
-            <p:ph idx="1"/>
-          </p:nvPr>
-        </p:nvSpPr>
-        <p:spPr/>
-        <p:txBody>
-          <a:bodyPr>
-            <a:normAutofit fontScale="92500" lnSpcReduction="20000"/>
-          </a:bodyPr>
-          <a:lstStyle/>
-          <a:p>
-            <a:r>
-              <a:rPr lang="en-US" dirty="0"/>
-              <a:t>the analysis would have to run for far longer than a month to surely state any basis</a:t>
-            </a:r>
-          </a:p>
-          <a:p>
-            <a:endParaRPr lang="en-US" dirty="0"/>
-          </a:p>
-          <a:p>
-            <a:r>
-              <a:rPr lang="en-US" dirty="0"/>
-              <a:t>The primary conclusion is that even though the presented </a:t>
-            </a:r>
-            <a:r>
-              <a:rPr lang="en-US" dirty="0" err="1"/>
-              <a:t>predic</a:t>
-            </a:r>
-            <a:r>
-              <a:rPr lang="en-US" dirty="0"/>
-              <a:t>-</a:t>
-            </a:r>
-          </a:p>
-          <a:p>
-            <a:r>
-              <a:rPr lang="en-US" dirty="0" err="1"/>
-              <a:t>tion</a:t>
-            </a:r>
-            <a:r>
-              <a:rPr lang="en-US" dirty="0"/>
-              <a:t> model yielded a 83% accuracy, the number of predictions were</a:t>
-            </a:r>
-          </a:p>
-          <a:p>
-            <a:r>
-              <a:rPr lang="en-US" dirty="0"/>
-              <a:t>so few that venturing into prediction model conclusions would be un-</a:t>
-            </a:r>
-          </a:p>
-          <a:p>
-            <a:r>
-              <a:rPr lang="en-US" dirty="0"/>
-              <a:t>founded.</a:t>
-            </a:r>
-          </a:p>
-          <a:p>
-            <a:r>
-              <a:rPr lang="en-US" dirty="0"/>
-              <a:t>Further improvements of the analysis would begin with the </a:t>
-            </a:r>
-            <a:r>
-              <a:rPr lang="en-US" dirty="0" err="1"/>
-              <a:t>lexi</a:t>
-            </a:r>
-            <a:r>
-              <a:rPr lang="en-US" dirty="0"/>
-              <a:t>-</a:t>
-            </a:r>
-          </a:p>
-          <a:p>
-            <a:r>
-              <a:rPr lang="en-US" dirty="0"/>
-              <a:t>con, as improving the classifier by adding a domain-specific lexicon</a:t>
-            </a:r>
-          </a:p>
-          <a:p>
-            <a:r>
-              <a:rPr lang="en-US" dirty="0"/>
-              <a:t>would identify financial and cryptocurrency terms and yield a more</a:t>
-            </a:r>
-          </a:p>
-          <a:p>
-            <a:r>
-              <a:rPr lang="en-US" dirty="0"/>
-              <a:t>representative sentiment, hopefully improving the prediction accuracy</a:t>
-            </a:r>
-          </a:p>
-          <a:p>
-            <a:endParaRPr lang="en-US" dirty="0"/>
-          </a:p>
-          <a:p>
-            <a:endParaRPr lang="en-US" dirty="0"/>
-          </a:p>
-        </p:txBody>
-      </p:sp>
-    </p:spTree>
-    <p:extLst>
-      <p:ext uri="{BB962C8B-B14F-4D97-AF65-F5344CB8AC3E}">
-        <p14:creationId xmlns:p14="http://schemas.microsoft.com/office/powerpoint/2010/main" val="1603156389"/>
-      </p:ext>
-    </p:extLst>
-  </p:cSld>
-  <p:clrMapOvr>
-    <a:masterClrMapping/>
-  </p:clrMapOvr>
-</p:sld>
-</file>
-
-<file path=ppt/slides/slide7.xml><?xml version="1.0" encoding="utf-8"?>
-<p:sld xmlns:a="http://schemas.openxmlformats.org/drawingml/2006/main" xmlns:r="http://schemas.openxmlformats.org/officeDocument/2006/relationships" xmlns:p="http://schemas.openxmlformats.org/presentationml/2006/main">
-  <p:cSld>
-    <p:spTree>
-      <p:nvGrpSpPr>
-        <p:cNvPr id="1" name=""/>
-        <p:cNvGrpSpPr/>
-        <p:nvPr/>
-      </p:nvGrpSpPr>
-      <p:grpSpPr>
-        <a:xfrm>
-          <a:off x="0" y="0"/>
-          <a:ext cx="0" cy="0"/>
-          <a:chOff x="0" y="0"/>
-          <a:chExt cx="0" cy="0"/>
-        </a:xfrm>
-      </p:grpSpPr>
-      <p:sp>
-        <p:nvSpPr>
-          <p:cNvPr id="2" name="Title 1">
-            <a:extLst>
-              <a:ext uri="{FF2B5EF4-FFF2-40B4-BE49-F238E27FC236}">
-                <a16:creationId xmlns:a16="http://schemas.microsoft.com/office/drawing/2014/main" id="{06AE08C6-27A1-4AE3-9190-2BA7F72A155E}"/>
-              </a:ext>
-            </a:extLst>
-          </p:cNvPr>
-          <p:cNvSpPr>
-            <a:spLocks noGrp="1"/>
-          </p:cNvSpPr>
-          <p:nvPr>
-            <p:ph type="title"/>
-          </p:nvPr>
-        </p:nvSpPr>
-        <p:spPr/>
-        <p:txBody>
-          <a:bodyPr/>
-          <a:lstStyle/>
-          <a:p>
-            <a:r>
-              <a:rPr lang="en-US" dirty="0"/>
-              <a:t>Conclusion/Way Fwd.</a:t>
-            </a:r>
-          </a:p>
-        </p:txBody>
-      </p:sp>
-      <p:sp>
-        <p:nvSpPr>
-          <p:cNvPr id="3" name="Content Placeholder 2">
-            <a:extLst>
-              <a:ext uri="{FF2B5EF4-FFF2-40B4-BE49-F238E27FC236}">
-                <a16:creationId xmlns:a16="http://schemas.microsoft.com/office/drawing/2014/main" id="{3C502656-4578-4269-B44A-DDC9A07037DB}"/>
-              </a:ext>
-            </a:extLst>
-          </p:cNvPr>
-          <p:cNvSpPr>
-            <a:spLocks noGrp="1"/>
-          </p:cNvSpPr>
-          <p:nvPr>
-            <p:ph idx="1"/>
-          </p:nvPr>
-        </p:nvSpPr>
-        <p:spPr/>
-        <p:txBody>
-          <a:bodyPr/>
-          <a:lstStyle/>
-          <a:p>
-            <a:r>
-              <a:rPr lang="en-US" dirty="0"/>
-              <a:t>Other currencies</a:t>
-            </a:r>
-          </a:p>
-          <a:p>
-            <a:r>
-              <a:rPr lang="en-US" dirty="0"/>
-              <a:t>Influencers/experts</a:t>
-            </a:r>
-          </a:p>
-          <a:p>
-            <a:r>
-              <a:rPr lang="en-US" dirty="0"/>
-              <a:t>Detailed analysis days </a:t>
-            </a:r>
-            <a:r>
-              <a:rPr lang="en-US" dirty="0">
-                <a:sym typeface="Wingdings" panose="05000000000000000000" pitchFamily="2" charset="2"/>
-              </a:rPr>
-              <a:t> hours</a:t>
-            </a:r>
-            <a:endParaRPr lang="en-US" dirty="0"/>
-          </a:p>
-          <a:p>
-            <a:endParaRPr lang="en-US" dirty="0"/>
-          </a:p>
-        </p:txBody>
-      </p:sp>
-    </p:spTree>
-    <p:extLst>
-      <p:ext uri="{BB962C8B-B14F-4D97-AF65-F5344CB8AC3E}">
-        <p14:creationId xmlns:p14="http://schemas.microsoft.com/office/powerpoint/2010/main" val="3190876303"/>
-      </p:ext>
-    </p:extLst>
-  </p:cSld>
-  <p:clrMapOvr>
-    <a:masterClrMapping/>
-  </p:clrMapOvr>
-</p:sld>
-</file>
-
-<file path=ppt/slides/slide8.xml><?xml version="1.0" encoding="utf-8"?>
-<p:sld xmlns:a="http://schemas.openxmlformats.org/drawingml/2006/main" xmlns:r="http://schemas.openxmlformats.org/officeDocument/2006/relationships" xmlns:p="http://schemas.openxmlformats.org/presentationml/2006/main">
-  <p:cSld>
-    <p:spTree>
-      <p:nvGrpSpPr>
-        <p:cNvPr id="1" name=""/>
-        <p:cNvGrpSpPr/>
-        <p:nvPr/>
-      </p:nvGrpSpPr>
-      <p:grpSpPr>
-        <a:xfrm>
-          <a:off x="0" y="0"/>
-          <a:ext cx="0" cy="0"/>
-          <a:chOff x="0" y="0"/>
-          <a:chExt cx="0" cy="0"/>
-        </a:xfrm>
-      </p:grpSpPr>
-      <p:sp>
-        <p:nvSpPr>
-          <p:cNvPr id="2" name="Title 1">
-            <a:extLst>
-              <a:ext uri="{FF2B5EF4-FFF2-40B4-BE49-F238E27FC236}">
                 <a16:creationId xmlns:a16="http://schemas.microsoft.com/office/drawing/2014/main" id="{3D87517F-EB5A-42A4-BEFB-8A9B984B373F}"/>
               </a:ext>
             </a:extLst>
@@ -4747,101 +5354,6 @@
     <p:extLst>
       <p:ext uri="{BB962C8B-B14F-4D97-AF65-F5344CB8AC3E}">
         <p14:creationId xmlns:p14="http://schemas.microsoft.com/office/powerpoint/2010/main" val="2804968142"/>
-      </p:ext>
-    </p:extLst>
-  </p:cSld>
-  <p:clrMapOvr>
-    <a:masterClrMapping/>
-  </p:clrMapOvr>
-</p:sld>
-</file>
-
-<file path=ppt/slides/slide9.xml><?xml version="1.0" encoding="utf-8"?>
-<p:sld xmlns:a="http://schemas.openxmlformats.org/drawingml/2006/main" xmlns:r="http://schemas.openxmlformats.org/officeDocument/2006/relationships" xmlns:p="http://schemas.openxmlformats.org/presentationml/2006/main">
-  <p:cSld>
-    <p:spTree>
-      <p:nvGrpSpPr>
-        <p:cNvPr id="1" name=""/>
-        <p:cNvGrpSpPr/>
-        <p:nvPr/>
-      </p:nvGrpSpPr>
-      <p:grpSpPr>
-        <a:xfrm>
-          <a:off x="0" y="0"/>
-          <a:ext cx="0" cy="0"/>
-          <a:chOff x="0" y="0"/>
-          <a:chExt cx="0" cy="0"/>
-        </a:xfrm>
-      </p:grpSpPr>
-      <p:sp>
-        <p:nvSpPr>
-          <p:cNvPr id="2" name="Title 1">
-            <a:extLst>
-              <a:ext uri="{FF2B5EF4-FFF2-40B4-BE49-F238E27FC236}">
-                <a16:creationId xmlns:a16="http://schemas.microsoft.com/office/drawing/2014/main" id="{BEA3AA8A-C866-4503-8283-A1E5601C57B4}"/>
-              </a:ext>
-            </a:extLst>
-          </p:cNvPr>
-          <p:cNvSpPr>
-            <a:spLocks noGrp="1"/>
-          </p:cNvSpPr>
-          <p:nvPr>
-            <p:ph type="title"/>
-          </p:nvPr>
-        </p:nvSpPr>
-        <p:spPr/>
-        <p:txBody>
-          <a:bodyPr/>
-          <a:lstStyle/>
-          <a:p>
-            <a:endParaRPr lang="en-US"/>
-          </a:p>
-        </p:txBody>
-      </p:sp>
-      <p:sp>
-        <p:nvSpPr>
-          <p:cNvPr id="3" name="Content Placeholder 2">
-            <a:extLst>
-              <a:ext uri="{FF2B5EF4-FFF2-40B4-BE49-F238E27FC236}">
-                <a16:creationId xmlns:a16="http://schemas.microsoft.com/office/drawing/2014/main" id="{A03F85F2-219D-4E73-9723-4AE71322A7D9}"/>
-              </a:ext>
-            </a:extLst>
-          </p:cNvPr>
-          <p:cNvSpPr>
-            <a:spLocks noGrp="1"/>
-          </p:cNvSpPr>
-          <p:nvPr>
-            <p:ph idx="1"/>
-          </p:nvPr>
-        </p:nvSpPr>
-        <p:spPr/>
-        <p:txBody>
-          <a:bodyPr/>
-          <a:lstStyle/>
-          <a:p>
-            <a:r>
-              <a:rPr lang="en-US" dirty="0"/>
-              <a:t>Figs</a:t>
-            </a:r>
-          </a:p>
-          <a:p>
-            <a:endParaRPr lang="en-US" dirty="0"/>
-          </a:p>
-          <a:p>
-            <a:r>
-              <a:rPr lang="en-US" dirty="0"/>
-              <a:t>Stacked bar for sentiment analysis</a:t>
-            </a:r>
-          </a:p>
-          <a:p>
-            <a:endParaRPr lang="en-US" dirty="0"/>
-          </a:p>
-        </p:txBody>
-      </p:sp>
-    </p:spTree>
-    <p:extLst>
-      <p:ext uri="{BB962C8B-B14F-4D97-AF65-F5344CB8AC3E}">
-        <p14:creationId xmlns:p14="http://schemas.microsoft.com/office/powerpoint/2010/main" val="1884978721"/>
       </p:ext>
     </p:extLst>
   </p:cSld>
@@ -5144,4 +5656,299 @@
     </a:ext>
   </a:extLst>
 </a:theme>
+</file>
+
+<file path=ppt/theme/theme2.xml><?xml version="1.0" encoding="utf-8"?>
+<a:theme xmlns:a="http://schemas.openxmlformats.org/drawingml/2006/main" name="Office Theme">
+  <a:themeElements>
+    <a:clrScheme name="Office">
+      <a:dk1>
+        <a:sysClr val="windowText" lastClr="000000"/>
+      </a:dk1>
+      <a:lt1>
+        <a:sysClr val="window" lastClr="FFFFFF"/>
+      </a:lt1>
+      <a:dk2>
+        <a:srgbClr val="44546A"/>
+      </a:dk2>
+      <a:lt2>
+        <a:srgbClr val="E7E6E6"/>
+      </a:lt2>
+      <a:accent1>
+        <a:srgbClr val="4472C4"/>
+      </a:accent1>
+      <a:accent2>
+        <a:srgbClr val="ED7D31"/>
+      </a:accent2>
+      <a:accent3>
+        <a:srgbClr val="A5A5A5"/>
+      </a:accent3>
+      <a:accent4>
+        <a:srgbClr val="FFC000"/>
+      </a:accent4>
+      <a:accent5>
+        <a:srgbClr val="5B9BD5"/>
+      </a:accent5>
+      <a:accent6>
+        <a:srgbClr val="70AD47"/>
+      </a:accent6>
+      <a:hlink>
+        <a:srgbClr val="0563C1"/>
+      </a:hlink>
+      <a:folHlink>
+        <a:srgbClr val="954F72"/>
+      </a:folHlink>
+    </a:clrScheme>
+    <a:fontScheme name="Office">
+      <a:majorFont>
+        <a:latin typeface="Calibri Light" panose="020F0302020204030204"/>
+        <a:ea typeface=""/>
+        <a:cs typeface=""/>
+        <a:font script="Jpan" typeface="游ゴシック Light"/>
+        <a:font script="Hang" typeface="맑은 고딕"/>
+        <a:font script="Hans" typeface="等线 Light"/>
+        <a:font script="Hant" typeface="新細明體"/>
+        <a:font script="Arab" typeface="Times New Roman"/>
+        <a:font script="Hebr" typeface="Times New Roman"/>
+        <a:font script="Thai" typeface="Angsana New"/>
+        <a:font script="Ethi" typeface="Nyala"/>
+        <a:font script="Beng" typeface="Vrinda"/>
+        <a:font script="Gujr" typeface="Shruti"/>
+        <a:font script="Khmr" typeface="MoolBoran"/>
+        <a:font script="Knda" typeface="Tunga"/>
+        <a:font script="Guru" typeface="Raavi"/>
+        <a:font script="Cans" typeface="Euphemia"/>
+        <a:font script="Cher" typeface="Plantagenet Cherokee"/>
+        <a:font script="Yiii" typeface="Microsoft Yi Baiti"/>
+        <a:font script="Tibt" typeface="Microsoft Himalaya"/>
+        <a:font script="Thaa" typeface="MV Boli"/>
+        <a:font script="Deva" typeface="Mangal"/>
+        <a:font script="Telu" typeface="Gautami"/>
+        <a:font script="Taml" typeface="Latha"/>
+        <a:font script="Syrc" typeface="Estrangelo Edessa"/>
+        <a:font script="Orya" typeface="Kalinga"/>
+        <a:font script="Mlym" typeface="Kartika"/>
+        <a:font script="Laoo" typeface="DokChampa"/>
+        <a:font script="Sinh" typeface="Iskoola Pota"/>
+        <a:font script="Mong" typeface="Mongolian Baiti"/>
+        <a:font script="Viet" typeface="Times New Roman"/>
+        <a:font script="Uigh" typeface="Microsoft Uighur"/>
+        <a:font script="Geor" typeface="Sylfaen"/>
+        <a:font script="Armn" typeface="Arial"/>
+        <a:font script="Bugi" typeface="Leelawadee UI"/>
+        <a:font script="Bopo" typeface="Microsoft JhengHei"/>
+        <a:font script="Java" typeface="Javanese Text"/>
+        <a:font script="Lisu" typeface="Segoe UI"/>
+        <a:font script="Mymr" typeface="Myanmar Text"/>
+        <a:font script="Nkoo" typeface="Ebrima"/>
+        <a:font script="Olck" typeface="Nirmala UI"/>
+        <a:font script="Osma" typeface="Ebrima"/>
+        <a:font script="Phag" typeface="Phagspa"/>
+        <a:font script="Syrn" typeface="Estrangelo Edessa"/>
+        <a:font script="Syrj" typeface="Estrangelo Edessa"/>
+        <a:font script="Syre" typeface="Estrangelo Edessa"/>
+        <a:font script="Sora" typeface="Nirmala UI"/>
+        <a:font script="Tale" typeface="Microsoft Tai Le"/>
+        <a:font script="Talu" typeface="Microsoft New Tai Lue"/>
+        <a:font script="Tfng" typeface="Ebrima"/>
+      </a:majorFont>
+      <a:minorFont>
+        <a:latin typeface="Calibri" panose="020F0502020204030204"/>
+        <a:ea typeface=""/>
+        <a:cs typeface=""/>
+        <a:font script="Jpan" typeface="游ゴシック"/>
+        <a:font script="Hang" typeface="맑은 고딕"/>
+        <a:font script="Hans" typeface="等线"/>
+        <a:font script="Hant" typeface="新細明體"/>
+        <a:font script="Arab" typeface="Arial"/>
+        <a:font script="Hebr" typeface="Arial"/>
+        <a:font script="Thai" typeface="Cordia New"/>
+        <a:font script="Ethi" typeface="Nyala"/>
+        <a:font script="Beng" typeface="Vrinda"/>
+        <a:font script="Gujr" typeface="Shruti"/>
+        <a:font script="Khmr" typeface="DaunPenh"/>
+        <a:font script="Knda" typeface="Tunga"/>
+        <a:font script="Guru" typeface="Raavi"/>
+        <a:font script="Cans" typeface="Euphemia"/>
+        <a:font script="Cher" typeface="Plantagenet Cherokee"/>
+        <a:font script="Yiii" typeface="Microsoft Yi Baiti"/>
+        <a:font script="Tibt" typeface="Microsoft Himalaya"/>
+        <a:font script="Thaa" typeface="MV Boli"/>
+        <a:font script="Deva" typeface="Mangal"/>
+        <a:font script="Telu" typeface="Gautami"/>
+        <a:font script="Taml" typeface="Latha"/>
+        <a:font script="Syrc" typeface="Estrangelo Edessa"/>
+        <a:font script="Orya" typeface="Kalinga"/>
+        <a:font script="Mlym" typeface="Kartika"/>
+        <a:font script="Laoo" typeface="DokChampa"/>
+        <a:font script="Sinh" typeface="Iskoola Pota"/>
+        <a:font script="Mong" typeface="Mongolian Baiti"/>
+        <a:font script="Viet" typeface="Arial"/>
+        <a:font script="Uigh" typeface="Microsoft Uighur"/>
+        <a:font script="Geor" typeface="Sylfaen"/>
+        <a:font script="Armn" typeface="Arial"/>
+        <a:font script="Bugi" typeface="Leelawadee UI"/>
+        <a:font script="Bopo" typeface="Microsoft JhengHei"/>
+        <a:font script="Java" typeface="Javanese Text"/>
+        <a:font script="Lisu" typeface="Segoe UI"/>
+        <a:font script="Mymr" typeface="Myanmar Text"/>
+        <a:font script="Nkoo" typeface="Ebrima"/>
+        <a:font script="Olck" typeface="Nirmala UI"/>
+        <a:font script="Osma" typeface="Ebrima"/>
+        <a:font script="Phag" typeface="Phagspa"/>
+        <a:font script="Syrn" typeface="Estrangelo Edessa"/>
+        <a:font script="Syrj" typeface="Estrangelo Edessa"/>
+        <a:font script="Syre" typeface="Estrangelo Edessa"/>
+        <a:font script="Sora" typeface="Nirmala UI"/>
+        <a:font script="Tale" typeface="Microsoft Tai Le"/>
+        <a:font script="Talu" typeface="Microsoft New Tai Lue"/>
+        <a:font script="Tfng" typeface="Ebrima"/>
+      </a:minorFont>
+    </a:fontScheme>
+    <a:fmtScheme name="Office">
+      <a:fillStyleLst>
+        <a:solidFill>
+          <a:schemeClr val="phClr"/>
+        </a:solidFill>
+        <a:gradFill rotWithShape="1">
+          <a:gsLst>
+            <a:gs pos="0">
+              <a:schemeClr val="phClr">
+                <a:lumMod val="110000"/>
+                <a:satMod val="105000"/>
+                <a:tint val="67000"/>
+              </a:schemeClr>
+            </a:gs>
+            <a:gs pos="50000">
+              <a:schemeClr val="phClr">
+                <a:lumMod val="105000"/>
+                <a:satMod val="103000"/>
+                <a:tint val="73000"/>
+              </a:schemeClr>
+            </a:gs>
+            <a:gs pos="100000">
+              <a:schemeClr val="phClr">
+                <a:lumMod val="105000"/>
+                <a:satMod val="109000"/>
+                <a:tint val="81000"/>
+              </a:schemeClr>
+            </a:gs>
+          </a:gsLst>
+          <a:lin ang="5400000" scaled="0"/>
+        </a:gradFill>
+        <a:gradFill rotWithShape="1">
+          <a:gsLst>
+            <a:gs pos="0">
+              <a:schemeClr val="phClr">
+                <a:satMod val="103000"/>
+                <a:lumMod val="102000"/>
+                <a:tint val="94000"/>
+              </a:schemeClr>
+            </a:gs>
+            <a:gs pos="50000">
+              <a:schemeClr val="phClr">
+                <a:satMod val="110000"/>
+                <a:lumMod val="100000"/>
+                <a:shade val="100000"/>
+              </a:schemeClr>
+            </a:gs>
+            <a:gs pos="100000">
+              <a:schemeClr val="phClr">
+                <a:lumMod val="99000"/>
+                <a:satMod val="120000"/>
+                <a:shade val="78000"/>
+              </a:schemeClr>
+            </a:gs>
+          </a:gsLst>
+          <a:lin ang="5400000" scaled="0"/>
+        </a:gradFill>
+      </a:fillStyleLst>
+      <a:lnStyleLst>
+        <a:ln w="6350" cap="flat" cmpd="sng" algn="ctr">
+          <a:solidFill>
+            <a:schemeClr val="phClr"/>
+          </a:solidFill>
+          <a:prstDash val="solid"/>
+          <a:miter lim="800000"/>
+        </a:ln>
+        <a:ln w="12700" cap="flat" cmpd="sng" algn="ctr">
+          <a:solidFill>
+            <a:schemeClr val="phClr"/>
+          </a:solidFill>
+          <a:prstDash val="solid"/>
+          <a:miter lim="800000"/>
+        </a:ln>
+        <a:ln w="19050" cap="flat" cmpd="sng" algn="ctr">
+          <a:solidFill>
+            <a:schemeClr val="phClr"/>
+          </a:solidFill>
+          <a:prstDash val="solid"/>
+          <a:miter lim="800000"/>
+        </a:ln>
+      </a:lnStyleLst>
+      <a:effectStyleLst>
+        <a:effectStyle>
+          <a:effectLst/>
+        </a:effectStyle>
+        <a:effectStyle>
+          <a:effectLst/>
+        </a:effectStyle>
+        <a:effectStyle>
+          <a:effectLst>
+            <a:outerShdw blurRad="57150" dist="19050" dir="5400000" algn="ctr" rotWithShape="0">
+              <a:srgbClr val="000000">
+                <a:alpha val="63000"/>
+              </a:srgbClr>
+            </a:outerShdw>
+          </a:effectLst>
+        </a:effectStyle>
+      </a:effectStyleLst>
+      <a:bgFillStyleLst>
+        <a:solidFill>
+          <a:schemeClr val="phClr"/>
+        </a:solidFill>
+        <a:solidFill>
+          <a:schemeClr val="phClr">
+            <a:tint val="95000"/>
+            <a:satMod val="170000"/>
+          </a:schemeClr>
+        </a:solidFill>
+        <a:gradFill rotWithShape="1">
+          <a:gsLst>
+            <a:gs pos="0">
+              <a:schemeClr val="phClr">
+                <a:tint val="93000"/>
+                <a:satMod val="150000"/>
+                <a:shade val="98000"/>
+                <a:lumMod val="102000"/>
+              </a:schemeClr>
+            </a:gs>
+            <a:gs pos="50000">
+              <a:schemeClr val="phClr">
+                <a:tint val="98000"/>
+                <a:satMod val="130000"/>
+                <a:shade val="90000"/>
+                <a:lumMod val="103000"/>
+              </a:schemeClr>
+            </a:gs>
+            <a:gs pos="100000">
+              <a:schemeClr val="phClr">
+                <a:shade val="63000"/>
+                <a:satMod val="120000"/>
+              </a:schemeClr>
+            </a:gs>
+          </a:gsLst>
+          <a:lin ang="5400000" scaled="0"/>
+        </a:gradFill>
+      </a:bgFillStyleLst>
+    </a:fmtScheme>
+  </a:themeElements>
+  <a:objectDefaults/>
+  <a:extraClrSchemeLst/>
+  <a:extLst>
+    <a:ext uri="{05A4C25C-085E-4340-85A3-A5531E510DB2}">
+      <thm15:themeFamily xmlns:thm15="http://schemas.microsoft.com/office/thememl/2012/main" name="Office Theme" id="{62F939B6-93AF-4DB8-9C6B-D6C7DFDC589F}" vid="{4A3C46E8-61CC-4603-A589-7422A47A8E4A}"/>
+    </a:ext>
+  </a:extLst>
+</a:theme>
 </file>
--- a/presentation cyptoproject.pptx
+++ b/presentation cyptoproject.pptx
@@ -5,15 +5,17 @@
     <p:sldMasterId id="2147483648" r:id="rId1"/>
   </p:sldMasterIdLst>
   <p:notesMasterIdLst>
-    <p:notesMasterId r:id="rId8"/>
+    <p:notesMasterId r:id="rId10"/>
   </p:notesMasterIdLst>
   <p:sldIdLst>
     <p:sldId id="256" r:id="rId2"/>
     <p:sldId id="263" r:id="rId3"/>
     <p:sldId id="257" r:id="rId4"/>
     <p:sldId id="264" r:id="rId5"/>
-    <p:sldId id="265" r:id="rId6"/>
-    <p:sldId id="258" r:id="rId7"/>
+    <p:sldId id="268" r:id="rId6"/>
+    <p:sldId id="265" r:id="rId7"/>
+    <p:sldId id="266" r:id="rId8"/>
+    <p:sldId id="258" r:id="rId9"/>
   </p:sldIdLst>
   <p:sldSz cx="12192000" cy="6858000"/>
   <p:notesSz cx="6858000" cy="9144000"/>
@@ -202,7 +204,7 @@
           <a:p>
             <a:fld id="{133F9705-2986-4268-9B4C-44122C494377}" type="datetimeFigureOut">
               <a:rPr lang="en-US" smtClean="0"/>
-              <a:t>4/5/2018</a:t>
+              <a:t>4/7/2018</a:t>
             </a:fld>
             <a:endParaRPr lang="en-US"/>
           </a:p>
@@ -522,10 +524,157 @@
             </a:r>
           </a:p>
           <a:p>
+            <a:pPr marL="0" marR="0" lvl="0" indent="0" algn="l" defTabSz="914400" rtl="0" eaLnBrk="1" fontAlgn="auto" latinLnBrk="0" hangingPunct="1">
+              <a:lnSpc>
+                <a:spcPct val="100000"/>
+              </a:lnSpc>
+              <a:spcBef>
+                <a:spcPts val="0"/>
+              </a:spcBef>
+              <a:spcAft>
+                <a:spcPts val="0"/>
+              </a:spcAft>
+              <a:buClrTx/>
+              <a:buSzTx/>
+              <a:buFontTx/>
+              <a:buNone/>
+              <a:tabLst/>
+              <a:defRPr/>
+            </a:pPr>
+            <a:r>
+              <a:rPr lang="en-US" sz="1200" b="1" i="0" kern="1200" dirty="0">
+                <a:solidFill>
+                  <a:schemeClr val="tx1"/>
+                </a:solidFill>
+                <a:effectLst/>
+                <a:latin typeface="+mn-lt"/>
+                <a:ea typeface="+mn-ea"/>
+                <a:cs typeface="+mn-cs"/>
+              </a:rPr>
+              <a:t>The goal of this project was to apply sentiment analysis on tweets that influence the trading of cryptocurrencies. </a:t>
+            </a:r>
+          </a:p>
+          <a:p>
+            <a:pPr marL="0" marR="0" lvl="0" indent="0" algn="l" defTabSz="914400" rtl="0" eaLnBrk="1" fontAlgn="auto" latinLnBrk="0" hangingPunct="1">
+              <a:lnSpc>
+                <a:spcPct val="100000"/>
+              </a:lnSpc>
+              <a:spcBef>
+                <a:spcPts val="0"/>
+              </a:spcBef>
+              <a:spcAft>
+                <a:spcPts val="0"/>
+              </a:spcAft>
+              <a:buClrTx/>
+              <a:buSzTx/>
+              <a:buFontTx/>
+              <a:buNone/>
+              <a:tabLst/>
+              <a:defRPr/>
+            </a:pPr>
+            <a:endParaRPr lang="en-US" sz="1200" b="1" i="0" kern="1200" dirty="0">
+              <a:solidFill>
+                <a:schemeClr val="tx1"/>
+              </a:solidFill>
+              <a:effectLst/>
+              <a:latin typeface="+mn-lt"/>
+              <a:ea typeface="+mn-ea"/>
+              <a:cs typeface="+mn-cs"/>
+            </a:endParaRPr>
+          </a:p>
+          <a:p>
+            <a:pPr marL="0" marR="0" lvl="0" indent="0" algn="l" defTabSz="914400" rtl="0" eaLnBrk="1" fontAlgn="auto" latinLnBrk="0" hangingPunct="1">
+              <a:lnSpc>
+                <a:spcPct val="100000"/>
+              </a:lnSpc>
+              <a:spcBef>
+                <a:spcPts val="0"/>
+              </a:spcBef>
+              <a:spcAft>
+                <a:spcPts val="0"/>
+              </a:spcAft>
+              <a:buClrTx/>
+              <a:buSzTx/>
+              <a:buFontTx/>
+              <a:buNone/>
+              <a:tabLst/>
+              <a:defRPr/>
+            </a:pPr>
+            <a:r>
+              <a:rPr lang="en-US" sz="1200" b="1" i="0" kern="1200" dirty="0">
+                <a:solidFill>
+                  <a:schemeClr val="tx1"/>
+                </a:solidFill>
+                <a:effectLst/>
+                <a:latin typeface="+mn-lt"/>
+                <a:ea typeface="+mn-ea"/>
+                <a:cs typeface="+mn-cs"/>
+              </a:rPr>
+              <a:t>Code is hardcoded to gather twitter data for bitcoin using keywords, but that can be easily modified to support other coins.</a:t>
+            </a:r>
+          </a:p>
+          <a:p>
+            <a:endParaRPr lang="en-US" dirty="0"/>
+          </a:p>
+          <a:p>
+            <a:r>
+              <a:rPr lang="en-US" sz="1200" b="1" i="0" kern="1200" dirty="0">
+                <a:solidFill>
+                  <a:schemeClr val="tx1"/>
+                </a:solidFill>
+                <a:effectLst/>
+                <a:latin typeface="+mn-lt"/>
+                <a:ea typeface="+mn-ea"/>
+                <a:cs typeface="+mn-cs"/>
+              </a:rPr>
+              <a:t>Cryptocurrencies have been on the rise for the past years. Their value is completely defined by speculation of how much they can be worth. As such their exchange rates are very volatile, and very unpredictable.</a:t>
+            </a:r>
+          </a:p>
+          <a:p>
+            <a:r>
+              <a:rPr lang="en-US" sz="1200" b="1" i="0" kern="1200" dirty="0">
+                <a:solidFill>
+                  <a:schemeClr val="tx1"/>
+                </a:solidFill>
+                <a:effectLst/>
+                <a:latin typeface="+mn-lt"/>
+                <a:ea typeface="+mn-ea"/>
+                <a:cs typeface="+mn-cs"/>
+              </a:rPr>
+              <a:t>Twitter is one of the most popular social media networks there is, and it's an outlet through which millions of people broadcast their thoughts, fears and opinions on any topic of their interest.</a:t>
+            </a:r>
+          </a:p>
+          <a:p>
+            <a:r>
+              <a:rPr lang="en-US" sz="1200" b="1" i="0" kern="1200" dirty="0">
+                <a:solidFill>
+                  <a:schemeClr val="tx1"/>
+                </a:solidFill>
+                <a:effectLst/>
+                <a:latin typeface="+mn-lt"/>
+                <a:ea typeface="+mn-ea"/>
+                <a:cs typeface="+mn-cs"/>
+              </a:rPr>
+              <a:t>The goal of this project is to determine if we can use sentiment analyzer for this publicly available data that can help predict the data.</a:t>
+            </a:r>
+          </a:p>
+          <a:p>
+            <a:endParaRPr lang="en-US" dirty="0"/>
+          </a:p>
+          <a:p>
             <a:r>
               <a:rPr lang="en-US" dirty="0"/>
               <a:t>Seemed like a good way to test our new earned skills</a:t>
             </a:r>
+          </a:p>
+          <a:p>
+            <a:r>
+              <a:rPr lang="en-US" dirty="0"/>
+              <a:t>It’s a simple presentation since we’ve used most of our time on actual work!</a:t>
+            </a:r>
+          </a:p>
+          <a:p>
+            <a:endParaRPr lang="en-US" dirty="0"/>
           </a:p>
         </p:txBody>
       </p:sp>
@@ -609,6 +758,110 @@
           <a:bodyPr/>
           <a:lstStyle/>
           <a:p>
+            <a:endParaRPr lang="en-US" sz="1200" b="0" i="0" kern="1200" dirty="0">
+              <a:solidFill>
+                <a:schemeClr val="tx1"/>
+              </a:solidFill>
+              <a:effectLst/>
+              <a:latin typeface="+mn-lt"/>
+              <a:ea typeface="+mn-ea"/>
+              <a:cs typeface="+mn-cs"/>
+            </a:endParaRPr>
+          </a:p>
+          <a:p>
+            <a:r>
+              <a:rPr lang="en-US" sz="1200" b="0" i="0" kern="1200" dirty="0">
+                <a:solidFill>
+                  <a:schemeClr val="tx1"/>
+                </a:solidFill>
+                <a:effectLst/>
+                <a:latin typeface="+mn-lt"/>
+                <a:ea typeface="+mn-ea"/>
+                <a:cs typeface="+mn-cs"/>
+              </a:rPr>
+              <a:t>BLUF:</a:t>
+            </a:r>
+          </a:p>
+          <a:p>
+            <a:endParaRPr lang="en-US" sz="1200" b="0" i="0" kern="1200" dirty="0">
+              <a:solidFill>
+                <a:schemeClr val="tx1"/>
+              </a:solidFill>
+              <a:effectLst/>
+              <a:latin typeface="+mn-lt"/>
+              <a:ea typeface="+mn-ea"/>
+              <a:cs typeface="+mn-cs"/>
+            </a:endParaRPr>
+          </a:p>
+          <a:p>
+            <a:r>
+              <a:rPr lang="en-US" sz="1200" b="0" i="0" kern="1200" dirty="0">
+                <a:solidFill>
+                  <a:schemeClr val="tx1"/>
+                </a:solidFill>
+                <a:effectLst/>
+                <a:latin typeface="+mn-lt"/>
+                <a:ea typeface="+mn-ea"/>
+                <a:cs typeface="+mn-cs"/>
+              </a:rPr>
+              <a:t>We know from chaos theory that even if you had a perfect model of the world, you'd need infinite precision in order to predict future events. With social media and a economic phenomena, we don't have anything like that.</a:t>
+            </a:r>
+          </a:p>
+          <a:p>
+            <a:endParaRPr lang="en-US" dirty="0"/>
+          </a:p>
+          <a:p>
+            <a:r>
+              <a:rPr lang="en-US" dirty="0"/>
+              <a:t>PROCESS</a:t>
+            </a:r>
+          </a:p>
+          <a:p>
+            <a:endParaRPr lang="en-US" dirty="0"/>
+          </a:p>
+          <a:p>
+            <a:r>
+              <a:rPr lang="en-US" dirty="0"/>
+              <a:t>PANDAS</a:t>
+            </a:r>
+          </a:p>
+          <a:p>
+            <a:r>
+              <a:rPr lang="en-US" dirty="0"/>
+              <a:t>MATPLOTLIB</a:t>
+            </a:r>
+          </a:p>
+          <a:p>
+            <a:r>
+              <a:rPr lang="en-US" dirty="0"/>
+              <a:t>VADER</a:t>
+            </a:r>
+          </a:p>
+          <a:p>
+            <a:endParaRPr lang="en-US" dirty="0"/>
+          </a:p>
+          <a:p>
+            <a:br>
+              <a:rPr lang="en-US" dirty="0"/>
+            </a:br>
+            <a:r>
+              <a:rPr lang="en-US" sz="1200" b="0" i="0" kern="1200" dirty="0">
+                <a:solidFill>
+                  <a:schemeClr val="tx1"/>
+                </a:solidFill>
+                <a:effectLst/>
+                <a:latin typeface="+mn-lt"/>
+                <a:ea typeface="+mn-ea"/>
+                <a:cs typeface="+mn-cs"/>
+              </a:rPr>
+              <a:t>Free afternassim_nicholas_taleb_530983</a:t>
+            </a:r>
+            <a:endParaRPr lang="en-US" dirty="0"/>
+          </a:p>
+          <a:p>
+            <a:endParaRPr lang="en-US" dirty="0"/>
+          </a:p>
+          <a:p>
             <a:r>
               <a:rPr lang="en-US" dirty="0"/>
               <a:t>Twitter sentiment analysis:</a:t>
@@ -632,7 +885,44 @@
             <a:pPr lvl="2"/>
             <a:r>
               <a:rPr lang="en-US" dirty="0"/>
-              <a:t>A lot of problems with this (more to come)</a:t>
+              <a:t>300 x 6 search words x 1 </a:t>
+            </a:r>
+            <a:r>
+              <a:rPr lang="en-US" dirty="0" err="1"/>
+              <a:t>mnth</a:t>
+            </a:r>
+            <a:r>
+              <a:rPr lang="en-US" dirty="0"/>
+              <a:t> = approx. 56000 tweets</a:t>
+            </a:r>
+          </a:p>
+          <a:p>
+            <a:pPr lvl="2"/>
+            <a:r>
+              <a:rPr lang="en-US" dirty="0"/>
+              <a:t>	several duplicates</a:t>
+            </a:r>
+          </a:p>
+          <a:p>
+            <a:pPr lvl="2"/>
+            <a:r>
+              <a:rPr lang="en-US" dirty="0"/>
+              <a:t>	language</a:t>
+            </a:r>
+          </a:p>
+          <a:p>
+            <a:pPr lvl="2"/>
+            <a:r>
+              <a:rPr lang="en-US" dirty="0"/>
+              <a:t>	ended </a:t>
+            </a:r>
+            <a:r>
+              <a:rPr lang="en-US" dirty="0" err="1"/>
+              <a:t>upp</a:t>
+            </a:r>
+            <a:r>
+              <a:rPr lang="en-US" dirty="0"/>
+              <a:t> wit approx. 9000+ ditching duplicates</a:t>
             </a:r>
           </a:p>
           <a:p>
@@ -824,71 +1114,12 @@
           <a:p>
             <a:r>
               <a:rPr lang="en-US" dirty="0"/>
-              <a:t>Other currencies</a:t>
-            </a:r>
-          </a:p>
-          <a:p>
-            <a:r>
-              <a:rPr lang="en-US" dirty="0"/>
-              <a:t>Influencers/experts</a:t>
-            </a:r>
-          </a:p>
-          <a:p>
-            <a:r>
-              <a:rPr lang="en-US" dirty="0"/>
-              <a:t>Detailed analysis days </a:t>
-            </a:r>
-            <a:r>
-              <a:rPr lang="en-US" dirty="0">
-                <a:sym typeface="Wingdings" panose="05000000000000000000" pitchFamily="2" charset="2"/>
-              </a:rPr>
-              <a:t> hours</a:t>
-            </a:r>
-            <a:endParaRPr lang="en-US" dirty="0"/>
-          </a:p>
-          <a:p>
-            <a:r>
-              <a:rPr lang="en-US" dirty="0"/>
-              <a:t>the analysis would have to run for far longer than a month to surely state any basis</a:t>
-            </a:r>
-          </a:p>
-          <a:p>
-            <a:endParaRPr lang="en-US" dirty="0"/>
-          </a:p>
-          <a:p>
-            <a:r>
-              <a:rPr lang="en-US" dirty="0"/>
-              <a:t>The primary conclusion is that the number of predictions were</a:t>
-            </a:r>
-          </a:p>
-          <a:p>
-            <a:r>
-              <a:rPr lang="en-US" dirty="0"/>
-              <a:t>so few that venturing into prediction model conclusions would be un-</a:t>
-            </a:r>
-          </a:p>
-          <a:p>
-            <a:r>
-              <a:rPr lang="en-US" dirty="0"/>
-              <a:t>founded.</a:t>
-            </a:r>
-          </a:p>
-          <a:p>
-            <a:endParaRPr lang="en-US" dirty="0"/>
-          </a:p>
-          <a:p>
-            <a:r>
-              <a:rPr lang="en-US" dirty="0"/>
-              <a:t>Further improvements of the analysis would identify financial and cryptocurrency terms and yield a more</a:t>
-            </a:r>
-          </a:p>
-          <a:p>
-            <a:r>
-              <a:rPr lang="en-US" dirty="0"/>
-              <a:t>representative sentiment, hopefully improving the prediction accuracy</a:t>
-            </a:r>
-          </a:p>
-          <a:p>
+              <a:t>Why </a:t>
+            </a:r>
+            <a:r>
+              <a:rPr lang="en-US" dirty="0" err="1"/>
+              <a:t>BitCoin</a:t>
+            </a:r>
             <a:endParaRPr lang="en-US" dirty="0"/>
           </a:p>
         </p:txBody>
@@ -910,7 +1141,91 @@
           <a:p>
             <a:fld id="{F3BDACF8-D11A-4D1C-A514-11DD89EE5A19}" type="slidenum">
               <a:rPr lang="en-US" smtClean="0"/>
-              <a:t>5</a:t>
+              <a:t>3</a:t>
+            </a:fld>
+            <a:endParaRPr lang="en-US"/>
+          </a:p>
+        </p:txBody>
+      </p:sp>
+    </p:spTree>
+    <p:extLst>
+      <p:ext uri="{BB962C8B-B14F-4D97-AF65-F5344CB8AC3E}">
+        <p14:creationId xmlns:p14="http://schemas.microsoft.com/office/powerpoint/2010/main" val="3440142535"/>
+      </p:ext>
+    </p:extLst>
+  </p:cSld>
+  <p:clrMapOvr>
+    <a:masterClrMapping/>
+  </p:clrMapOvr>
+</p:notes>
+</file>
+
+<file path=ppt/notesSlides/notesSlide4.xml><?xml version="1.0" encoding="utf-8"?>
+<p:notes xmlns:a="http://schemas.openxmlformats.org/drawingml/2006/main" xmlns:r="http://schemas.openxmlformats.org/officeDocument/2006/relationships" xmlns:p="http://schemas.openxmlformats.org/presentationml/2006/main">
+  <p:cSld>
+    <p:spTree>
+      <p:nvGrpSpPr>
+        <p:cNvPr id="1" name=""/>
+        <p:cNvGrpSpPr/>
+        <p:nvPr/>
+      </p:nvGrpSpPr>
+      <p:grpSpPr>
+        <a:xfrm>
+          <a:off x="0" y="0"/>
+          <a:ext cx="0" cy="0"/>
+          <a:chOff x="0" y="0"/>
+          <a:chExt cx="0" cy="0"/>
+        </a:xfrm>
+      </p:grpSpPr>
+      <p:sp>
+        <p:nvSpPr>
+          <p:cNvPr id="2" name="Slide Image Placeholder 1"/>
+          <p:cNvSpPr>
+            <a:spLocks noGrp="1" noRot="1" noChangeAspect="1"/>
+          </p:cNvSpPr>
+          <p:nvPr>
+            <p:ph type="sldImg"/>
+          </p:nvPr>
+        </p:nvSpPr>
+        <p:spPr/>
+      </p:sp>
+      <p:sp>
+        <p:nvSpPr>
+          <p:cNvPr id="3" name="Notes Placeholder 2"/>
+          <p:cNvSpPr>
+            <a:spLocks noGrp="1"/>
+          </p:cNvSpPr>
+          <p:nvPr>
+            <p:ph type="body" idx="1"/>
+          </p:nvPr>
+        </p:nvSpPr>
+        <p:spPr/>
+        <p:txBody>
+          <a:bodyPr/>
+          <a:lstStyle/>
+          <a:p>
+            <a:endParaRPr lang="en-US" dirty="0"/>
+          </a:p>
+        </p:txBody>
+      </p:sp>
+      <p:sp>
+        <p:nvSpPr>
+          <p:cNvPr id="4" name="Slide Number Placeholder 3"/>
+          <p:cNvSpPr>
+            <a:spLocks noGrp="1"/>
+          </p:cNvSpPr>
+          <p:nvPr>
+            <p:ph type="sldNum" sz="quarter" idx="10"/>
+          </p:nvPr>
+        </p:nvSpPr>
+        <p:spPr/>
+        <p:txBody>
+          <a:bodyPr/>
+          <a:lstStyle/>
+          <a:p>
+            <a:fld id="{F3BDACF8-D11A-4D1C-A514-11DD89EE5A19}" type="slidenum">
+              <a:rPr lang="en-US" smtClean="0"/>
+              <a:t>6</a:t>
             </a:fld>
             <a:endParaRPr lang="en-US"/>
           </a:p>
@@ -1076,7 +1391,7 @@
           <a:p>
             <a:fld id="{1394F491-6774-4F06-8CF4-47FA4DE40F71}" type="datetimeFigureOut">
               <a:rPr lang="en-US" smtClean="0"/>
-              <a:t>4/5/2018</a:t>
+              <a:t>4/7/2018</a:t>
             </a:fld>
             <a:endParaRPr lang="en-US"/>
           </a:p>
@@ -1274,7 +1589,7 @@
           <a:p>
             <a:fld id="{1394F491-6774-4F06-8CF4-47FA4DE40F71}" type="datetimeFigureOut">
               <a:rPr lang="en-US" smtClean="0"/>
-              <a:t>4/5/2018</a:t>
+              <a:t>4/7/2018</a:t>
             </a:fld>
             <a:endParaRPr lang="en-US"/>
           </a:p>
@@ -1482,7 +1797,7 @@
           <a:p>
             <a:fld id="{1394F491-6774-4F06-8CF4-47FA4DE40F71}" type="datetimeFigureOut">
               <a:rPr lang="en-US" smtClean="0"/>
-              <a:t>4/5/2018</a:t>
+              <a:t>4/7/2018</a:t>
             </a:fld>
             <a:endParaRPr lang="en-US"/>
           </a:p>
@@ -1680,7 +1995,7 @@
           <a:p>
             <a:fld id="{1394F491-6774-4F06-8CF4-47FA4DE40F71}" type="datetimeFigureOut">
               <a:rPr lang="en-US" smtClean="0"/>
-              <a:t>4/5/2018</a:t>
+              <a:t>4/7/2018</a:t>
             </a:fld>
             <a:endParaRPr lang="en-US"/>
           </a:p>
@@ -1955,7 +2270,7 @@
           <a:p>
             <a:fld id="{1394F491-6774-4F06-8CF4-47FA4DE40F71}" type="datetimeFigureOut">
               <a:rPr lang="en-US" smtClean="0"/>
-              <a:t>4/5/2018</a:t>
+              <a:t>4/7/2018</a:t>
             </a:fld>
             <a:endParaRPr lang="en-US"/>
           </a:p>
@@ -2220,7 +2535,7 @@
           <a:p>
             <a:fld id="{1394F491-6774-4F06-8CF4-47FA4DE40F71}" type="datetimeFigureOut">
               <a:rPr lang="en-US" smtClean="0"/>
-              <a:t>4/5/2018</a:t>
+              <a:t>4/7/2018</a:t>
             </a:fld>
             <a:endParaRPr lang="en-US"/>
           </a:p>
@@ -2632,7 +2947,7 @@
           <a:p>
             <a:fld id="{1394F491-6774-4F06-8CF4-47FA4DE40F71}" type="datetimeFigureOut">
               <a:rPr lang="en-US" smtClean="0"/>
-              <a:t>4/5/2018</a:t>
+              <a:t>4/7/2018</a:t>
             </a:fld>
             <a:endParaRPr lang="en-US"/>
           </a:p>
@@ -2773,7 +3088,7 @@
           <a:p>
             <a:fld id="{1394F491-6774-4F06-8CF4-47FA4DE40F71}" type="datetimeFigureOut">
               <a:rPr lang="en-US" smtClean="0"/>
-              <a:t>4/5/2018</a:t>
+              <a:t>4/7/2018</a:t>
             </a:fld>
             <a:endParaRPr lang="en-US"/>
           </a:p>
@@ -2886,7 +3201,7 @@
           <a:p>
             <a:fld id="{1394F491-6774-4F06-8CF4-47FA4DE40F71}" type="datetimeFigureOut">
               <a:rPr lang="en-US" smtClean="0"/>
-              <a:t>4/5/2018</a:t>
+              <a:t>4/7/2018</a:t>
             </a:fld>
             <a:endParaRPr lang="en-US"/>
           </a:p>
@@ -3197,7 +3512,7 @@
           <a:p>
             <a:fld id="{1394F491-6774-4F06-8CF4-47FA4DE40F71}" type="datetimeFigureOut">
               <a:rPr lang="en-US" smtClean="0"/>
-              <a:t>4/5/2018</a:t>
+              <a:t>4/7/2018</a:t>
             </a:fld>
             <a:endParaRPr lang="en-US"/>
           </a:p>
@@ -3485,7 +3800,7 @@
           <a:p>
             <a:fld id="{1394F491-6774-4F06-8CF4-47FA4DE40F71}" type="datetimeFigureOut">
               <a:rPr lang="en-US" smtClean="0"/>
-              <a:t>4/5/2018</a:t>
+              <a:t>4/7/2018</a:t>
             </a:fld>
             <a:endParaRPr lang="en-US"/>
           </a:p>
@@ -3726,7 +4041,7 @@
           <a:p>
             <a:fld id="{1394F491-6774-4F06-8CF4-47FA4DE40F71}" type="datetimeFigureOut">
               <a:rPr lang="en-US" smtClean="0"/>
-              <a:t>4/5/2018</a:t>
+              <a:t>4/7/2018</a:t>
             </a:fld>
             <a:endParaRPr lang="en-US"/>
           </a:p>
@@ -4217,96 +4532,6 @@
 <file path=ppt/slides/slide2.xml><?xml version="1.0" encoding="utf-8"?>
 <p:sld xmlns:a="http://schemas.openxmlformats.org/drawingml/2006/main" xmlns:r="http://schemas.openxmlformats.org/officeDocument/2006/relationships" xmlns:p="http://schemas.openxmlformats.org/presentationml/2006/main">
   <p:cSld>
-    <p:spTree>
-      <p:nvGrpSpPr>
-        <p:cNvPr id="1" name=""/>
-        <p:cNvGrpSpPr/>
-        <p:nvPr/>
-      </p:nvGrpSpPr>
-      <p:grpSpPr>
-        <a:xfrm>
-          <a:off x="0" y="0"/>
-          <a:ext cx="0" cy="0"/>
-          <a:chOff x="0" y="0"/>
-          <a:chExt cx="0" cy="0"/>
-        </a:xfrm>
-      </p:grpSpPr>
-      <p:sp>
-        <p:nvSpPr>
-          <p:cNvPr id="2" name="Title 1">
-            <a:extLst>
-              <a:ext uri="{FF2B5EF4-FFF2-40B4-BE49-F238E27FC236}">
-                <a16:creationId xmlns:a16="http://schemas.microsoft.com/office/drawing/2014/main" id="{EB3699E7-15CE-454C-9EE7-157A61F063A7}"/>
-              </a:ext>
-            </a:extLst>
-          </p:cNvPr>
-          <p:cNvSpPr>
-            <a:spLocks noGrp="1"/>
-          </p:cNvSpPr>
-          <p:nvPr>
-            <p:ph type="title"/>
-          </p:nvPr>
-        </p:nvSpPr>
-        <p:spPr/>
-        <p:txBody>
-          <a:bodyPr/>
-          <a:lstStyle/>
-          <a:p>
-            <a:r>
-              <a:rPr lang="en-US" dirty="0"/>
-              <a:t>Can Twitter be used as an indicator on crypto currency value and fluctuation?</a:t>
-            </a:r>
-          </a:p>
-        </p:txBody>
-      </p:sp>
-      <p:sp>
-        <p:nvSpPr>
-          <p:cNvPr id="3" name="Content Placeholder 2">
-            <a:extLst>
-              <a:ext uri="{FF2B5EF4-FFF2-40B4-BE49-F238E27FC236}">
-                <a16:creationId xmlns:a16="http://schemas.microsoft.com/office/drawing/2014/main" id="{002BADF4-EABA-47C2-A690-D267C44D4363}"/>
-              </a:ext>
-            </a:extLst>
-          </p:cNvPr>
-          <p:cNvSpPr>
-            <a:spLocks noGrp="1"/>
-          </p:cNvSpPr>
-          <p:nvPr>
-            <p:ph idx="1"/>
-          </p:nvPr>
-        </p:nvSpPr>
-        <p:spPr/>
-        <p:txBody>
-          <a:bodyPr anchor="ctr"/>
-          <a:lstStyle/>
-          <a:p>
-            <a:pPr lvl="7"/>
-            <a:r>
-              <a:rPr lang="en-US" dirty="0"/>
-              <a:t>Do not really have an answer to that!</a:t>
-            </a:r>
-          </a:p>
-          <a:p>
-            <a:endParaRPr lang="en-US" dirty="0"/>
-          </a:p>
-        </p:txBody>
-      </p:sp>
-    </p:spTree>
-    <p:extLst>
-      <p:ext uri="{BB962C8B-B14F-4D97-AF65-F5344CB8AC3E}">
-        <p14:creationId xmlns:p14="http://schemas.microsoft.com/office/powerpoint/2010/main" val="3973728149"/>
-      </p:ext>
-    </p:extLst>
-  </p:cSld>
-  <p:clrMapOvr>
-    <a:masterClrMapping/>
-  </p:clrMapOvr>
-</p:sld>
-</file>
-
-<file path=ppt/slides/slide3.xml><?xml version="1.0" encoding="utf-8"?>
-<p:sld xmlns:a="http://schemas.openxmlformats.org/drawingml/2006/main" xmlns:r="http://schemas.openxmlformats.org/officeDocument/2006/relationships" xmlns:p="http://schemas.openxmlformats.org/presentationml/2006/main">
-  <p:cSld>
     <p:bg>
       <p:bgPr>
         <a:solidFill>
@@ -4331,10 +4556,10 @@
       </p:grpSpPr>
       <p:sp>
         <p:nvSpPr>
-          <p:cNvPr id="21" name="Freeform 11">
-            <a:extLst>
-              <a:ext uri="{FF2B5EF4-FFF2-40B4-BE49-F238E27FC236}">
-                <a16:creationId xmlns:a16="http://schemas.microsoft.com/office/drawing/2014/main" id="{A0BF428C-DA8B-4D99-9930-18F7F91D873D}"/>
+          <p:cNvPr id="11" name="Rectangle 7">
+            <a:extLst>
+              <a:ext uri="{FF2B5EF4-FFF2-40B4-BE49-F238E27FC236}">
+                <a16:creationId xmlns:a16="http://schemas.microsoft.com/office/drawing/2014/main" id="{8D70B121-56F4-4848-B38B-182089D909FA}"/>
               </a:ext>
             </a:extLst>
           </p:cNvPr>
@@ -4349,77 +4574,299 @@
             </p:extLst>
           </p:nvPr>
         </p:nvSpPr>
+        <p:spPr bwMode="ltGray">
+          <a:xfrm>
+            <a:off x="321564" y="320040"/>
+            <a:ext cx="11548872" cy="6217920"/>
+          </a:xfrm>
+          <a:prstGeom prst="rect">
+            <a:avLst/>
+          </a:prstGeom>
+          <a:solidFill>
+            <a:schemeClr val="tx1">
+              <a:alpha val="8000"/>
+            </a:schemeClr>
+          </a:solidFill>
+          <a:ln w="127000" cap="sq" cmpd="thinThick">
+            <a:noFill/>
+          </a:ln>
+        </p:spPr>
+        <p:style>
+          <a:lnRef idx="2">
+            <a:schemeClr val="accent1">
+              <a:shade val="50000"/>
+            </a:schemeClr>
+          </a:lnRef>
+          <a:fillRef idx="1">
+            <a:schemeClr val="accent1"/>
+          </a:fillRef>
+          <a:effectRef idx="0">
+            <a:schemeClr val="accent1"/>
+          </a:effectRef>
+          <a:fontRef idx="minor">
+            <a:schemeClr val="lt1"/>
+          </a:fontRef>
+        </p:style>
+        <p:txBody>
+          <a:bodyPr rtlCol="0" anchor="ctr"/>
+          <a:lstStyle/>
+          <a:p>
+            <a:pPr algn="ctr"/>
+            <a:endParaRPr lang="en-US"/>
+          </a:p>
+        </p:txBody>
+      </p:sp>
+      <p:cxnSp>
+        <p:nvCxnSpPr>
+          <p:cNvPr id="10" name="Straight Connector 9">
+            <a:extLst>
+              <a:ext uri="{FF2B5EF4-FFF2-40B4-BE49-F238E27FC236}">
+                <a16:creationId xmlns:a16="http://schemas.microsoft.com/office/drawing/2014/main" id="{2D72A2C9-F3CA-4216-8BAD-FA4C970C3C4E}"/>
+              </a:ext>
+            </a:extLst>
+          </p:cNvPr>
+          <p:cNvCxnSpPr>
+            <a:cxnSpLocks noGrp="1" noRot="1" noChangeAspect="1" noMove="1" noResize="1" noEditPoints="1" noAdjustHandles="1" noChangeArrowheads="1" noChangeShapeType="1"/>
+          </p:cNvCxnSpPr>
+          <p:nvPr>
+            <p:extLst>
+              <p:ext uri="{386F3935-93C4-4BCD-93E2-E3B085C9AB24}">
+                <p16:designElem xmlns:p16="http://schemas.microsoft.com/office/powerpoint/2015/main" val="1"/>
+              </p:ext>
+            </p:extLst>
+          </p:nvPr>
+        </p:nvCxnSpPr>
         <p:spPr>
           <a:xfrm>
-            <a:off x="4876801" y="1690688"/>
-            <a:ext cx="7316944" cy="5167312"/>
+            <a:off x="4654296" y="2057400"/>
+            <a:ext cx="0" cy="2743200"/>
           </a:xfrm>
-          <a:custGeom>
+          <a:prstGeom prst="line">
             <a:avLst/>
-            <a:gdLst>
-              <a:gd name="connsiteX0" fmla="*/ 0 w 7316944"/>
-              <a:gd name="connsiteY0" fmla="*/ 0 h 5167312"/>
-              <a:gd name="connsiteX1" fmla="*/ 7316944 w 7316944"/>
-              <a:gd name="connsiteY1" fmla="*/ 0 h 5167312"/>
-              <a:gd name="connsiteX2" fmla="*/ 7316944 w 7316944"/>
-              <a:gd name="connsiteY2" fmla="*/ 5167312 h 5167312"/>
-              <a:gd name="connsiteX3" fmla="*/ 472697 w 7316944"/>
-              <a:gd name="connsiteY3" fmla="*/ 5167312 h 5167312"/>
-              <a:gd name="connsiteX4" fmla="*/ 2866576 w 7316944"/>
-              <a:gd name="connsiteY4" fmla="*/ 952 h 5167312"/>
-              <a:gd name="connsiteX5" fmla="*/ 0 w 7316944"/>
-              <a:gd name="connsiteY5" fmla="*/ 952 h 5167312"/>
-            </a:gdLst>
-            <a:ahLst/>
-            <a:cxnLst>
-              <a:cxn ang="0">
-                <a:pos x="connsiteX0" y="connsiteY0"/>
-              </a:cxn>
-              <a:cxn ang="0">
-                <a:pos x="connsiteX1" y="connsiteY1"/>
-              </a:cxn>
-              <a:cxn ang="0">
-                <a:pos x="connsiteX2" y="connsiteY2"/>
-              </a:cxn>
-              <a:cxn ang="0">
-                <a:pos x="connsiteX3" y="connsiteY3"/>
-              </a:cxn>
-              <a:cxn ang="0">
-                <a:pos x="connsiteX4" y="connsiteY4"/>
-              </a:cxn>
-              <a:cxn ang="0">
-                <a:pos x="connsiteX5" y="connsiteY5"/>
-              </a:cxn>
-            </a:cxnLst>
-            <a:rect l="l" t="t" r="r" b="b"/>
-            <a:pathLst>
-              <a:path w="7316944" h="5167312">
-                <a:moveTo>
-                  <a:pt x="0" y="0"/>
-                </a:moveTo>
-                <a:lnTo>
-                  <a:pt x="7316944" y="0"/>
-                </a:lnTo>
-                <a:lnTo>
-                  <a:pt x="7316944" y="5167312"/>
-                </a:lnTo>
-                <a:lnTo>
-                  <a:pt x="472697" y="5167312"/>
-                </a:lnTo>
-                <a:lnTo>
-                  <a:pt x="2866576" y="952"/>
-                </a:lnTo>
-                <a:lnTo>
-                  <a:pt x="0" y="952"/>
-                </a:lnTo>
-                <a:close/>
-              </a:path>
-            </a:pathLst>
-          </a:custGeom>
+          </a:prstGeom>
+          <a:ln w="19050">
+            <a:solidFill>
+              <a:schemeClr val="tx1">
+                <a:lumMod val="85000"/>
+                <a:lumOff val="15000"/>
+              </a:schemeClr>
+            </a:solidFill>
+          </a:ln>
+        </p:spPr>
+        <p:style>
+          <a:lnRef idx="1">
+            <a:schemeClr val="accent1"/>
+          </a:lnRef>
+          <a:fillRef idx="0">
+            <a:schemeClr val="accent1"/>
+          </a:fillRef>
+          <a:effectRef idx="0">
+            <a:schemeClr val="accent1"/>
+          </a:effectRef>
+          <a:fontRef idx="minor">
+            <a:schemeClr val="tx1"/>
+          </a:fontRef>
+        </p:style>
+      </p:cxnSp>
+      <p:sp>
+        <p:nvSpPr>
+          <p:cNvPr id="2" name="Title 1">
+            <a:extLst>
+              <a:ext uri="{FF2B5EF4-FFF2-40B4-BE49-F238E27FC236}">
+                <a16:creationId xmlns:a16="http://schemas.microsoft.com/office/drawing/2014/main" id="{EB3699E7-15CE-454C-9EE7-157A61F063A7}"/>
+              </a:ext>
+            </a:extLst>
+          </p:cNvPr>
+          <p:cNvSpPr>
+            <a:spLocks noGrp="1"/>
+          </p:cNvSpPr>
+          <p:nvPr>
+            <p:ph type="title"/>
+          </p:nvPr>
+        </p:nvSpPr>
+        <p:spPr>
+          <a:xfrm>
+            <a:off x="838200" y="963877"/>
+            <a:ext cx="3494362" cy="4930246"/>
+          </a:xfrm>
+        </p:spPr>
+        <p:txBody>
+          <a:bodyPr>
+            <a:normAutofit/>
+          </a:bodyPr>
+          <a:lstStyle/>
+          <a:p>
+            <a:pPr algn="r"/>
+            <a:r>
+              <a:rPr lang="en-US">
+                <a:solidFill>
+                  <a:schemeClr val="accent1"/>
+                </a:solidFill>
+              </a:rPr>
+              <a:t>Can Twitter be used as an indicator on crypto currency value and fluctuation?</a:t>
+            </a:r>
+          </a:p>
+        </p:txBody>
+      </p:sp>
+      <p:sp>
+        <p:nvSpPr>
+          <p:cNvPr id="3" name="Content Placeholder 2">
+            <a:extLst>
+              <a:ext uri="{FF2B5EF4-FFF2-40B4-BE49-F238E27FC236}">
+                <a16:creationId xmlns:a16="http://schemas.microsoft.com/office/drawing/2014/main" id="{002BADF4-EABA-47C2-A690-D267C44D4363}"/>
+              </a:ext>
+            </a:extLst>
+          </p:cNvPr>
+          <p:cNvSpPr>
+            <a:spLocks noGrp="1"/>
+          </p:cNvSpPr>
+          <p:nvPr>
+            <p:ph idx="1"/>
+          </p:nvPr>
+        </p:nvSpPr>
+        <p:spPr>
+          <a:xfrm>
+            <a:off x="4976031" y="963877"/>
+            <a:ext cx="6377769" cy="4930246"/>
+          </a:xfrm>
+        </p:spPr>
+        <p:txBody>
+          <a:bodyPr anchor="ctr">
+            <a:normAutofit/>
+          </a:bodyPr>
+          <a:lstStyle/>
+          <a:p>
+            <a:pPr lvl="1"/>
+            <a:r>
+              <a:rPr lang="en-US" sz="3000" dirty="0"/>
+              <a:t>Do not really have an answer to that!</a:t>
+            </a:r>
+          </a:p>
+          <a:p>
+            <a:pPr marL="3200400" lvl="7" indent="0">
+              <a:buNone/>
+            </a:pPr>
+            <a:endParaRPr lang="en-US" sz="2400" dirty="0"/>
+          </a:p>
+          <a:p>
+            <a:pPr marL="914400" lvl="2" indent="0">
+              <a:buNone/>
+            </a:pPr>
+            <a:r>
+              <a:rPr lang="en-US" sz="2400" i="1" dirty="0"/>
+              <a:t>“We know from chaos theory that even if you had a perfect model of the world, you'd need infinite precision in order to predict future events. With social media and a economic phenomena, we don't have anything like that”</a:t>
+            </a:r>
+          </a:p>
+          <a:p>
+            <a:pPr marL="914400" lvl="2" indent="0">
+              <a:buNone/>
+            </a:pPr>
+            <a:r>
+              <a:rPr lang="en-US" sz="2400" dirty="0"/>
+              <a:t>							</a:t>
+            </a:r>
+            <a:r>
+              <a:rPr lang="en-US" sz="2400" i="1" dirty="0"/>
+              <a:t>(Free after </a:t>
+            </a:r>
+            <a:r>
+              <a:rPr lang="en-US" sz="2400" i="1" dirty="0" err="1"/>
+              <a:t>Nichlas</a:t>
+            </a:r>
+            <a:r>
+              <a:rPr lang="en-US" sz="2400" i="1" dirty="0"/>
+              <a:t> </a:t>
+            </a:r>
+            <a:r>
+              <a:rPr lang="en-US" sz="2400" i="1" dirty="0" err="1"/>
+              <a:t>Taleb</a:t>
+            </a:r>
+            <a:r>
+              <a:rPr lang="en-US" sz="2400" i="1" dirty="0"/>
+              <a:t>)</a:t>
+            </a:r>
+            <a:endParaRPr lang="en-US" sz="2400" dirty="0"/>
+          </a:p>
+          <a:p>
+            <a:endParaRPr lang="en-US" sz="2400" dirty="0"/>
+          </a:p>
+        </p:txBody>
+      </p:sp>
+    </p:spTree>
+    <p:extLst>
+      <p:ext uri="{BB962C8B-B14F-4D97-AF65-F5344CB8AC3E}">
+        <p14:creationId xmlns:p14="http://schemas.microsoft.com/office/powerpoint/2010/main" val="3973728149"/>
+      </p:ext>
+    </p:extLst>
+  </p:cSld>
+  <p:clrMapOvr>
+    <a:masterClrMapping/>
+  </p:clrMapOvr>
+</p:sld>
+</file>
+
+<file path=ppt/slides/slide3.xml><?xml version="1.0" encoding="utf-8"?>
+<p:sld xmlns:a="http://schemas.openxmlformats.org/drawingml/2006/main" xmlns:r="http://schemas.openxmlformats.org/officeDocument/2006/relationships" xmlns:p="http://schemas.openxmlformats.org/presentationml/2006/main">
+  <p:cSld>
+    <p:bg>
+      <p:bgPr>
+        <a:solidFill>
+          <a:schemeClr val="bg1">
+            <a:tint val="95000"/>
+            <a:satMod val="170000"/>
+          </a:schemeClr>
+        </a:solidFill>
+        <a:effectLst/>
+      </p:bgPr>
+    </p:bg>
+    <p:spTree>
+      <p:nvGrpSpPr>
+        <p:cNvPr id="1" name=""/>
+        <p:cNvGrpSpPr/>
+        <p:nvPr/>
+      </p:nvGrpSpPr>
+      <p:grpSpPr>
+        <a:xfrm>
+          <a:off x="0" y="0"/>
+          <a:ext cx="0" cy="0"/>
+          <a:chOff x="0" y="0"/>
+          <a:chExt cx="0" cy="0"/>
+        </a:xfrm>
+      </p:grpSpPr>
+      <p:sp>
+        <p:nvSpPr>
+          <p:cNvPr id="28" name="Rectangle 27">
+            <a:extLst>
+              <a:ext uri="{FF2B5EF4-FFF2-40B4-BE49-F238E27FC236}">
+                <a16:creationId xmlns:a16="http://schemas.microsoft.com/office/drawing/2014/main" id="{61445B8C-D724-4F73-AB77-3CCE4E822C9D}"/>
+              </a:ext>
+            </a:extLst>
+          </p:cNvPr>
+          <p:cNvSpPr>
+            <a:spLocks noGrp="1" noRot="1" noChangeAspect="1" noMove="1" noResize="1" noEditPoints="1" noAdjustHandles="1" noChangeArrowheads="1" noChangeShapeType="1" noTextEdit="1"/>
+          </p:cNvSpPr>
+          <p:nvPr>
+            <p:extLst>
+              <p:ext uri="{386F3935-93C4-4BCD-93E2-E3B085C9AB24}">
+                <p16:designElem xmlns:p16="http://schemas.microsoft.com/office/powerpoint/2015/main" val="1"/>
+              </p:ext>
+            </p:extLst>
+          </p:nvPr>
+        </p:nvSpPr>
+        <p:spPr>
+          <a:xfrm>
+            <a:off x="7534655" y="20963"/>
+            <a:ext cx="4657345" cy="6816065"/>
+          </a:xfrm>
+          <a:prstGeom prst="rect">
+            <a:avLst/>
+          </a:prstGeom>
           <a:solidFill>
-            <a:srgbClr val="A6A6A6">
-              <a:alpha val="70000"/>
-            </a:srgbClr>
+            <a:schemeClr val="bg1">
+              <a:lumMod val="95000"/>
+              <a:lumOff val="5000"/>
+              <a:alpha val="20000"/>
+            </a:schemeClr>
           </a:solidFill>
           <a:ln>
             <a:noFill/>
@@ -4442,28 +4889,55 @@
           </a:fontRef>
         </p:style>
         <p:txBody>
-          <a:bodyPr wrap="square" rtlCol="0" anchor="ctr">
-            <a:noAutofit/>
-          </a:bodyPr>
-          <a:lstStyle/>
-          <a:p>
-            <a:pPr algn="ctr"/>
-            <a:endParaRPr lang="en-US"/>
-          </a:p>
-        </p:txBody>
-      </p:sp>
-      <p:sp>
-        <p:nvSpPr>
-          <p:cNvPr id="23" name="Freeform 37">
-            <a:extLst>
-              <a:ext uri="{FF2B5EF4-FFF2-40B4-BE49-F238E27FC236}">
-                <a16:creationId xmlns:a16="http://schemas.microsoft.com/office/drawing/2014/main" id="{A03E2379-8871-408A-95CE-7AAE8FA53AE5}"/>
-              </a:ext>
-            </a:extLst>
-          </p:cNvPr>
-          <p:cNvSpPr>
-            <a:spLocks noGrp="1" noRot="1" noChangeAspect="1" noMove="1" noResize="1" noEditPoints="1" noAdjustHandles="1" noChangeArrowheads="1" noChangeShapeType="1" noTextEdit="1"/>
-          </p:cNvSpPr>
+          <a:bodyPr rtlCol="0" anchor="ctr"/>
+          <a:lstStyle/>
+          <a:p>
+            <a:pPr marL="0" marR="0" lvl="0" indent="0" algn="ctr" defTabSz="914400" rtl="0" eaLnBrk="1" fontAlgn="auto" latinLnBrk="0" hangingPunct="1">
+              <a:lnSpc>
+                <a:spcPct val="100000"/>
+              </a:lnSpc>
+              <a:spcBef>
+                <a:spcPts val="0"/>
+              </a:spcBef>
+              <a:spcAft>
+                <a:spcPts val="0"/>
+              </a:spcAft>
+              <a:buClrTx/>
+              <a:buSzTx/>
+              <a:buFontTx/>
+              <a:buNone/>
+              <a:tabLst/>
+              <a:defRPr/>
+            </a:pPr>
+            <a:endParaRPr kumimoji="0" lang="en-US" sz="1800" b="0" i="0" u="none" strike="noStrike" kern="1200" cap="none" spc="0" normalizeH="0" baseline="0" noProof="0">
+              <a:ln>
+                <a:noFill/>
+              </a:ln>
+              <a:solidFill>
+                <a:prstClr val="white"/>
+              </a:solidFill>
+              <a:effectLst/>
+              <a:uLnTx/>
+              <a:uFillTx/>
+              <a:latin typeface="Calibri" panose="020F0502020204030204"/>
+              <a:ea typeface="+mn-ea"/>
+              <a:cs typeface="+mn-cs"/>
+            </a:endParaRPr>
+          </a:p>
+        </p:txBody>
+      </p:sp>
+      <p:cxnSp>
+        <p:nvCxnSpPr>
+          <p:cNvPr id="30" name="Straight Connector 29">
+            <a:extLst>
+              <a:ext uri="{FF2B5EF4-FFF2-40B4-BE49-F238E27FC236}">
+                <a16:creationId xmlns:a16="http://schemas.microsoft.com/office/drawing/2014/main" id="{99905336-A7CD-4C75-9E77-C704674F4047}"/>
+              </a:ext>
+            </a:extLst>
+          </p:cNvPr>
+          <p:cNvCxnSpPr>
+            <a:cxnSpLocks noGrp="1" noRot="1" noChangeAspect="1" noMove="1" noResize="1" noEditPoints="1" noAdjustHandles="1" noChangeArrowheads="1" noChangeShapeType="1"/>
+          </p:cNvCxnSpPr>
           <p:nvPr>
             <p:extLst>
               <p:ext uri="{386F3935-93C4-4BCD-93E2-E3B085C9AB24}">
@@ -4471,122 +4945,45 @@
               </p:ext>
             </p:extLst>
           </p:nvPr>
-        </p:nvSpPr>
+        </p:nvCxnSpPr>
         <p:spPr>
-          <a:xfrm flipV="1">
-            <a:off x="-1746" y="1691164"/>
-            <a:ext cx="7571262" cy="5166360"/>
+          <a:xfrm>
+            <a:off x="9073347" y="3429000"/>
+            <a:ext cx="1597456" cy="0"/>
           </a:xfrm>
-          <a:custGeom>
+          <a:prstGeom prst="line">
             <a:avLst/>
-            <a:gdLst>
-              <a:gd name="connsiteX0" fmla="*/ 0 w 7571262"/>
-              <a:gd name="connsiteY0" fmla="*/ 5166360 h 5166360"/>
-              <a:gd name="connsiteX1" fmla="*/ 7571262 w 7571262"/>
-              <a:gd name="connsiteY1" fmla="*/ 5166360 h 5166360"/>
-              <a:gd name="connsiteX2" fmla="*/ 5177382 w 7571262"/>
-              <a:gd name="connsiteY2" fmla="*/ 0 h 5166360"/>
-              <a:gd name="connsiteX3" fmla="*/ 5171159 w 7571262"/>
-              <a:gd name="connsiteY3" fmla="*/ 0 h 5166360"/>
-              <a:gd name="connsiteX4" fmla="*/ 3981368 w 7571262"/>
-              <a:gd name="connsiteY4" fmla="*/ 0 h 5166360"/>
-              <a:gd name="connsiteX5" fmla="*/ 2331323 w 7571262"/>
-              <a:gd name="connsiteY5" fmla="*/ 0 h 5166360"/>
-              <a:gd name="connsiteX6" fmla="*/ 0 w 7571262"/>
-              <a:gd name="connsiteY6" fmla="*/ 0 h 5166360"/>
-            </a:gdLst>
-            <a:ahLst/>
-            <a:cxnLst>
-              <a:cxn ang="0">
-                <a:pos x="connsiteX0" y="connsiteY0"/>
-              </a:cxn>
-              <a:cxn ang="0">
-                <a:pos x="connsiteX1" y="connsiteY1"/>
-              </a:cxn>
-              <a:cxn ang="0">
-                <a:pos x="connsiteX2" y="connsiteY2"/>
-              </a:cxn>
-              <a:cxn ang="0">
-                <a:pos x="connsiteX3" y="connsiteY3"/>
-              </a:cxn>
-              <a:cxn ang="0">
-                <a:pos x="connsiteX4" y="connsiteY4"/>
-              </a:cxn>
-              <a:cxn ang="0">
-                <a:pos x="connsiteX5" y="connsiteY5"/>
-              </a:cxn>
-              <a:cxn ang="0">
-                <a:pos x="connsiteX6" y="connsiteY6"/>
-              </a:cxn>
-            </a:cxnLst>
-            <a:rect l="l" t="t" r="r" b="b"/>
-            <a:pathLst>
-              <a:path w="7571262" h="5166360">
-                <a:moveTo>
-                  <a:pt x="0" y="5166360"/>
-                </a:moveTo>
-                <a:lnTo>
-                  <a:pt x="7571262" y="5166360"/>
-                </a:lnTo>
-                <a:lnTo>
-                  <a:pt x="5177382" y="0"/>
-                </a:lnTo>
-                <a:lnTo>
-                  <a:pt x="5171159" y="0"/>
-                </a:lnTo>
-                <a:lnTo>
-                  <a:pt x="3981368" y="0"/>
-                </a:lnTo>
-                <a:lnTo>
-                  <a:pt x="2331323" y="0"/>
-                </a:lnTo>
-                <a:lnTo>
-                  <a:pt x="0" y="0"/>
-                </a:lnTo>
-                <a:close/>
-              </a:path>
-            </a:pathLst>
-          </a:custGeom>
-          <a:solidFill>
-            <a:srgbClr val="404040"/>
-          </a:solidFill>
-          <a:ln>
-            <a:noFill/>
+          </a:prstGeom>
+          <a:ln w="50800">
+            <a:solidFill>
+              <a:schemeClr val="bg1">
+                <a:lumMod val="65000"/>
+                <a:lumOff val="35000"/>
+              </a:schemeClr>
+            </a:solidFill>
           </a:ln>
         </p:spPr>
         <p:style>
-          <a:lnRef idx="2">
-            <a:schemeClr val="accent1">
-              <a:shade val="50000"/>
-            </a:schemeClr>
+          <a:lnRef idx="1">
+            <a:schemeClr val="accent1"/>
           </a:lnRef>
-          <a:fillRef idx="1">
+          <a:fillRef idx="0">
             <a:schemeClr val="accent1"/>
           </a:fillRef>
           <a:effectRef idx="0">
             <a:schemeClr val="accent1"/>
           </a:effectRef>
           <a:fontRef idx="minor">
-            <a:schemeClr val="lt1"/>
+            <a:schemeClr val="tx1"/>
           </a:fontRef>
         </p:style>
-        <p:txBody>
-          <a:bodyPr wrap="square" rtlCol="0" anchor="ctr">
-            <a:noAutofit/>
-          </a:bodyPr>
-          <a:lstStyle/>
-          <a:p>
-            <a:pPr algn="ctr"/>
-            <a:endParaRPr lang="en-US"/>
-          </a:p>
-        </p:txBody>
-      </p:sp>
+      </p:cxnSp>
       <p:pic>
         <p:nvPicPr>
-          <p:cNvPr id="9" name="Picture 8" descr="A close up of a logo&#10;&#10;Description generated with very high confidence">
-            <a:extLst>
-              <a:ext uri="{FF2B5EF4-FFF2-40B4-BE49-F238E27FC236}">
-                <a16:creationId xmlns:a16="http://schemas.microsoft.com/office/drawing/2014/main" id="{32142600-32BB-4BC2-A575-5923E97604B5}"/>
+          <p:cNvPr id="8" name="Picture 7" descr="A close up of a piece of paper&#10;&#10;Description generated with high confidence">
+            <a:extLst>
+              <a:ext uri="{FF2B5EF4-FFF2-40B4-BE49-F238E27FC236}">
+                <a16:creationId xmlns:a16="http://schemas.microsoft.com/office/drawing/2014/main" id="{F6C7607D-E1A4-44E3-9AD0-D577B745B9C3}"/>
               </a:ext>
             </a:extLst>
           </p:cNvPr>
@@ -4596,7 +4993,7 @@
           <p:nvPr/>
         </p:nvPicPr>
         <p:blipFill>
-          <a:blip r:embed="rId2">
+          <a:blip r:embed="rId3">
             <a:extLst>
               <a:ext uri="{28A0092B-C50C-407E-A947-70E740481C1C}">
                 <a14:useLocalDpi xmlns:a14="http://schemas.microsoft.com/office/drawing/2010/main" val="0"/>
@@ -4609,55 +5006,12 @@
         </p:blipFill>
         <p:spPr>
           <a:xfrm>
-            <a:off x="6427058" y="4577651"/>
-            <a:ext cx="3330372" cy="2220249"/>
+            <a:off x="7675594" y="3781134"/>
+            <a:ext cx="4074774" cy="2779874"/>
           </a:xfrm>
-          <a:custGeom>
+          <a:prstGeom prst="rect">
             <a:avLst/>
-            <a:gdLst>
-              <a:gd name="connsiteX0" fmla="*/ 0 w 4636009"/>
-              <a:gd name="connsiteY0" fmla="*/ 0 h 5032375"/>
-              <a:gd name="connsiteX1" fmla="*/ 4636009 w 4636009"/>
-              <a:gd name="connsiteY1" fmla="*/ 0 h 5032375"/>
-              <a:gd name="connsiteX2" fmla="*/ 4636009 w 4636009"/>
-              <a:gd name="connsiteY2" fmla="*/ 5032375 h 5032375"/>
-              <a:gd name="connsiteX3" fmla="*/ 0 w 4636009"/>
-              <a:gd name="connsiteY3" fmla="*/ 5032375 h 5032375"/>
-            </a:gdLst>
-            <a:ahLst/>
-            <a:cxnLst>
-              <a:cxn ang="0">
-                <a:pos x="connsiteX0" y="connsiteY0"/>
-              </a:cxn>
-              <a:cxn ang="0">
-                <a:pos x="connsiteX1" y="connsiteY1"/>
-              </a:cxn>
-              <a:cxn ang="0">
-                <a:pos x="connsiteX2" y="connsiteY2"/>
-              </a:cxn>
-              <a:cxn ang="0">
-                <a:pos x="connsiteX3" y="connsiteY3"/>
-              </a:cxn>
-            </a:cxnLst>
-            <a:rect l="l" t="t" r="r" b="b"/>
-            <a:pathLst>
-              <a:path w="4636009" h="5032375">
-                <a:moveTo>
-                  <a:pt x="0" y="0"/>
-                </a:moveTo>
-                <a:lnTo>
-                  <a:pt x="4636009" y="0"/>
-                </a:lnTo>
-                <a:lnTo>
-                  <a:pt x="4636009" y="5032375"/>
-                </a:lnTo>
-                <a:lnTo>
-                  <a:pt x="0" y="5032375"/>
-                </a:lnTo>
-                <a:close/>
-              </a:path>
-            </a:pathLst>
-          </a:custGeom>
+          </a:prstGeom>
         </p:spPr>
       </p:pic>
       <p:sp>
@@ -4678,8 +5032,8 @@
         </p:nvSpPr>
         <p:spPr>
           <a:xfrm>
-            <a:off x="838200" y="365125"/>
-            <a:ext cx="10515600" cy="1325563"/>
+            <a:off x="801098" y="1396289"/>
+            <a:ext cx="6387102" cy="1325563"/>
           </a:xfrm>
         </p:spPr>
         <p:txBody>
@@ -4717,13 +5071,13 @@
         </p:nvSpPr>
         <p:spPr>
           <a:xfrm>
-            <a:off x="838200" y="2015406"/>
-            <a:ext cx="5097779" cy="4065986"/>
+            <a:off x="805542" y="2871982"/>
+            <a:ext cx="6382657" cy="3181684"/>
           </a:xfrm>
         </p:spPr>
         <p:txBody>
           <a:bodyPr vert="horz" lIns="91440" tIns="45720" rIns="91440" bIns="45720" rtlCol="0" anchor="t">
-            <a:normAutofit/>
+            <a:normAutofit fontScale="85000" lnSpcReduction="20000"/>
           </a:bodyPr>
           <a:lstStyle/>
           <a:p>
@@ -4731,49 +5085,183 @@
               <a:buNone/>
             </a:pPr>
             <a:r>
-              <a:rPr lang="en-US" sz="2000" kern="1200">
-                <a:solidFill>
-                  <a:srgbClr val="FFFFFF"/>
-                </a:solidFill>
+              <a:rPr lang="en-US" sz="1800" kern="1200" dirty="0">
                 <a:latin typeface="+mn-lt"/>
                 <a:ea typeface="+mn-ea"/>
                 <a:cs typeface="+mn-cs"/>
               </a:rPr>
-              <a:t>BitCoin total market cap approx. 45%</a:t>
-            </a:r>
-          </a:p>
-          <a:p>
-            <a:pPr marL="0" indent="0">
-              <a:buNone/>
-            </a:pPr>
-            <a:r>
-              <a:rPr lang="en-US" sz="2000" kern="1200">
-                <a:solidFill>
-                  <a:srgbClr val="FFFFFF"/>
-                </a:solidFill>
+              <a:t>Why focus on </a:t>
+            </a:r>
+            <a:r>
+              <a:rPr lang="en-US" sz="1800" kern="1200" dirty="0" err="1">
                 <a:latin typeface="+mn-lt"/>
                 <a:ea typeface="+mn-ea"/>
                 <a:cs typeface="+mn-cs"/>
               </a:rPr>
-              <a:t>Highly volatile</a:t>
-            </a:r>
-            <a:endParaRPr lang="en-US" sz="2000" kern="1200" dirty="0">
-              <a:solidFill>
-                <a:srgbClr val="FFFFFF"/>
-              </a:solidFill>
+              <a:t>BitCoin</a:t>
+            </a:r>
+            <a:r>
+              <a:rPr lang="en-US" sz="1800" kern="1200" dirty="0">
+                <a:latin typeface="+mn-lt"/>
+                <a:ea typeface="+mn-ea"/>
+                <a:cs typeface="+mn-cs"/>
+              </a:rPr>
+              <a:t>:</a:t>
+            </a:r>
+          </a:p>
+          <a:p>
+            <a:r>
+              <a:rPr lang="en-US" sz="1800" kern="1200" dirty="0">
+                <a:latin typeface="+mn-lt"/>
+                <a:ea typeface="+mn-ea"/>
+                <a:cs typeface="+mn-cs"/>
+              </a:rPr>
+              <a:t>Amount of Twitter data where hard to gather due to restrictions in </a:t>
+            </a:r>
+            <a:r>
+              <a:rPr lang="en-US" sz="1800" kern="1200" dirty="0" err="1">
+                <a:latin typeface="+mn-lt"/>
+                <a:ea typeface="+mn-ea"/>
+                <a:cs typeface="+mn-cs"/>
+              </a:rPr>
+              <a:t>Tweepy</a:t>
+            </a:r>
+            <a:endParaRPr lang="en-US" sz="1800" kern="1200" dirty="0">
               <a:latin typeface="+mn-lt"/>
               <a:ea typeface="+mn-ea"/>
               <a:cs typeface="+mn-cs"/>
             </a:endParaRPr>
           </a:p>
+          <a:p>
+            <a:r>
+              <a:rPr lang="en-US" sz="1800" dirty="0"/>
+              <a:t>Needed to narrow the scope</a:t>
+            </a:r>
+          </a:p>
+          <a:p>
+            <a:r>
+              <a:rPr lang="en-US" sz="1800" kern="1200" dirty="0" err="1">
+                <a:latin typeface="+mn-lt"/>
+                <a:ea typeface="+mn-ea"/>
+                <a:cs typeface="+mn-cs"/>
+              </a:rPr>
+              <a:t>BitCoin</a:t>
+            </a:r>
+            <a:r>
+              <a:rPr lang="en-US" sz="1800" kern="1200" dirty="0">
+                <a:latin typeface="+mn-lt"/>
+                <a:ea typeface="+mn-ea"/>
+                <a:cs typeface="+mn-cs"/>
+              </a:rPr>
+              <a:t> total market cap approx. 45% and is the most known crypto currency</a:t>
+            </a:r>
+          </a:p>
+          <a:p>
+            <a:pPr marL="0" indent="0">
+              <a:buNone/>
+            </a:pPr>
+            <a:r>
+              <a:rPr lang="en-US" sz="1800" dirty="0"/>
+              <a:t>Pulled data from </a:t>
+            </a:r>
+            <a:r>
+              <a:rPr lang="en-US" sz="1800" dirty="0" err="1"/>
+              <a:t>Cryptocompare</a:t>
+            </a:r>
+            <a:r>
+              <a:rPr lang="en-US" sz="1800" dirty="0"/>
+              <a:t> API </a:t>
+            </a:r>
+          </a:p>
+          <a:p>
+            <a:r>
+              <a:rPr lang="en-US" sz="1800" kern="1200" dirty="0">
+                <a:latin typeface="+mn-lt"/>
+                <a:ea typeface="+mn-ea"/>
+                <a:cs typeface="+mn-cs"/>
+              </a:rPr>
+              <a:t>Historical daily average</a:t>
+            </a:r>
+          </a:p>
+          <a:p>
+            <a:r>
+              <a:rPr lang="en-US" sz="1800" dirty="0"/>
+              <a:t>Created csv and calculated changes</a:t>
+            </a:r>
+          </a:p>
+          <a:p>
+            <a:pPr marL="0" indent="0">
+              <a:buNone/>
+            </a:pPr>
+            <a:r>
+              <a:rPr lang="en-US" sz="1800" kern="1200" dirty="0">
+                <a:latin typeface="+mn-lt"/>
+                <a:ea typeface="+mn-ea"/>
+                <a:cs typeface="+mn-cs"/>
+              </a:rPr>
+              <a:t>Tools used:</a:t>
+            </a:r>
+          </a:p>
+          <a:p>
+            <a:r>
+              <a:rPr lang="en-US" sz="1800" kern="1200" dirty="0">
+                <a:latin typeface="+mn-lt"/>
+                <a:ea typeface="+mn-ea"/>
+                <a:cs typeface="+mn-cs"/>
+              </a:rPr>
+              <a:t>Python</a:t>
+            </a:r>
+          </a:p>
+          <a:p>
+            <a:pPr lvl="1"/>
+            <a:r>
+              <a:rPr lang="en-US" sz="1400" dirty="0"/>
+              <a:t>Pandas</a:t>
+            </a:r>
+          </a:p>
+          <a:p>
+            <a:pPr lvl="1"/>
+            <a:r>
+              <a:rPr lang="en-US" sz="1400" kern="1200" dirty="0" err="1">
+                <a:latin typeface="+mn-lt"/>
+                <a:ea typeface="+mn-ea"/>
+                <a:cs typeface="+mn-cs"/>
+              </a:rPr>
+              <a:t>Numpy</a:t>
+            </a:r>
+            <a:endParaRPr lang="en-US" sz="1400" kern="1200" dirty="0">
+              <a:latin typeface="+mn-lt"/>
+              <a:ea typeface="+mn-ea"/>
+              <a:cs typeface="+mn-cs"/>
+            </a:endParaRPr>
+          </a:p>
+          <a:p>
+            <a:pPr lvl="1"/>
+            <a:r>
+              <a:rPr lang="en-US" sz="1400" dirty="0"/>
+              <a:t>Matplotlib</a:t>
+            </a:r>
+            <a:endParaRPr lang="en-US" sz="1400" kern="1200" dirty="0">
+              <a:latin typeface="+mn-lt"/>
+              <a:ea typeface="+mn-ea"/>
+              <a:cs typeface="+mn-cs"/>
+            </a:endParaRPr>
+          </a:p>
+          <a:p>
+            <a:endParaRPr lang="en-US" sz="1800" kern="1200" dirty="0">
+              <a:latin typeface="+mn-lt"/>
+              <a:ea typeface="+mn-ea"/>
+              <a:cs typeface="+mn-cs"/>
+            </a:endParaRPr>
+          </a:p>
         </p:txBody>
       </p:sp>
       <p:pic>
         <p:nvPicPr>
-          <p:cNvPr id="8" name="Picture 7" descr="A close up of a piece of paper&#10;&#10;Description generated with high confidence">
-            <a:extLst>
-              <a:ext uri="{FF2B5EF4-FFF2-40B4-BE49-F238E27FC236}">
-                <a16:creationId xmlns:a16="http://schemas.microsoft.com/office/drawing/2014/main" id="{F6C7607D-E1A4-44E3-9AD0-D577B745B9C3}"/>
+          <p:cNvPr id="9" name="Content Placeholder 4" descr="A screenshot of a cell phone&#10;&#10;Description generated with high confidence">
+            <a:extLst>
+              <a:ext uri="{FF2B5EF4-FFF2-40B4-BE49-F238E27FC236}">
+                <a16:creationId xmlns:a16="http://schemas.microsoft.com/office/drawing/2014/main" id="{ED1E79B6-D2DF-4B92-B707-A48E9C3A1740}"/>
               </a:ext>
             </a:extLst>
           </p:cNvPr>
@@ -4783,7 +5271,7 @@
           <p:nvPr/>
         </p:nvPicPr>
         <p:blipFill>
-          <a:blip r:embed="rId3">
+          <a:blip r:embed="rId4">
             <a:extLst>
               <a:ext uri="{28A0092B-C50C-407E-A947-70E740481C1C}">
                 <a14:useLocalDpi xmlns:a14="http://schemas.microsoft.com/office/drawing/2010/main" val="0"/>
@@ -4796,8 +5284,8 @@
         </p:blipFill>
         <p:spPr>
           <a:xfrm>
-            <a:off x="8191894" y="1789999"/>
-            <a:ext cx="3685880" cy="2727552"/>
+            <a:off x="7675594" y="555163"/>
+            <a:ext cx="4169808" cy="2779872"/>
           </a:xfrm>
           <a:prstGeom prst="rect">
             <a:avLst/>
@@ -4812,7 +5300,7 @@
     </p:extLst>
   </p:cSld>
   <p:clrMapOvr>
-    <a:masterClrMapping/>
+    <a:overrideClrMapping bg1="dk1" tx1="lt1" bg2="dk2" tx2="lt2" accent1="accent1" accent2="accent2" accent3="accent3" accent4="accent4" accent5="accent5" accent6="accent6" hlink="hlink" folHlink="folHlink"/>
   </p:clrMapOvr>
 </p:sld>
 </file>
@@ -4844,10 +5332,10 @@
       </p:grpSpPr>
       <p:sp>
         <p:nvSpPr>
-          <p:cNvPr id="17" name="Rectangle 13">
-            <a:extLst>
-              <a:ext uri="{FF2B5EF4-FFF2-40B4-BE49-F238E27FC236}">
-                <a16:creationId xmlns:a16="http://schemas.microsoft.com/office/drawing/2014/main" id="{823AC064-BC96-4F32-8AE1-B2FD38754823}"/>
+          <p:cNvPr id="41" name="Rectangle 40">
+            <a:extLst>
+              <a:ext uri="{FF2B5EF4-FFF2-40B4-BE49-F238E27FC236}">
+                <a16:creationId xmlns:a16="http://schemas.microsoft.com/office/drawing/2014/main" id="{867D4867-5BA7-4462-B2F6-A23F4A622AA7}"/>
               </a:ext>
             </a:extLst>
           </p:cNvPr>
@@ -4862,20 +5350,280 @@
             </p:extLst>
           </p:nvPr>
         </p:nvSpPr>
-        <p:spPr bwMode="ltGray">
+        <p:spPr>
           <a:xfrm>
-            <a:off x="378068" y="4633546"/>
-            <a:ext cx="11438793" cy="1844256"/>
+            <a:off x="0" y="0"/>
+            <a:ext cx="4654296" cy="6858000"/>
           </a:xfrm>
           <a:prstGeom prst="rect">
             <a:avLst/>
           </a:prstGeom>
           <a:solidFill>
-            <a:srgbClr val="404040"/>
+            <a:schemeClr val="tx1">
+              <a:lumMod val="75000"/>
+              <a:lumOff val="25000"/>
+            </a:schemeClr>
+          </a:solidFill>
+          <a:ln>
+            <a:noFill/>
+          </a:ln>
+        </p:spPr>
+        <p:style>
+          <a:lnRef idx="0">
+            <a:scrgbClr r="0" g="0" b="0"/>
+          </a:lnRef>
+          <a:fillRef idx="0">
+            <a:scrgbClr r="0" g="0" b="0"/>
+          </a:fillRef>
+          <a:effectRef idx="0">
+            <a:scrgbClr r="0" g="0" b="0"/>
+          </a:effectRef>
+          <a:fontRef idx="minor">
+            <a:schemeClr val="lt1"/>
+          </a:fontRef>
+        </p:style>
+        <p:txBody>
+          <a:bodyPr rtlCol="0" anchor="ctr"/>
+          <a:lstStyle/>
+          <a:p>
+            <a:pPr algn="ctr"/>
+            <a:endParaRPr lang="en-US"/>
+          </a:p>
+        </p:txBody>
+      </p:sp>
+      <p:pic>
+        <p:nvPicPr>
+          <p:cNvPr id="9" name="Picture 8" descr="A screenshot of a cell phone&#10;&#10;Description generated with high confidence">
+            <a:extLst>
+              <a:ext uri="{FF2B5EF4-FFF2-40B4-BE49-F238E27FC236}">
+                <a16:creationId xmlns:a16="http://schemas.microsoft.com/office/drawing/2014/main" id="{9A4F4FB4-8529-46F1-A1F2-6F617B82E912}"/>
+              </a:ext>
+            </a:extLst>
+          </p:cNvPr>
+          <p:cNvPicPr>
+            <a:picLocks noChangeAspect="1"/>
+          </p:cNvPicPr>
+          <p:nvPr/>
+        </p:nvPicPr>
+        <p:blipFill rotWithShape="1">
+          <a:blip r:embed="rId2">
+            <a:extLst>
+              <a:ext uri="{28A0092B-C50C-407E-A947-70E740481C1C}">
+                <a14:useLocalDpi xmlns:a14="http://schemas.microsoft.com/office/drawing/2010/main" val="0"/>
+              </a:ext>
+            </a:extLst>
+          </a:blip>
+          <a:srcRect t="9001" r="2" b="14368"/>
+          <a:stretch/>
+        </p:blipFill>
+        <p:spPr>
+          <a:xfrm>
+            <a:off x="5297763" y="1005840"/>
+            <a:ext cx="6589437" cy="5047826"/>
+          </a:xfrm>
+          <a:prstGeom prst="rect">
+            <a:avLst/>
+          </a:prstGeom>
+        </p:spPr>
+      </p:pic>
+      <p:sp>
+        <p:nvSpPr>
+          <p:cNvPr id="2" name="Title 1">
+            <a:extLst>
+              <a:ext uri="{FF2B5EF4-FFF2-40B4-BE49-F238E27FC236}">
+                <a16:creationId xmlns:a16="http://schemas.microsoft.com/office/drawing/2014/main" id="{CA8C5465-C049-4BBB-9472-F12745964CDC}"/>
+              </a:ext>
+            </a:extLst>
+          </p:cNvPr>
+          <p:cNvSpPr>
+            <a:spLocks noGrp="1"/>
+          </p:cNvSpPr>
+          <p:nvPr>
+            <p:ph type="title"/>
+          </p:nvPr>
+        </p:nvSpPr>
+        <p:spPr>
+          <a:xfrm>
+            <a:off x="643467" y="643467"/>
+            <a:ext cx="3363974" cy="1597315"/>
+          </a:xfrm>
+          <a:noFill/>
+          <a:ln w="19050">
+            <a:solidFill>
+              <a:schemeClr val="bg1"/>
+            </a:solidFill>
+          </a:ln>
+        </p:spPr>
+        <p:txBody>
+          <a:bodyPr vert="horz" wrap="square" lIns="91440" tIns="45720" rIns="91440" bIns="45720" rtlCol="0">
+            <a:normAutofit/>
+          </a:bodyPr>
+          <a:lstStyle/>
+          <a:p>
+            <a:pPr algn="ctr"/>
+            <a:r>
+              <a:rPr lang="en-US" sz="2800">
+                <a:solidFill>
+                  <a:schemeClr val="bg1"/>
+                </a:solidFill>
+              </a:rPr>
+              <a:t>Sentiment Analysis</a:t>
+            </a:r>
+          </a:p>
+        </p:txBody>
+      </p:sp>
+      <p:sp>
+        <p:nvSpPr>
+          <p:cNvPr id="23" name="Content Placeholder 22">
+            <a:extLst>
+              <a:ext uri="{FF2B5EF4-FFF2-40B4-BE49-F238E27FC236}">
+                <a16:creationId xmlns:a16="http://schemas.microsoft.com/office/drawing/2014/main" id="{064523E5-F5B5-4D03-9141-FFA153FF6801}"/>
+              </a:ext>
+            </a:extLst>
+          </p:cNvPr>
+          <p:cNvSpPr>
+            <a:spLocks noGrp="1"/>
+          </p:cNvSpPr>
+          <p:nvPr>
+            <p:ph idx="1"/>
+          </p:nvPr>
+        </p:nvSpPr>
+        <p:spPr>
+          <a:xfrm>
+            <a:off x="643468" y="2638044"/>
+            <a:ext cx="3363974" cy="3415622"/>
+          </a:xfrm>
+        </p:spPr>
+        <p:txBody>
+          <a:bodyPr>
+            <a:normAutofit/>
+          </a:bodyPr>
+          <a:lstStyle/>
+          <a:p>
+            <a:r>
+              <a:rPr lang="en-US" sz="1900">
+                <a:solidFill>
+                  <a:schemeClr val="bg1"/>
+                </a:solidFill>
+              </a:rPr>
+              <a:t>Pulled 300 tweets from 6 keywords daily from January</a:t>
+            </a:r>
+          </a:p>
+          <a:p>
+            <a:r>
+              <a:rPr lang="en-US" sz="1900">
+                <a:solidFill>
+                  <a:schemeClr val="bg1"/>
+                </a:solidFill>
+              </a:rPr>
+              <a:t>Needed cleaning, several duplicates and non english tweets</a:t>
+            </a:r>
+          </a:p>
+          <a:p>
+            <a:r>
+              <a:rPr lang="en-US" sz="1900">
+                <a:solidFill>
+                  <a:schemeClr val="bg1"/>
+                </a:solidFill>
+              </a:rPr>
+              <a:t>Most tweets scored high on neutral and low on either pos or neg (fig)</a:t>
+            </a:r>
+          </a:p>
+          <a:p>
+            <a:r>
+              <a:rPr lang="en-US" sz="1900">
+                <a:solidFill>
+                  <a:schemeClr val="bg1"/>
+                </a:solidFill>
+              </a:rPr>
+              <a:t>Big thanks to sensei Matt for digging into the code for retrieving older tweets</a:t>
+            </a:r>
+          </a:p>
+          <a:p>
+            <a:endParaRPr lang="en-US" sz="1900">
+              <a:solidFill>
+                <a:schemeClr val="bg1"/>
+              </a:solidFill>
+            </a:endParaRPr>
+          </a:p>
+        </p:txBody>
+      </p:sp>
+    </p:spTree>
+    <p:extLst>
+      <p:ext uri="{BB962C8B-B14F-4D97-AF65-F5344CB8AC3E}">
+        <p14:creationId xmlns:p14="http://schemas.microsoft.com/office/powerpoint/2010/main" val="604840308"/>
+      </p:ext>
+    </p:extLst>
+  </p:cSld>
+  <p:clrMapOvr>
+    <a:masterClrMapping/>
+  </p:clrMapOvr>
+</p:sld>
+</file>
+
+<file path=ppt/slides/slide5.xml><?xml version="1.0" encoding="utf-8"?>
+<p:sld xmlns:a="http://schemas.openxmlformats.org/drawingml/2006/main" xmlns:r="http://schemas.openxmlformats.org/officeDocument/2006/relationships" xmlns:p="http://schemas.openxmlformats.org/presentationml/2006/main">
+  <p:cSld>
+    <p:bg>
+      <p:bgPr>
+        <a:solidFill>
+          <a:schemeClr val="bg1"/>
+        </a:solidFill>
+        <a:effectLst/>
+      </p:bgPr>
+    </p:bg>
+    <p:spTree>
+      <p:nvGrpSpPr>
+        <p:cNvPr id="1" name=""/>
+        <p:cNvGrpSpPr/>
+        <p:nvPr/>
+      </p:nvGrpSpPr>
+      <p:grpSpPr>
+        <a:xfrm>
+          <a:off x="0" y="0"/>
+          <a:ext cx="0" cy="0"/>
+          <a:chOff x="0" y="0"/>
+          <a:chExt cx="0" cy="0"/>
+        </a:xfrm>
+      </p:grpSpPr>
+      <p:sp>
+        <p:nvSpPr>
+          <p:cNvPr id="23" name="Rectangle 18">
+            <a:extLst>
+              <a:ext uri="{FF2B5EF4-FFF2-40B4-BE49-F238E27FC236}">
+                <a16:creationId xmlns:a16="http://schemas.microsoft.com/office/drawing/2014/main" id="{E02F3C71-C981-4614-98EA-D6C494F8091E}"/>
+              </a:ext>
+            </a:extLst>
+          </p:cNvPr>
+          <p:cNvSpPr>
+            <a:spLocks noGrp="1" noRot="1" noChangeAspect="1" noMove="1" noResize="1" noEditPoints="1" noAdjustHandles="1" noChangeArrowheads="1" noChangeShapeType="1" noTextEdit="1"/>
+          </p:cNvSpPr>
+          <p:nvPr>
+            <p:extLst>
+              <p:ext uri="{386F3935-93C4-4BCD-93E2-E3B085C9AB24}">
+                <p16:designElem xmlns:p16="http://schemas.microsoft.com/office/powerpoint/2015/main" val="1"/>
+              </p:ext>
+            </p:extLst>
+          </p:nvPr>
+        </p:nvSpPr>
+        <p:spPr bwMode="ltGray">
+          <a:xfrm>
+            <a:off x="336883" y="321176"/>
+            <a:ext cx="7174247" cy="5896743"/>
+          </a:xfrm>
+          <a:prstGeom prst="rect">
+            <a:avLst/>
+          </a:prstGeom>
+          <a:solidFill>
+            <a:schemeClr val="tx1">
+              <a:alpha val="15000"/>
+            </a:schemeClr>
           </a:solidFill>
           <a:ln w="127000" cap="sq" cmpd="thinThick">
             <a:solidFill>
-              <a:srgbClr val="404040"/>
+              <a:schemeClr val="tx1">
+                <a:alpha val="10000"/>
+              </a:schemeClr>
             </a:solidFill>
           </a:ln>
         </p:spPr>
@@ -4904,18 +5652,229 @@
           </a:p>
         </p:txBody>
       </p:sp>
-      <p:cxnSp>
-        <p:nvCxnSpPr>
-          <p:cNvPr id="16" name="Straight Connector 15">
-            <a:extLst>
-              <a:ext uri="{FF2B5EF4-FFF2-40B4-BE49-F238E27FC236}">
-                <a16:creationId xmlns:a16="http://schemas.microsoft.com/office/drawing/2014/main" id="{7E7C77BC-7138-40B1-A15B-20F57A494629}"/>
-              </a:ext>
-            </a:extLst>
-          </p:cNvPr>
-          <p:cNvCxnSpPr>
-            <a:cxnSpLocks noGrp="1" noRot="1" noChangeAspect="1" noMove="1" noResize="1" noEditPoints="1" noAdjustHandles="1" noChangeArrowheads="1" noChangeShapeType="1"/>
-          </p:cNvCxnSpPr>
+      <p:pic>
+        <p:nvPicPr>
+          <p:cNvPr id="10" name="Picture 9" descr="A screenshot of a cell phone&#10;&#10;Description generated with very high confidence">
+            <a:extLst>
+              <a:ext uri="{FF2B5EF4-FFF2-40B4-BE49-F238E27FC236}">
+                <a16:creationId xmlns:a16="http://schemas.microsoft.com/office/drawing/2014/main" id="{C07CD1BA-663D-4038-AE8C-FAE9C21B3A16}"/>
+              </a:ext>
+            </a:extLst>
+          </p:cNvPr>
+          <p:cNvPicPr>
+            <a:picLocks noChangeAspect="1"/>
+          </p:cNvPicPr>
+          <p:nvPr/>
+        </p:nvPicPr>
+        <p:blipFill>
+          <a:blip r:embed="rId2">
+            <a:extLst>
+              <a:ext uri="{28A0092B-C50C-407E-A947-70E740481C1C}">
+                <a14:useLocalDpi xmlns:a14="http://schemas.microsoft.com/office/drawing/2010/main" val="0"/>
+              </a:ext>
+            </a:extLst>
+          </a:blip>
+          <a:stretch>
+            <a:fillRect/>
+          </a:stretch>
+        </p:blipFill>
+        <p:spPr>
+          <a:xfrm>
+            <a:off x="8366760" y="2828925"/>
+            <a:ext cx="2819605" cy="3388994"/>
+          </a:xfrm>
+          <a:prstGeom prst="rect">
+            <a:avLst/>
+          </a:prstGeom>
+        </p:spPr>
+      </p:pic>
+      <p:pic>
+        <p:nvPicPr>
+          <p:cNvPr id="7" name="Content Placeholder 4" descr="A screenshot of a cell phone&#10;&#10;Description generated with very high confidence">
+            <a:extLst>
+              <a:ext uri="{FF2B5EF4-FFF2-40B4-BE49-F238E27FC236}">
+                <a16:creationId xmlns:a16="http://schemas.microsoft.com/office/drawing/2014/main" id="{F979275E-1C43-4FCA-A7C5-D34C1A5F5ED9}"/>
+              </a:ext>
+            </a:extLst>
+          </p:cNvPr>
+          <p:cNvPicPr>
+            <a:picLocks noChangeAspect="1"/>
+          </p:cNvPicPr>
+          <p:nvPr/>
+        </p:nvPicPr>
+        <p:blipFill rotWithShape="1">
+          <a:blip r:embed="rId3">
+            <a:extLst>
+              <a:ext uri="{28A0092B-C50C-407E-A947-70E740481C1C}">
+                <a14:useLocalDpi xmlns:a14="http://schemas.microsoft.com/office/drawing/2010/main" val="0"/>
+              </a:ext>
+            </a:extLst>
+          </a:blip>
+          <a:srcRect r="1" b="12822"/>
+          <a:stretch/>
+        </p:blipFill>
+        <p:spPr>
+          <a:xfrm>
+            <a:off x="7886567" y="306909"/>
+            <a:ext cx="3928377" cy="2286000"/>
+          </a:xfrm>
+          <a:prstGeom prst="rect">
+            <a:avLst/>
+          </a:prstGeom>
+        </p:spPr>
+      </p:pic>
+      <p:sp>
+        <p:nvSpPr>
+          <p:cNvPr id="2" name="Title 1">
+            <a:extLst>
+              <a:ext uri="{FF2B5EF4-FFF2-40B4-BE49-F238E27FC236}">
+                <a16:creationId xmlns:a16="http://schemas.microsoft.com/office/drawing/2014/main" id="{AD97E5C3-C1C5-410F-9D46-F02504EF3579}"/>
+              </a:ext>
+            </a:extLst>
+          </p:cNvPr>
+          <p:cNvSpPr>
+            <a:spLocks noGrp="1"/>
+          </p:cNvSpPr>
+          <p:nvPr>
+            <p:ph type="title"/>
+          </p:nvPr>
+        </p:nvSpPr>
+        <p:spPr>
+          <a:xfrm>
+            <a:off x="821516" y="640263"/>
+            <a:ext cx="6204984" cy="1344975"/>
+          </a:xfrm>
+        </p:spPr>
+        <p:txBody>
+          <a:bodyPr>
+            <a:normAutofit/>
+          </a:bodyPr>
+          <a:lstStyle/>
+          <a:p>
+            <a:r>
+              <a:rPr lang="en-US" sz="4000"/>
+              <a:t>Compound score in January</a:t>
+            </a:r>
+          </a:p>
+        </p:txBody>
+      </p:sp>
+      <p:sp>
+        <p:nvSpPr>
+          <p:cNvPr id="6" name="Content Placeholder 5">
+            <a:extLst>
+              <a:ext uri="{FF2B5EF4-FFF2-40B4-BE49-F238E27FC236}">
+                <a16:creationId xmlns:a16="http://schemas.microsoft.com/office/drawing/2014/main" id="{3C50F40B-966F-4E65-A4DE-E53C214607A9}"/>
+              </a:ext>
+            </a:extLst>
+          </p:cNvPr>
+          <p:cNvSpPr>
+            <a:spLocks noGrp="1"/>
+          </p:cNvSpPr>
+          <p:nvPr>
+            <p:ph idx="1"/>
+          </p:nvPr>
+        </p:nvSpPr>
+        <p:spPr>
+          <a:xfrm>
+            <a:off x="821515" y="2121762"/>
+            <a:ext cx="6204984" cy="3626917"/>
+          </a:xfrm>
+        </p:spPr>
+        <p:txBody>
+          <a:bodyPr>
+            <a:normAutofit/>
+          </a:bodyPr>
+          <a:lstStyle/>
+          <a:p>
+            <a:pPr marL="0" indent="0">
+              <a:buNone/>
+            </a:pPr>
+            <a:r>
+              <a:rPr lang="en-US" sz="2400"/>
+              <a:t>Compound score from 31</a:t>
+            </a:r>
+            <a:r>
+              <a:rPr lang="en-US" sz="2400" baseline="30000"/>
+              <a:t>st</a:t>
+            </a:r>
+            <a:r>
+              <a:rPr lang="en-US" sz="2400"/>
+              <a:t> of jan is the only negative</a:t>
+            </a:r>
+          </a:p>
+          <a:p>
+            <a:pPr marL="0" indent="0">
+              <a:buNone/>
+            </a:pPr>
+            <a:r>
+              <a:rPr lang="en-US" sz="2400"/>
+              <a:t>Correlates with news articles from same period</a:t>
+            </a:r>
+          </a:p>
+          <a:p>
+            <a:pPr marL="0" indent="0">
+              <a:buNone/>
+            </a:pPr>
+            <a:endParaRPr lang="en-US" sz="2400"/>
+          </a:p>
+          <a:p>
+            <a:pPr marL="0" indent="0">
+              <a:buNone/>
+            </a:pPr>
+            <a:endParaRPr lang="en-US" sz="2400"/>
+          </a:p>
+        </p:txBody>
+      </p:sp>
+    </p:spTree>
+    <p:extLst>
+      <p:ext uri="{BB962C8B-B14F-4D97-AF65-F5344CB8AC3E}">
+        <p14:creationId xmlns:p14="http://schemas.microsoft.com/office/powerpoint/2010/main" val="3041370470"/>
+      </p:ext>
+    </p:extLst>
+  </p:cSld>
+  <p:clrMapOvr>
+    <a:masterClrMapping/>
+  </p:clrMapOvr>
+</p:sld>
+</file>
+
+<file path=ppt/slides/slide6.xml><?xml version="1.0" encoding="utf-8"?>
+<p:sld xmlns:a="http://schemas.openxmlformats.org/drawingml/2006/main" xmlns:r="http://schemas.openxmlformats.org/officeDocument/2006/relationships" xmlns:p="http://schemas.openxmlformats.org/presentationml/2006/main">
+  <p:cSld>
+    <p:bg>
+      <p:bgPr>
+        <a:solidFill>
+          <a:schemeClr val="bg1"/>
+        </a:solidFill>
+        <a:effectLst/>
+      </p:bgPr>
+    </p:bg>
+    <p:spTree>
+      <p:nvGrpSpPr>
+        <p:cNvPr id="1" name=""/>
+        <p:cNvGrpSpPr/>
+        <p:nvPr/>
+      </p:nvGrpSpPr>
+      <p:grpSpPr>
+        <a:xfrm>
+          <a:off x="0" y="0"/>
+          <a:ext cx="0" cy="0"/>
+          <a:chOff x="0" y="0"/>
+          <a:chExt cx="0" cy="0"/>
+        </a:xfrm>
+      </p:grpSpPr>
+      <p:sp>
+        <p:nvSpPr>
+          <p:cNvPr id="8" name="Rectangle 7">
+            <a:extLst>
+              <a:ext uri="{FF2B5EF4-FFF2-40B4-BE49-F238E27FC236}">
+                <a16:creationId xmlns:a16="http://schemas.microsoft.com/office/drawing/2014/main" id="{8D70B121-56F4-4848-B38B-182089D909FA}"/>
+              </a:ext>
+            </a:extLst>
+          </p:cNvPr>
+          <p:cNvSpPr>
+            <a:spLocks noGrp="1" noRot="1" noChangeAspect="1" noMove="1" noResize="1" noEditPoints="1" noAdjustHandles="1" noChangeArrowheads="1" noChangeShapeType="1" noTextEdit="1"/>
+          </p:cNvSpPr>
           <p:nvPr>
             <p:extLst>
               <p:ext uri="{386F3935-93C4-4BCD-93E2-E3B085C9AB24}">
@@ -4923,18 +5882,83 @@
               </p:ext>
             </p:extLst>
           </p:nvPr>
+        </p:nvSpPr>
+        <p:spPr bwMode="ltGray">
+          <a:xfrm>
+            <a:off x="321564" y="320040"/>
+            <a:ext cx="11548872" cy="6217920"/>
+          </a:xfrm>
+          <a:prstGeom prst="rect">
+            <a:avLst/>
+          </a:prstGeom>
+          <a:solidFill>
+            <a:schemeClr val="tx1">
+              <a:alpha val="8000"/>
+            </a:schemeClr>
+          </a:solidFill>
+          <a:ln w="127000" cap="sq" cmpd="thinThick">
+            <a:noFill/>
+          </a:ln>
+        </p:spPr>
+        <p:style>
+          <a:lnRef idx="2">
+            <a:schemeClr val="accent1">
+              <a:shade val="50000"/>
+            </a:schemeClr>
+          </a:lnRef>
+          <a:fillRef idx="1">
+            <a:schemeClr val="accent1"/>
+          </a:fillRef>
+          <a:effectRef idx="0">
+            <a:schemeClr val="accent1"/>
+          </a:effectRef>
+          <a:fontRef idx="minor">
+            <a:schemeClr val="lt1"/>
+          </a:fontRef>
+        </p:style>
+        <p:txBody>
+          <a:bodyPr rtlCol="0" anchor="ctr"/>
+          <a:lstStyle/>
+          <a:p>
+            <a:pPr algn="ctr"/>
+            <a:endParaRPr lang="en-US"/>
+          </a:p>
+        </p:txBody>
+      </p:sp>
+      <p:cxnSp>
+        <p:nvCxnSpPr>
+          <p:cNvPr id="10" name="Straight Connector 9">
+            <a:extLst>
+              <a:ext uri="{FF2B5EF4-FFF2-40B4-BE49-F238E27FC236}">
+                <a16:creationId xmlns:a16="http://schemas.microsoft.com/office/drawing/2014/main" id="{2D72A2C9-F3CA-4216-8BAD-FA4C970C3C4E}"/>
+              </a:ext>
+            </a:extLst>
+          </p:cNvPr>
+          <p:cNvCxnSpPr>
+            <a:cxnSpLocks noGrp="1" noRot="1" noChangeAspect="1" noMove="1" noResize="1" noEditPoints="1" noAdjustHandles="1" noChangeArrowheads="1" noChangeShapeType="1"/>
+          </p:cNvCxnSpPr>
+          <p:nvPr>
+            <p:extLst>
+              <p:ext uri="{386F3935-93C4-4BCD-93E2-E3B085C9AB24}">
+                <p16:designElem xmlns:p16="http://schemas.microsoft.com/office/powerpoint/2015/main" val="1"/>
+              </p:ext>
+            </p:extLst>
+          </p:nvPr>
         </p:nvCxnSpPr>
         <p:spPr>
           <a:xfrm>
-            <a:off x="2209800" y="5738691"/>
-            <a:ext cx="7772400" cy="0"/>
+            <a:off x="4654296" y="2057400"/>
+            <a:ext cx="0" cy="2743200"/>
           </a:xfrm>
           <a:prstGeom prst="line">
             <a:avLst/>
           </a:prstGeom>
-          <a:ln w="22225">
+          <a:ln w="19050">
             <a:solidFill>
-              <a:srgbClr val="D9D9D9"/>
+              <a:schemeClr val="tx1">
+                <a:lumMod val="85000"/>
+                <a:lumOff val="15000"/>
+              </a:schemeClr>
             </a:solidFill>
           </a:ln>
         </p:spPr>
@@ -4953,173 +5977,151 @@
           </a:fontRef>
         </p:style>
       </p:cxnSp>
-      <p:cxnSp>
-        <p:nvCxnSpPr>
-          <p:cNvPr id="18" name="Straight Connector 17">
-            <a:extLst>
-              <a:ext uri="{FF2B5EF4-FFF2-40B4-BE49-F238E27FC236}">
-                <a16:creationId xmlns:a16="http://schemas.microsoft.com/office/drawing/2014/main" id="{DB146403-F3D6-484B-B2ED-97F9565D0370}"/>
-              </a:ext>
-            </a:extLst>
-          </p:cNvPr>
-          <p:cNvCxnSpPr>
-            <a:cxnSpLocks noGrp="1" noRot="1" noChangeAspect="1" noMove="1" noResize="1" noEditPoints="1" noAdjustHandles="1" noChangeArrowheads="1" noChangeShapeType="1"/>
-          </p:cNvCxnSpPr>
-          <p:nvPr>
-            <p:extLst>
-              <p:ext uri="{386F3935-93C4-4BCD-93E2-E3B085C9AB24}">
-                <p16:designElem xmlns:p16="http://schemas.microsoft.com/office/powerpoint/2015/main" val="1"/>
-              </p:ext>
-            </p:extLst>
-          </p:nvPr>
-        </p:nvCxnSpPr>
+      <p:sp>
+        <p:nvSpPr>
+          <p:cNvPr id="2" name="Title 1">
+            <a:extLst>
+              <a:ext uri="{FF2B5EF4-FFF2-40B4-BE49-F238E27FC236}">
+                <a16:creationId xmlns:a16="http://schemas.microsoft.com/office/drawing/2014/main" id="{99D2620C-4227-4F26-8696-471863753450}"/>
+              </a:ext>
+            </a:extLst>
+          </p:cNvPr>
+          <p:cNvSpPr>
+            <a:spLocks noGrp="1"/>
+          </p:cNvSpPr>
+          <p:nvPr>
+            <p:ph type="title"/>
+          </p:nvPr>
+        </p:nvSpPr>
         <p:spPr>
           <a:xfrm>
-            <a:off x="6096000" y="477749"/>
-            <a:ext cx="0" cy="3657600"/>
+            <a:off x="838200" y="963877"/>
+            <a:ext cx="3494362" cy="4930246"/>
           </a:xfrm>
-          <a:prstGeom prst="line">
-            <a:avLst/>
-          </a:prstGeom>
-          <a:ln w="101600" cmpd="dbl">
-            <a:solidFill>
-              <a:srgbClr val="595959"/>
-            </a:solidFill>
-          </a:ln>
         </p:spPr>
-        <p:style>
-          <a:lnRef idx="1">
-            <a:schemeClr val="accent1"/>
-          </a:lnRef>
-          <a:fillRef idx="0">
-            <a:schemeClr val="accent1"/>
-          </a:fillRef>
-          <a:effectRef idx="0">
-            <a:schemeClr val="accent1"/>
-          </a:effectRef>
-          <a:fontRef idx="minor">
-            <a:schemeClr val="tx1"/>
-          </a:fontRef>
-        </p:style>
-      </p:cxnSp>
-      <p:pic>
-        <p:nvPicPr>
-          <p:cNvPr id="5" name="Content Placeholder 4" descr="A screenshot of a cell phone&#10;&#10;Description generated with very high confidence">
-            <a:extLst>
-              <a:ext uri="{FF2B5EF4-FFF2-40B4-BE49-F238E27FC236}">
-                <a16:creationId xmlns:a16="http://schemas.microsoft.com/office/drawing/2014/main" id="{9176AE42-AC34-48F2-8927-84C1F9A8D024}"/>
-              </a:ext>
-            </a:extLst>
-          </p:cNvPr>
-          <p:cNvPicPr>
-            <a:picLocks noGrp="1" noChangeAspect="1"/>
-          </p:cNvPicPr>
+        <p:txBody>
+          <a:bodyPr>
+            <a:normAutofit/>
+          </a:bodyPr>
+          <a:lstStyle/>
+          <a:p>
+            <a:pPr algn="r"/>
+            <a:r>
+              <a:rPr lang="en-US">
+                <a:solidFill>
+                  <a:schemeClr val="accent1"/>
+                </a:solidFill>
+              </a:rPr>
+              <a:t>Lessons Learned	</a:t>
+            </a:r>
+          </a:p>
+        </p:txBody>
+      </p:sp>
+      <p:sp>
+        <p:nvSpPr>
+          <p:cNvPr id="3" name="Content Placeholder 2">
+            <a:extLst>
+              <a:ext uri="{FF2B5EF4-FFF2-40B4-BE49-F238E27FC236}">
+                <a16:creationId xmlns:a16="http://schemas.microsoft.com/office/drawing/2014/main" id="{3EA2A49B-086A-4250-894D-8202E7260948}"/>
+              </a:ext>
+            </a:extLst>
+          </p:cNvPr>
+          <p:cNvSpPr>
+            <a:spLocks noGrp="1"/>
+          </p:cNvSpPr>
           <p:nvPr>
             <p:ph idx="1"/>
           </p:nvPr>
-        </p:nvPicPr>
-        <p:blipFill>
-          <a:blip r:embed="rId2">
-            <a:extLst>
-              <a:ext uri="{28A0092B-C50C-407E-A947-70E740481C1C}">
-                <a14:useLocalDpi xmlns:a14="http://schemas.microsoft.com/office/drawing/2010/main" val="0"/>
-              </a:ext>
-            </a:extLst>
-          </a:blip>
-          <a:stretch>
-            <a:fillRect/>
-          </a:stretch>
-        </p:blipFill>
+        </p:nvSpPr>
         <p:spPr>
           <a:xfrm>
-            <a:off x="320040" y="485636"/>
-            <a:ext cx="5455917" cy="3641827"/>
-          </a:xfrm>
-          <a:prstGeom prst="rect">
-            <a:avLst/>
-          </a:prstGeom>
-        </p:spPr>
-      </p:pic>
-      <p:pic>
-        <p:nvPicPr>
-          <p:cNvPr id="9" name="Picture 8" descr="A screenshot of a cell phone&#10;&#10;Description generated with high confidence">
-            <a:extLst>
-              <a:ext uri="{FF2B5EF4-FFF2-40B4-BE49-F238E27FC236}">
-                <a16:creationId xmlns:a16="http://schemas.microsoft.com/office/drawing/2014/main" id="{9A4F4FB4-8529-46F1-A1F2-6F617B82E912}"/>
-              </a:ext>
-            </a:extLst>
-          </p:cNvPr>
-          <p:cNvPicPr>
-            <a:picLocks noChangeAspect="1"/>
-          </p:cNvPicPr>
-          <p:nvPr/>
-        </p:nvPicPr>
-        <p:blipFill>
-          <a:blip r:embed="rId3">
-            <a:extLst>
-              <a:ext uri="{28A0092B-C50C-407E-A947-70E740481C1C}">
-                <a14:useLocalDpi xmlns:a14="http://schemas.microsoft.com/office/drawing/2010/main" val="0"/>
-              </a:ext>
-            </a:extLst>
-          </a:blip>
-          <a:stretch>
-            <a:fillRect/>
-          </a:stretch>
-        </p:blipFill>
-        <p:spPr>
-          <a:xfrm>
-            <a:off x="6416043" y="717514"/>
-            <a:ext cx="5455917" cy="3178071"/>
-          </a:xfrm>
-          <a:prstGeom prst="rect">
-            <a:avLst/>
-          </a:prstGeom>
-        </p:spPr>
-      </p:pic>
-      <p:sp>
-        <p:nvSpPr>
-          <p:cNvPr id="2" name="Title 1">
-            <a:extLst>
-              <a:ext uri="{FF2B5EF4-FFF2-40B4-BE49-F238E27FC236}">
-                <a16:creationId xmlns:a16="http://schemas.microsoft.com/office/drawing/2014/main" id="{CA8C5465-C049-4BBB-9472-F12745964CDC}"/>
-              </a:ext>
-            </a:extLst>
-          </p:cNvPr>
-          <p:cNvSpPr>
-            <a:spLocks noGrp="1"/>
-          </p:cNvSpPr>
-          <p:nvPr>
-            <p:ph type="title"/>
-          </p:nvPr>
-        </p:nvSpPr>
-        <p:spPr>
-          <a:xfrm>
-            <a:off x="527538" y="4756638"/>
-            <a:ext cx="11139854" cy="930447"/>
+            <a:off x="4976031" y="963877"/>
+            <a:ext cx="6377769" cy="4930246"/>
           </a:xfrm>
         </p:spPr>
         <p:txBody>
-          <a:bodyPr vert="horz" lIns="91440" tIns="45720" rIns="91440" bIns="45720" rtlCol="0" anchor="b">
-            <a:normAutofit/>
+          <a:bodyPr anchor="ctr">
+            <a:normAutofit fontScale="92500" lnSpcReduction="20000"/>
           </a:bodyPr>
           <a:lstStyle/>
           <a:p>
-            <a:pPr algn="ctr"/>
-            <a:r>
-              <a:rPr lang="en-US" sz="5400">
-                <a:solidFill>
-                  <a:srgbClr val="FFFFFF"/>
-                </a:solidFill>
-              </a:rPr>
-              <a:t>Sentiment Analysis</a:t>
-            </a:r>
+            <a:pPr marL="0" indent="0">
+              <a:buNone/>
+            </a:pPr>
+            <a:r>
+              <a:rPr lang="en-US" sz="2000" dirty="0"/>
+              <a:t>Overall correlation coefficient: 0,016</a:t>
+            </a:r>
+          </a:p>
+          <a:p>
+            <a:r>
+              <a:rPr lang="en-US" sz="2000" dirty="0"/>
+              <a:t>Indicates weak to no correlation</a:t>
+            </a:r>
+          </a:p>
+          <a:p>
+            <a:r>
+              <a:rPr lang="en-US" sz="2000" dirty="0"/>
+              <a:t>Due to the size of dataset we can not conclude (even if we had strong correlation)</a:t>
+            </a:r>
+          </a:p>
+          <a:p>
+            <a:endParaRPr lang="en-US" sz="2000" dirty="0"/>
+          </a:p>
+          <a:p>
+            <a:pPr marL="0" indent="0">
+              <a:buNone/>
+            </a:pPr>
+            <a:r>
+              <a:rPr lang="en-US" sz="2000" dirty="0"/>
+              <a:t>What does it mean?</a:t>
+            </a:r>
+          </a:p>
+          <a:p>
+            <a:r>
+              <a:rPr lang="en-US" sz="2000" dirty="0"/>
+              <a:t>The primary conclusion is that the number of predictions were so few that venturing into prediction model conclusions would be un-founded.</a:t>
+            </a:r>
+          </a:p>
+          <a:p>
+            <a:pPr marL="0" indent="0">
+              <a:buNone/>
+            </a:pPr>
+            <a:endParaRPr lang="en-US" sz="2000" dirty="0"/>
+          </a:p>
+          <a:p>
+            <a:r>
+              <a:rPr lang="en-US" sz="2000" dirty="0"/>
+              <a:t>From our sample, it seems like Twitter is more reactive to news in stead of being autonomous indicator of BTC status</a:t>
+            </a:r>
+          </a:p>
+          <a:p>
+            <a:pPr marL="0" indent="0">
+              <a:buNone/>
+            </a:pPr>
+            <a:endParaRPr lang="en-US" sz="2000" dirty="0"/>
+          </a:p>
+          <a:p>
+            <a:pPr marL="0" indent="0">
+              <a:buNone/>
+            </a:pPr>
+            <a:r>
+              <a:rPr lang="en-US" sz="2000" dirty="0"/>
+              <a:t>Further improvements of the analysis would identify financial and cryptocurrency terms and yield a more representative sentiment, hopefully improving the prediction accuracy</a:t>
+            </a:r>
+          </a:p>
+          <a:p>
+            <a:pPr marL="0" indent="0">
+              <a:buNone/>
+            </a:pPr>
+            <a:endParaRPr lang="en-US" sz="2000" dirty="0"/>
           </a:p>
         </p:txBody>
       </p:sp>
     </p:spTree>
     <p:extLst>
       <p:ext uri="{BB962C8B-B14F-4D97-AF65-F5344CB8AC3E}">
-        <p14:creationId xmlns:p14="http://schemas.microsoft.com/office/powerpoint/2010/main" val="604840308"/>
+        <p14:creationId xmlns:p14="http://schemas.microsoft.com/office/powerpoint/2010/main" val="309739399"/>
       </p:ext>
     </p:extLst>
   </p:cSld>
@@ -5129,7 +6131,7 @@
 </p:sld>
 </file>
 
-<file path=ppt/slides/slide5.xml><?xml version="1.0" encoding="utf-8"?>
+<file path=ppt/slides/slide7.xml><?xml version="1.0" encoding="utf-8"?>
 <p:sld xmlns:a="http://schemas.openxmlformats.org/drawingml/2006/main" xmlns:r="http://schemas.openxmlformats.org/officeDocument/2006/relationships" xmlns:p="http://schemas.openxmlformats.org/presentationml/2006/main">
   <p:cSld>
     <p:spTree>
@@ -5151,7 +6153,7 @@
           <p:cNvPr id="2" name="Title 1">
             <a:extLst>
               <a:ext uri="{FF2B5EF4-FFF2-40B4-BE49-F238E27FC236}">
-                <a16:creationId xmlns:a16="http://schemas.microsoft.com/office/drawing/2014/main" id="{99D2620C-4227-4F26-8696-471863753450}"/>
+                <a16:creationId xmlns:a16="http://schemas.microsoft.com/office/drawing/2014/main" id="{7126491D-093E-44C7-A5FC-C6BDE37B0D2C}"/>
               </a:ext>
             </a:extLst>
           </p:cNvPr>
@@ -5167,51 +6169,52 @@
           <a:bodyPr/>
           <a:lstStyle/>
           <a:p>
-            <a:r>
-              <a:rPr lang="en-US" dirty="0"/>
-              <a:t>Correlation Coefficient	</a:t>
-            </a:r>
-          </a:p>
-        </p:txBody>
-      </p:sp>
-      <p:sp>
-        <p:nvSpPr>
-          <p:cNvPr id="3" name="Content Placeholder 2">
-            <a:extLst>
-              <a:ext uri="{FF2B5EF4-FFF2-40B4-BE49-F238E27FC236}">
-                <a16:creationId xmlns:a16="http://schemas.microsoft.com/office/drawing/2014/main" id="{3EA2A49B-086A-4250-894D-8202E7260948}"/>
-              </a:ext>
-            </a:extLst>
-          </p:cNvPr>
-          <p:cNvSpPr>
-            <a:spLocks noGrp="1"/>
-          </p:cNvSpPr>
+            <a:endParaRPr lang="en-US"/>
+          </a:p>
+        </p:txBody>
+      </p:sp>
+      <p:pic>
+        <p:nvPicPr>
+          <p:cNvPr id="7" name="Content Placeholder 6" descr="A screenshot of a cell phone&#10;&#10;Description generated with very high confidence">
+            <a:extLst>
+              <a:ext uri="{FF2B5EF4-FFF2-40B4-BE49-F238E27FC236}">
+                <a16:creationId xmlns:a16="http://schemas.microsoft.com/office/drawing/2014/main" id="{77324A3F-61BD-4C33-89F9-1EF6589FC5CA}"/>
+              </a:ext>
+            </a:extLst>
+          </p:cNvPr>
+          <p:cNvPicPr>
+            <a:picLocks noGrp="1" noChangeAspect="1"/>
+          </p:cNvPicPr>
           <p:nvPr>
             <p:ph idx="1"/>
           </p:nvPr>
-        </p:nvSpPr>
-        <p:spPr/>
-        <p:txBody>
-          <a:bodyPr/>
-          <a:lstStyle/>
-          <a:p>
-            <a:r>
-              <a:rPr lang="en-US" dirty="0"/>
-              <a:t>0,016</a:t>
-            </a:r>
-          </a:p>
-          <a:p>
-            <a:endParaRPr lang="en-US" dirty="0"/>
-          </a:p>
-          <a:p>
-            <a:endParaRPr lang="en-US" dirty="0"/>
-          </a:p>
-        </p:txBody>
-      </p:sp>
+        </p:nvPicPr>
+        <p:blipFill>
+          <a:blip r:embed="rId2">
+            <a:extLst>
+              <a:ext uri="{28A0092B-C50C-407E-A947-70E740481C1C}">
+                <a14:useLocalDpi xmlns:a14="http://schemas.microsoft.com/office/drawing/2010/main" val="0"/>
+              </a:ext>
+            </a:extLst>
+          </a:blip>
+          <a:stretch>
+            <a:fillRect/>
+          </a:stretch>
+        </p:blipFill>
+        <p:spPr>
+          <a:xfrm>
+            <a:off x="3352175" y="2172077"/>
+            <a:ext cx="5487650" cy="3658433"/>
+          </a:xfrm>
+          <a:prstGeom prst="rect">
+            <a:avLst/>
+          </a:prstGeom>
+        </p:spPr>
+      </p:pic>
     </p:spTree>
     <p:extLst>
       <p:ext uri="{BB962C8B-B14F-4D97-AF65-F5344CB8AC3E}">
-        <p14:creationId xmlns:p14="http://schemas.microsoft.com/office/powerpoint/2010/main" val="309739399"/>
+        <p14:creationId xmlns:p14="http://schemas.microsoft.com/office/powerpoint/2010/main" val="2618885297"/>
       </p:ext>
     </p:extLst>
   </p:cSld>
@@ -5221,7 +6224,7 @@
 </p:sld>
 </file>
 
-<file path=ppt/slides/slide6.xml><?xml version="1.0" encoding="utf-8"?>
+<file path=ppt/slides/slide8.xml><?xml version="1.0" encoding="utf-8"?>
 <p:sld xmlns:a="http://schemas.openxmlformats.org/drawingml/2006/main" xmlns:r="http://schemas.openxmlformats.org/officeDocument/2006/relationships" xmlns:p="http://schemas.openxmlformats.org/presentationml/2006/main">
   <p:cSld>
     <p:spTree>
